--- a/Proyecto/Presentación Nu-CaBuPa.pptx
+++ b/Proyecto/Presentación Nu-CaBuPa.pptx
@@ -6,25 +6,19 @@
   </p:sldMasterIdLst>
   <p:sldIdLst>
     <p:sldId id="256" r:id="rId2"/>
-    <p:sldId id="257" r:id="rId3"/>
-    <p:sldId id="258" r:id="rId4"/>
-    <p:sldId id="259" r:id="rId5"/>
-    <p:sldId id="264" r:id="rId6"/>
-    <p:sldId id="260" r:id="rId7"/>
-    <p:sldId id="261" r:id="rId8"/>
-    <p:sldId id="262" r:id="rId9"/>
-    <p:sldId id="263" r:id="rId10"/>
-    <p:sldId id="265" r:id="rId11"/>
-    <p:sldId id="266" r:id="rId12"/>
-    <p:sldId id="267" r:id="rId13"/>
-    <p:sldId id="268" r:id="rId14"/>
-    <p:sldId id="269" r:id="rId15"/>
-    <p:sldId id="270" r:id="rId16"/>
-    <p:sldId id="271" r:id="rId17"/>
-    <p:sldId id="272" r:id="rId18"/>
-    <p:sldId id="273" r:id="rId19"/>
-    <p:sldId id="274" r:id="rId20"/>
-    <p:sldId id="275" r:id="rId21"/>
+    <p:sldId id="258" r:id="rId3"/>
+    <p:sldId id="259" r:id="rId4"/>
+    <p:sldId id="260" r:id="rId5"/>
+    <p:sldId id="265" r:id="rId6"/>
+    <p:sldId id="261" r:id="rId7"/>
+    <p:sldId id="262" r:id="rId8"/>
+    <p:sldId id="263" r:id="rId9"/>
+    <p:sldId id="266" r:id="rId10"/>
+    <p:sldId id="268" r:id="rId11"/>
+    <p:sldId id="267" r:id="rId12"/>
+    <p:sldId id="269" r:id="rId13"/>
+    <p:sldId id="270" r:id="rId14"/>
+    <p:sldId id="271" r:id="rId15"/>
   </p:sldIdLst>
   <p:sldSz cx="9144000" cy="6858000" type="screen4x3"/>
   <p:notesSz cx="6858000" cy="9144000"/>
@@ -133,25 +127,19 @@
         </p14:section>
         <p14:section name="Sección sin título" id="{A6F8C779-0E66-4C3A-A919-BFDB6FAC3F20}">
           <p14:sldIdLst>
-            <p14:sldId id="257"/>
             <p14:sldId id="258"/>
             <p14:sldId id="259"/>
-            <p14:sldId id="264"/>
             <p14:sldId id="260"/>
+            <p14:sldId id="265"/>
             <p14:sldId id="261"/>
             <p14:sldId id="262"/>
             <p14:sldId id="263"/>
-            <p14:sldId id="265"/>
             <p14:sldId id="266"/>
+            <p14:sldId id="268"/>
             <p14:sldId id="267"/>
-            <p14:sldId id="268"/>
             <p14:sldId id="269"/>
             <p14:sldId id="270"/>
             <p14:sldId id="271"/>
-            <p14:sldId id="272"/>
-            <p14:sldId id="273"/>
-            <p14:sldId id="274"/>
-            <p14:sldId id="275"/>
           </p14:sldIdLst>
         </p14:section>
       </p14:sectionLst>
@@ -353,7 +341,7 @@
           <a:p>
             <a:fld id="{0B8DD80E-5314-4506-B330-B1A7010353A2}" type="datetimeFigureOut">
               <a:rPr lang="es-ES" smtClean="0"/>
-              <a:t>27/10/2020</a:t>
+              <a:t>08/11/2020</a:t>
             </a:fld>
             <a:endParaRPr lang="es-ES"/>
           </a:p>
@@ -516,7 +504,7 @@
           <a:p>
             <a:fld id="{0B8DD80E-5314-4506-B330-B1A7010353A2}" type="datetimeFigureOut">
               <a:rPr lang="es-ES" smtClean="0"/>
-              <a:t>27/10/2020</a:t>
+              <a:t>08/11/2020</a:t>
             </a:fld>
             <a:endParaRPr lang="es-ES"/>
           </a:p>
@@ -689,7 +677,7 @@
           <a:p>
             <a:fld id="{0B8DD80E-5314-4506-B330-B1A7010353A2}" type="datetimeFigureOut">
               <a:rPr lang="es-ES" smtClean="0"/>
-              <a:t>27/10/2020</a:t>
+              <a:t>08/11/2020</a:t>
             </a:fld>
             <a:endParaRPr lang="es-ES"/>
           </a:p>
@@ -852,7 +840,7 @@
           <a:p>
             <a:fld id="{0B8DD80E-5314-4506-B330-B1A7010353A2}" type="datetimeFigureOut">
               <a:rPr lang="es-ES" smtClean="0"/>
-              <a:t>27/10/2020</a:t>
+              <a:t>08/11/2020</a:t>
             </a:fld>
             <a:endParaRPr lang="es-ES"/>
           </a:p>
@@ -1092,7 +1080,7 @@
           <a:p>
             <a:fld id="{0B8DD80E-5314-4506-B330-B1A7010353A2}" type="datetimeFigureOut">
               <a:rPr lang="es-ES" smtClean="0"/>
-              <a:t>27/10/2020</a:t>
+              <a:t>08/11/2020</a:t>
             </a:fld>
             <a:endParaRPr lang="es-ES"/>
           </a:p>
@@ -1372,7 +1360,7 @@
           <a:p>
             <a:fld id="{0B8DD80E-5314-4506-B330-B1A7010353A2}" type="datetimeFigureOut">
               <a:rPr lang="es-ES" smtClean="0"/>
-              <a:t>27/10/2020</a:t>
+              <a:t>08/11/2020</a:t>
             </a:fld>
             <a:endParaRPr lang="es-ES"/>
           </a:p>
@@ -1786,7 +1774,7 @@
           <a:p>
             <a:fld id="{0B8DD80E-5314-4506-B330-B1A7010353A2}" type="datetimeFigureOut">
               <a:rPr lang="es-ES" smtClean="0"/>
-              <a:t>27/10/2020</a:t>
+              <a:t>08/11/2020</a:t>
             </a:fld>
             <a:endParaRPr lang="es-ES"/>
           </a:p>
@@ -1898,7 +1886,7 @@
           <a:p>
             <a:fld id="{0B8DD80E-5314-4506-B330-B1A7010353A2}" type="datetimeFigureOut">
               <a:rPr lang="es-ES" smtClean="0"/>
-              <a:t>27/10/2020</a:t>
+              <a:t>08/11/2020</a:t>
             </a:fld>
             <a:endParaRPr lang="es-ES"/>
           </a:p>
@@ -1988,7 +1976,7 @@
           <a:p>
             <a:fld id="{0B8DD80E-5314-4506-B330-B1A7010353A2}" type="datetimeFigureOut">
               <a:rPr lang="es-ES" smtClean="0"/>
-              <a:t>27/10/2020</a:t>
+              <a:t>08/11/2020</a:t>
             </a:fld>
             <a:endParaRPr lang="es-ES"/>
           </a:p>
@@ -2258,7 +2246,7 @@
           <a:p>
             <a:fld id="{0B8DD80E-5314-4506-B330-B1A7010353A2}" type="datetimeFigureOut">
               <a:rPr lang="es-ES" smtClean="0"/>
-              <a:t>27/10/2020</a:t>
+              <a:t>08/11/2020</a:t>
             </a:fld>
             <a:endParaRPr lang="es-ES"/>
           </a:p>
@@ -2505,7 +2493,7 @@
           <a:p>
             <a:fld id="{0B8DD80E-5314-4506-B330-B1A7010353A2}" type="datetimeFigureOut">
               <a:rPr lang="es-ES" smtClean="0"/>
-              <a:t>27/10/2020</a:t>
+              <a:t>08/11/2020</a:t>
             </a:fld>
             <a:endParaRPr lang="es-ES"/>
           </a:p>
@@ -2566,20 +2554,9 @@
   <p:cSld>
     <p:bg>
       <p:bgPr>
-        <a:gradFill flip="none" rotWithShape="1">
-          <a:gsLst>
-            <a:gs pos="40000">
-              <a:srgbClr val="F38B4B"/>
-            </a:gs>
-            <a:gs pos="95000">
-              <a:srgbClr val="E9BB69"/>
-            </a:gs>
-          </a:gsLst>
-          <a:path path="circle">
-            <a:fillToRect l="100000" t="100000"/>
-          </a:path>
-          <a:tileRect r="-100000" b="-100000"/>
-        </a:gradFill>
+        <a:solidFill>
+          <a:schemeClr val="bg1"/>
+        </a:solidFill>
         <a:effectLst/>
       </p:bgPr>
     </p:bg>
@@ -2725,7 +2702,7 @@
           <a:p>
             <a:fld id="{0B8DD80E-5314-4506-B330-B1A7010353A2}" type="datetimeFigureOut">
               <a:rPr lang="es-ES" smtClean="0"/>
-              <a:t>27/10/2020</a:t>
+              <a:t>08/11/2020</a:t>
             </a:fld>
             <a:endParaRPr lang="es-ES"/>
           </a:p>
@@ -3081,14 +3058,6 @@
 <file path=ppt/slides/slide1.xml><?xml version="1.0" encoding="utf-8"?>
 <p:sld xmlns:a="http://schemas.openxmlformats.org/drawingml/2006/main" xmlns:r="http://schemas.openxmlformats.org/officeDocument/2006/relationships" xmlns:p="http://schemas.openxmlformats.org/presentationml/2006/main">
   <p:cSld>
-    <p:bg>
-      <p:bgPr>
-        <a:solidFill>
-          <a:schemeClr val="bg1"/>
-        </a:solidFill>
-        <a:effectLst/>
-      </p:bgPr>
-    </p:bg>
     <p:spTree>
       <p:nvGrpSpPr>
         <p:cNvPr id="1" name=""/>
@@ -3814,7 +3783,7 @@
           <p:cNvPr id="2" name="Título 1">
             <a:extLst>
               <a:ext uri="{FF2B5EF4-FFF2-40B4-BE49-F238E27FC236}">
-                <a16:creationId xmlns:a16="http://schemas.microsoft.com/office/drawing/2014/main" id="{5B045752-03A5-40F8-A8A1-90951948F7AF}"/>
+                <a16:creationId xmlns:a16="http://schemas.microsoft.com/office/drawing/2014/main" id="{35FF129C-736A-48B4-9E26-B1E29B44441B}"/>
               </a:ext>
             </a:extLst>
           </p:cNvPr>
@@ -3830,31 +3799,21 @@
           <a:bodyPr/>
           <a:lstStyle/>
           <a:p>
-            <a:endParaRPr lang="es-UY"/>
-          </a:p>
-        </p:txBody>
-      </p:sp>
-      <p:sp>
-        <p:nvSpPr>
-          <p:cNvPr id="3" name="Marcador de contenido 2">
-            <a:extLst>
-              <a:ext uri="{FF2B5EF4-FFF2-40B4-BE49-F238E27FC236}">
-                <a16:creationId xmlns:a16="http://schemas.microsoft.com/office/drawing/2014/main" id="{E4E7A072-79E6-45EC-BC7A-852C33C49819}"/>
-              </a:ext>
-            </a:extLst>
-          </p:cNvPr>
-          <p:cNvSpPr>
-            <a:spLocks noGrp="1"/>
-          </p:cNvSpPr>
-          <p:nvPr>
-            <p:ph idx="1"/>
-          </p:nvPr>
-        </p:nvSpPr>
-        <p:spPr/>
-        <p:txBody>
-          <a:bodyPr/>
-          <a:lstStyle/>
-          <a:p>
+            <a:r>
+              <a:rPr lang="es-ES" u="sng" dirty="0">
+                <a:solidFill>
+                  <a:srgbClr val="663300"/>
+                </a:solidFill>
+                <a:effectLst>
+                  <a:outerShdw blurRad="38100" dist="38100" dir="2700000" algn="tl">
+                    <a:srgbClr val="000000">
+                      <a:alpha val="43137"/>
+                    </a:srgbClr>
+                  </a:outerShdw>
+                </a:effectLst>
+              </a:rPr>
+              <a:t>Diagrama de Flujo de Datos</a:t>
+            </a:r>
             <a:endParaRPr lang="es-UY" dirty="0"/>
           </a:p>
         </p:txBody>
@@ -3864,7 +3823,7 @@
           <p:cNvPr id="5" name="Rectángulo 4">
             <a:extLst>
               <a:ext uri="{FF2B5EF4-FFF2-40B4-BE49-F238E27FC236}">
-                <a16:creationId xmlns:a16="http://schemas.microsoft.com/office/drawing/2014/main" id="{334B610A-2FEA-4525-B56F-DB42010A9D8B}"/>
+                <a16:creationId xmlns:a16="http://schemas.microsoft.com/office/drawing/2014/main" id="{94C27DF5-8B77-4942-9EC2-F2CF8C8988FE}"/>
               </a:ext>
             </a:extLst>
           </p:cNvPr>
@@ -3919,7 +3878,7 @@
           <p:cNvPr id="7" name="Rectángulo 6">
             <a:extLst>
               <a:ext uri="{FF2B5EF4-FFF2-40B4-BE49-F238E27FC236}">
-                <a16:creationId xmlns:a16="http://schemas.microsoft.com/office/drawing/2014/main" id="{C9C1E840-ACD9-4833-BF60-EDA6E278DCCF}"/>
+                <a16:creationId xmlns:a16="http://schemas.microsoft.com/office/drawing/2014/main" id="{14109D7A-F7DF-4362-84F7-95E1F517318A}"/>
               </a:ext>
             </a:extLst>
           </p:cNvPr>
@@ -3972,7 +3931,7 @@
           <p:cNvPr id="9" name="Rectángulo 8">
             <a:extLst>
               <a:ext uri="{FF2B5EF4-FFF2-40B4-BE49-F238E27FC236}">
-                <a16:creationId xmlns:a16="http://schemas.microsoft.com/office/drawing/2014/main" id="{02ABEB05-5EEC-4486-82A8-AC02A923CCE5}"/>
+                <a16:creationId xmlns:a16="http://schemas.microsoft.com/office/drawing/2014/main" id="{A8F3BCDA-D73A-4F5B-B904-6D671E3DDDB3}"/>
               </a:ext>
             </a:extLst>
           </p:cNvPr>
@@ -4025,7 +3984,7 @@
           <p:cNvPr id="11" name="Rectángulo 10">
             <a:extLst>
               <a:ext uri="{FF2B5EF4-FFF2-40B4-BE49-F238E27FC236}">
-                <a16:creationId xmlns:a16="http://schemas.microsoft.com/office/drawing/2014/main" id="{3331A0FA-BF9B-4916-813E-22177C58A387}"/>
+                <a16:creationId xmlns:a16="http://schemas.microsoft.com/office/drawing/2014/main" id="{DA68D2DB-4CFE-49D8-A6B4-ECADF22EEA87}"/>
               </a:ext>
             </a:extLst>
           </p:cNvPr>
@@ -4078,7 +4037,7 @@
           <p:cNvPr id="13" name="Rectángulo 12">
             <a:extLst>
               <a:ext uri="{FF2B5EF4-FFF2-40B4-BE49-F238E27FC236}">
-                <a16:creationId xmlns:a16="http://schemas.microsoft.com/office/drawing/2014/main" id="{355106A8-2709-4816-83FC-ABB0AB8528BA}"/>
+                <a16:creationId xmlns:a16="http://schemas.microsoft.com/office/drawing/2014/main" id="{624F8116-EA0D-4519-A47A-DDA4FB8A53C3}"/>
               </a:ext>
             </a:extLst>
           </p:cNvPr>
@@ -4133,7 +4092,7 @@
           <p:cNvPr id="15" name="Rectángulo 14">
             <a:extLst>
               <a:ext uri="{FF2B5EF4-FFF2-40B4-BE49-F238E27FC236}">
-                <a16:creationId xmlns:a16="http://schemas.microsoft.com/office/drawing/2014/main" id="{E2D7F3C7-D05B-4CFE-BCED-C2A890472A22}"/>
+                <a16:creationId xmlns:a16="http://schemas.microsoft.com/office/drawing/2014/main" id="{739CD26D-BBDF-435A-A084-6F50873B3E57}"/>
               </a:ext>
             </a:extLst>
           </p:cNvPr>
@@ -4188,7 +4147,7 @@
           <p:cNvPr id="17" name="Rectángulo 16">
             <a:extLst>
               <a:ext uri="{FF2B5EF4-FFF2-40B4-BE49-F238E27FC236}">
-                <a16:creationId xmlns:a16="http://schemas.microsoft.com/office/drawing/2014/main" id="{6324849F-1473-4443-8F99-6A71584B2532}"/>
+                <a16:creationId xmlns:a16="http://schemas.microsoft.com/office/drawing/2014/main" id="{95F67606-FBD2-4A55-BC77-CBFE3B4285A1}"/>
               </a:ext>
             </a:extLst>
           </p:cNvPr>
@@ -4241,7 +4200,7 @@
           <p:cNvPr id="19" name="Rectángulo 18">
             <a:extLst>
               <a:ext uri="{FF2B5EF4-FFF2-40B4-BE49-F238E27FC236}">
-                <a16:creationId xmlns:a16="http://schemas.microsoft.com/office/drawing/2014/main" id="{53867E12-D105-4635-88AF-25BAD5226392}"/>
+                <a16:creationId xmlns:a16="http://schemas.microsoft.com/office/drawing/2014/main" id="{E17D8D16-032B-4273-B7A3-6EB26E8F6B3C}"/>
               </a:ext>
             </a:extLst>
           </p:cNvPr>
@@ -4291,10 +4250,57 @@
           </a:p>
         </p:txBody>
       </p:sp>
+      <p:pic>
+        <p:nvPicPr>
+          <p:cNvPr id="4102" name="Picture 6">
+            <a:extLst>
+              <a:ext uri="{FF2B5EF4-FFF2-40B4-BE49-F238E27FC236}">
+                <a16:creationId xmlns:a16="http://schemas.microsoft.com/office/drawing/2014/main" id="{34768970-A784-4843-86BF-64C486AD3815}"/>
+              </a:ext>
+            </a:extLst>
+          </p:cNvPr>
+          <p:cNvPicPr>
+            <a:picLocks noChangeAspect="1" noChangeArrowheads="1"/>
+          </p:cNvPicPr>
+          <p:nvPr/>
+        </p:nvPicPr>
+        <p:blipFill>
+          <a:blip r:embed="rId2">
+            <a:extLst>
+              <a:ext uri="{28A0092B-C50C-407E-A947-70E740481C1C}">
+                <a14:useLocalDpi xmlns:a14="http://schemas.microsoft.com/office/drawing/2010/main" val="0"/>
+              </a:ext>
+            </a:extLst>
+          </a:blip>
+          <a:srcRect/>
+          <a:stretch>
+            <a:fillRect/>
+          </a:stretch>
+        </p:blipFill>
+        <p:spPr bwMode="auto">
+          <a:xfrm>
+            <a:off x="1582787" y="1497840"/>
+            <a:ext cx="5831309" cy="4789212"/>
+          </a:xfrm>
+          <a:prstGeom prst="rect">
+            <a:avLst/>
+          </a:prstGeom>
+          <a:noFill/>
+          <a:extLst>
+            <a:ext uri="{909E8E84-426E-40DD-AFC4-6F175D3DCCD1}">
+              <a14:hiddenFill xmlns:a14="http://schemas.microsoft.com/office/drawing/2010/main">
+                <a:solidFill>
+                  <a:srgbClr val="FFFFFF"/>
+                </a:solidFill>
+              </a14:hiddenFill>
+            </a:ext>
+          </a:extLst>
+        </p:spPr>
+      </p:pic>
     </p:spTree>
     <p:extLst>
       <p:ext uri="{BB962C8B-B14F-4D97-AF65-F5344CB8AC3E}">
-        <p14:creationId xmlns:p14="http://schemas.microsoft.com/office/powerpoint/2010/main" val="439337949"/>
+        <p14:creationId xmlns:p14="http://schemas.microsoft.com/office/powerpoint/2010/main" val="3219522303"/>
       </p:ext>
     </p:extLst>
   </p:cSld>
@@ -4326,7 +4332,7 @@
           <p:cNvPr id="2" name="Título 1">
             <a:extLst>
               <a:ext uri="{FF2B5EF4-FFF2-40B4-BE49-F238E27FC236}">
-                <a16:creationId xmlns:a16="http://schemas.microsoft.com/office/drawing/2014/main" id="{F4D9B0A6-9D57-4202-9A20-ABB884D552DE}"/>
+                <a16:creationId xmlns:a16="http://schemas.microsoft.com/office/drawing/2014/main" id="{EDCB50CD-2BB5-4213-BE1E-A6F918DD5434}"/>
               </a:ext>
             </a:extLst>
           </p:cNvPr>
@@ -4342,32 +4348,22 @@
           <a:bodyPr/>
           <a:lstStyle/>
           <a:p>
-            <a:endParaRPr lang="es-UY"/>
-          </a:p>
-        </p:txBody>
-      </p:sp>
-      <p:sp>
-        <p:nvSpPr>
-          <p:cNvPr id="3" name="Marcador de contenido 2">
-            <a:extLst>
-              <a:ext uri="{FF2B5EF4-FFF2-40B4-BE49-F238E27FC236}">
-                <a16:creationId xmlns:a16="http://schemas.microsoft.com/office/drawing/2014/main" id="{E7D51A03-38F1-4B17-978A-67C80B5CC73A}"/>
-              </a:ext>
-            </a:extLst>
-          </p:cNvPr>
-          <p:cNvSpPr>
-            <a:spLocks noGrp="1"/>
-          </p:cNvSpPr>
-          <p:nvPr>
-            <p:ph idx="1"/>
-          </p:nvPr>
-        </p:nvSpPr>
-        <p:spPr/>
-        <p:txBody>
-          <a:bodyPr/>
-          <a:lstStyle/>
-          <a:p>
-            <a:endParaRPr lang="es-UY"/>
+            <a:r>
+              <a:rPr lang="es-ES" u="sng" dirty="0">
+                <a:solidFill>
+                  <a:srgbClr val="663300"/>
+                </a:solidFill>
+                <a:effectLst>
+                  <a:outerShdw blurRad="38100" dist="38100" dir="2700000" algn="tl">
+                    <a:srgbClr val="000000">
+                      <a:alpha val="43137"/>
+                    </a:srgbClr>
+                  </a:outerShdw>
+                </a:effectLst>
+              </a:rPr>
+              <a:t>Diagrama de Casos de Usos</a:t>
+            </a:r>
+            <a:endParaRPr lang="es-UY" u="sng" dirty="0"/>
           </a:p>
         </p:txBody>
       </p:sp>
@@ -4376,7 +4372,7 @@
           <p:cNvPr id="5" name="Rectángulo 4">
             <a:extLst>
               <a:ext uri="{FF2B5EF4-FFF2-40B4-BE49-F238E27FC236}">
-                <a16:creationId xmlns:a16="http://schemas.microsoft.com/office/drawing/2014/main" id="{957C878D-A9A7-44A9-9CA0-726017D2DBB9}"/>
+                <a16:creationId xmlns:a16="http://schemas.microsoft.com/office/drawing/2014/main" id="{C37AF75E-393A-4787-939F-E7B023BF71F1}"/>
               </a:ext>
             </a:extLst>
           </p:cNvPr>
@@ -4431,7 +4427,7 @@
           <p:cNvPr id="7" name="Rectángulo 6">
             <a:extLst>
               <a:ext uri="{FF2B5EF4-FFF2-40B4-BE49-F238E27FC236}">
-                <a16:creationId xmlns:a16="http://schemas.microsoft.com/office/drawing/2014/main" id="{3D6C5FF7-38A0-4BFF-81CD-52E377194762}"/>
+                <a16:creationId xmlns:a16="http://schemas.microsoft.com/office/drawing/2014/main" id="{08DF7B31-E77B-4200-A56F-1B3AC921A9B8}"/>
               </a:ext>
             </a:extLst>
           </p:cNvPr>
@@ -4484,7 +4480,7 @@
           <p:cNvPr id="9" name="Rectángulo 8">
             <a:extLst>
               <a:ext uri="{FF2B5EF4-FFF2-40B4-BE49-F238E27FC236}">
-                <a16:creationId xmlns:a16="http://schemas.microsoft.com/office/drawing/2014/main" id="{7E12AF09-DECE-4DB0-9197-D72BA0B02C4C}"/>
+                <a16:creationId xmlns:a16="http://schemas.microsoft.com/office/drawing/2014/main" id="{DC36AEBA-D64A-43E6-B7A5-B2842A63E13D}"/>
               </a:ext>
             </a:extLst>
           </p:cNvPr>
@@ -4537,7 +4533,7 @@
           <p:cNvPr id="11" name="Rectángulo 10">
             <a:extLst>
               <a:ext uri="{FF2B5EF4-FFF2-40B4-BE49-F238E27FC236}">
-                <a16:creationId xmlns:a16="http://schemas.microsoft.com/office/drawing/2014/main" id="{7F5FEC35-59EC-4E9E-B642-B9732FDBAFB7}"/>
+                <a16:creationId xmlns:a16="http://schemas.microsoft.com/office/drawing/2014/main" id="{724C2A8A-592E-4222-AB48-4B909EA2CB59}"/>
               </a:ext>
             </a:extLst>
           </p:cNvPr>
@@ -4590,7 +4586,7 @@
           <p:cNvPr id="13" name="Rectángulo 12">
             <a:extLst>
               <a:ext uri="{FF2B5EF4-FFF2-40B4-BE49-F238E27FC236}">
-                <a16:creationId xmlns:a16="http://schemas.microsoft.com/office/drawing/2014/main" id="{1AD8E9B0-1E64-4B69-B2A0-CC8A2A17BC72}"/>
+                <a16:creationId xmlns:a16="http://schemas.microsoft.com/office/drawing/2014/main" id="{9C8B1531-0788-4D95-9948-5A15E12DBB8A}"/>
               </a:ext>
             </a:extLst>
           </p:cNvPr>
@@ -4645,7 +4641,7 @@
           <p:cNvPr id="15" name="Rectángulo 14">
             <a:extLst>
               <a:ext uri="{FF2B5EF4-FFF2-40B4-BE49-F238E27FC236}">
-                <a16:creationId xmlns:a16="http://schemas.microsoft.com/office/drawing/2014/main" id="{FD76B393-F72C-4F70-9A47-68169D85CE9B}"/>
+                <a16:creationId xmlns:a16="http://schemas.microsoft.com/office/drawing/2014/main" id="{4D48DB11-79CE-4566-8C7A-E00E96574A39}"/>
               </a:ext>
             </a:extLst>
           </p:cNvPr>
@@ -4700,7 +4696,7 @@
           <p:cNvPr id="17" name="Rectángulo 16">
             <a:extLst>
               <a:ext uri="{FF2B5EF4-FFF2-40B4-BE49-F238E27FC236}">
-                <a16:creationId xmlns:a16="http://schemas.microsoft.com/office/drawing/2014/main" id="{8EDF9A6A-1C86-42A3-A738-8910EBB3122E}"/>
+                <a16:creationId xmlns:a16="http://schemas.microsoft.com/office/drawing/2014/main" id="{D03A8623-A429-4B74-9EDC-DEB9ABF01585}"/>
               </a:ext>
             </a:extLst>
           </p:cNvPr>
@@ -4753,7 +4749,7 @@
           <p:cNvPr id="19" name="Rectángulo 18">
             <a:extLst>
               <a:ext uri="{FF2B5EF4-FFF2-40B4-BE49-F238E27FC236}">
-                <a16:creationId xmlns:a16="http://schemas.microsoft.com/office/drawing/2014/main" id="{6F6D5F72-6A06-45AD-97D6-DBC310E1F77F}"/>
+                <a16:creationId xmlns:a16="http://schemas.microsoft.com/office/drawing/2014/main" id="{4AF12505-48AE-4355-A2A7-A307653ECBBB}"/>
               </a:ext>
             </a:extLst>
           </p:cNvPr>
@@ -4803,10 +4799,57 @@
           </a:p>
         </p:txBody>
       </p:sp>
+      <p:pic>
+        <p:nvPicPr>
+          <p:cNvPr id="3074" name="Picture 2">
+            <a:extLst>
+              <a:ext uri="{FF2B5EF4-FFF2-40B4-BE49-F238E27FC236}">
+                <a16:creationId xmlns:a16="http://schemas.microsoft.com/office/drawing/2014/main" id="{325EB609-7FE7-4954-A858-E5A13CFEEB0D}"/>
+              </a:ext>
+            </a:extLst>
+          </p:cNvPr>
+          <p:cNvPicPr>
+            <a:picLocks noChangeAspect="1" noChangeArrowheads="1"/>
+          </p:cNvPicPr>
+          <p:nvPr/>
+        </p:nvPicPr>
+        <p:blipFill>
+          <a:blip r:embed="rId2">
+            <a:extLst>
+              <a:ext uri="{28A0092B-C50C-407E-A947-70E740481C1C}">
+                <a14:useLocalDpi xmlns:a14="http://schemas.microsoft.com/office/drawing/2010/main" val="0"/>
+              </a:ext>
+            </a:extLst>
+          </a:blip>
+          <a:srcRect/>
+          <a:stretch>
+            <a:fillRect/>
+          </a:stretch>
+        </p:blipFill>
+        <p:spPr bwMode="auto">
+          <a:xfrm>
+            <a:off x="1266433" y="1556792"/>
+            <a:ext cx="6617935" cy="4798003"/>
+          </a:xfrm>
+          <a:prstGeom prst="rect">
+            <a:avLst/>
+          </a:prstGeom>
+          <a:noFill/>
+          <a:extLst>
+            <a:ext uri="{909E8E84-426E-40DD-AFC4-6F175D3DCCD1}">
+              <a14:hiddenFill xmlns:a14="http://schemas.microsoft.com/office/drawing/2010/main">
+                <a:solidFill>
+                  <a:srgbClr val="FFFFFF"/>
+                </a:solidFill>
+              </a14:hiddenFill>
+            </a:ext>
+          </a:extLst>
+        </p:spPr>
+      </p:pic>
     </p:spTree>
     <p:extLst>
       <p:ext uri="{BB962C8B-B14F-4D97-AF65-F5344CB8AC3E}">
-        <p14:creationId xmlns:p14="http://schemas.microsoft.com/office/powerpoint/2010/main" val="2136013457"/>
+        <p14:creationId xmlns:p14="http://schemas.microsoft.com/office/powerpoint/2010/main" val="143232944"/>
       </p:ext>
     </p:extLst>
   </p:cSld>
@@ -4838,7 +4881,7 @@
           <p:cNvPr id="2" name="Título 1">
             <a:extLst>
               <a:ext uri="{FF2B5EF4-FFF2-40B4-BE49-F238E27FC236}">
-                <a16:creationId xmlns:a16="http://schemas.microsoft.com/office/drawing/2014/main" id="{EDCB50CD-2BB5-4213-BE1E-A6F918DD5434}"/>
+                <a16:creationId xmlns:a16="http://schemas.microsoft.com/office/drawing/2014/main" id="{28F19798-713F-4B73-96AF-45CCB71324AF}"/>
               </a:ext>
             </a:extLst>
           </p:cNvPr>
@@ -4849,12 +4892,32 @@
             <p:ph type="title"/>
           </p:nvPr>
         </p:nvSpPr>
-        <p:spPr/>
+        <p:spPr>
+          <a:xfrm>
+            <a:off x="457200" y="557808"/>
+            <a:ext cx="8229600" cy="1143000"/>
+          </a:xfrm>
+        </p:spPr>
         <p:txBody>
           <a:bodyPr/>
           <a:lstStyle/>
           <a:p>
-            <a:endParaRPr lang="es-UY"/>
+            <a:r>
+              <a:rPr lang="es-ES" u="sng" dirty="0">
+                <a:solidFill>
+                  <a:srgbClr val="663300"/>
+                </a:solidFill>
+                <a:effectLst>
+                  <a:outerShdw blurRad="38100" dist="38100" dir="2700000" algn="tl">
+                    <a:srgbClr val="000000">
+                      <a:alpha val="43137"/>
+                    </a:srgbClr>
+                  </a:outerShdw>
+                </a:effectLst>
+              </a:rPr>
+              <a:t>Medidas de seguridad</a:t>
+            </a:r>
+            <a:endParaRPr lang="es-UY" dirty="0"/>
           </a:p>
         </p:txBody>
       </p:sp>
@@ -4863,7 +4926,7 @@
           <p:cNvPr id="3" name="Marcador de contenido 2">
             <a:extLst>
               <a:ext uri="{FF2B5EF4-FFF2-40B4-BE49-F238E27FC236}">
-                <a16:creationId xmlns:a16="http://schemas.microsoft.com/office/drawing/2014/main" id="{3033F3FE-2CAC-484F-B9B5-6033AF4A2C9D}"/>
+                <a16:creationId xmlns:a16="http://schemas.microsoft.com/office/drawing/2014/main" id="{D2F21DB5-F7A8-4D84-8407-84EFEC7ED2B7}"/>
               </a:ext>
             </a:extLst>
           </p:cNvPr>
@@ -4874,12 +4937,61 @@
             <p:ph idx="1"/>
           </p:nvPr>
         </p:nvSpPr>
-        <p:spPr/>
+        <p:spPr>
+          <a:xfrm>
+            <a:off x="1331640" y="2348880"/>
+            <a:ext cx="5400600" cy="3312368"/>
+          </a:xfrm>
+        </p:spPr>
         <p:txBody>
           <a:bodyPr/>
           <a:lstStyle/>
           <a:p>
-            <a:endParaRPr lang="es-UY"/>
+            <a:pPr marL="0" indent="0">
+              <a:buNone/>
+            </a:pPr>
+            <a:r>
+              <a:rPr lang="es-ES" dirty="0"/>
+              <a:t>Sistema de </a:t>
+            </a:r>
+            <a:r>
+              <a:rPr lang="es-ES" dirty="0" err="1"/>
+              <a:t>logueo</a:t>
+            </a:r>
+            <a:r>
+              <a:rPr lang="es-UY" dirty="0"/>
+              <a:t>.</a:t>
+            </a:r>
+          </a:p>
+          <a:p>
+            <a:pPr marL="0" indent="0">
+              <a:buNone/>
+            </a:pPr>
+            <a:endParaRPr lang="es-UY" dirty="0"/>
+          </a:p>
+          <a:p>
+            <a:pPr marL="0" indent="0">
+              <a:buNone/>
+            </a:pPr>
+            <a:r>
+              <a:rPr lang="es-UY" dirty="0"/>
+              <a:t>Sistema de permisos.</a:t>
+            </a:r>
+          </a:p>
+          <a:p>
+            <a:pPr marL="0" indent="0">
+              <a:buNone/>
+            </a:pPr>
+            <a:endParaRPr lang="es-UY" dirty="0"/>
+          </a:p>
+          <a:p>
+            <a:pPr marL="0" indent="0">
+              <a:buNone/>
+            </a:pPr>
+            <a:r>
+              <a:rPr lang="es-UY" dirty="0"/>
+              <a:t>Sistema de seguridad en datos.</a:t>
+            </a:r>
           </a:p>
         </p:txBody>
       </p:sp>
@@ -4888,7 +5000,7 @@
           <p:cNvPr id="5" name="Rectángulo 4">
             <a:extLst>
               <a:ext uri="{FF2B5EF4-FFF2-40B4-BE49-F238E27FC236}">
-                <a16:creationId xmlns:a16="http://schemas.microsoft.com/office/drawing/2014/main" id="{C37AF75E-393A-4787-939F-E7B023BF71F1}"/>
+                <a16:creationId xmlns:a16="http://schemas.microsoft.com/office/drawing/2014/main" id="{08E9AF96-4724-429B-88A3-E8E4492B2DFD}"/>
               </a:ext>
             </a:extLst>
           </p:cNvPr>
@@ -4943,7 +5055,7 @@
           <p:cNvPr id="7" name="Rectángulo 6">
             <a:extLst>
               <a:ext uri="{FF2B5EF4-FFF2-40B4-BE49-F238E27FC236}">
-                <a16:creationId xmlns:a16="http://schemas.microsoft.com/office/drawing/2014/main" id="{08DF7B31-E77B-4200-A56F-1B3AC921A9B8}"/>
+                <a16:creationId xmlns:a16="http://schemas.microsoft.com/office/drawing/2014/main" id="{1F94309B-BC27-465B-A224-F0DF20251049}"/>
               </a:ext>
             </a:extLst>
           </p:cNvPr>
@@ -4996,7 +5108,7 @@
           <p:cNvPr id="9" name="Rectángulo 8">
             <a:extLst>
               <a:ext uri="{FF2B5EF4-FFF2-40B4-BE49-F238E27FC236}">
-                <a16:creationId xmlns:a16="http://schemas.microsoft.com/office/drawing/2014/main" id="{DC36AEBA-D64A-43E6-B7A5-B2842A63E13D}"/>
+                <a16:creationId xmlns:a16="http://schemas.microsoft.com/office/drawing/2014/main" id="{1E9033F2-5A72-4377-B36E-FD8D1A6C0C10}"/>
               </a:ext>
             </a:extLst>
           </p:cNvPr>
@@ -5049,7 +5161,7 @@
           <p:cNvPr id="11" name="Rectángulo 10">
             <a:extLst>
               <a:ext uri="{FF2B5EF4-FFF2-40B4-BE49-F238E27FC236}">
-                <a16:creationId xmlns:a16="http://schemas.microsoft.com/office/drawing/2014/main" id="{724C2A8A-592E-4222-AB48-4B909EA2CB59}"/>
+                <a16:creationId xmlns:a16="http://schemas.microsoft.com/office/drawing/2014/main" id="{FB11EA46-36B5-4480-90A2-EBEC5998FDE2}"/>
               </a:ext>
             </a:extLst>
           </p:cNvPr>
@@ -5102,7 +5214,7 @@
           <p:cNvPr id="13" name="Rectángulo 12">
             <a:extLst>
               <a:ext uri="{FF2B5EF4-FFF2-40B4-BE49-F238E27FC236}">
-                <a16:creationId xmlns:a16="http://schemas.microsoft.com/office/drawing/2014/main" id="{9C8B1531-0788-4D95-9948-5A15E12DBB8A}"/>
+                <a16:creationId xmlns:a16="http://schemas.microsoft.com/office/drawing/2014/main" id="{46865516-1EC3-4B78-BA9E-22777D9B79BF}"/>
               </a:ext>
             </a:extLst>
           </p:cNvPr>
@@ -5157,7 +5269,7 @@
           <p:cNvPr id="15" name="Rectángulo 14">
             <a:extLst>
               <a:ext uri="{FF2B5EF4-FFF2-40B4-BE49-F238E27FC236}">
-                <a16:creationId xmlns:a16="http://schemas.microsoft.com/office/drawing/2014/main" id="{4D48DB11-79CE-4566-8C7A-E00E96574A39}"/>
+                <a16:creationId xmlns:a16="http://schemas.microsoft.com/office/drawing/2014/main" id="{AE551B4C-68C7-4DC8-A14F-2E0620BD05D1}"/>
               </a:ext>
             </a:extLst>
           </p:cNvPr>
@@ -5212,7 +5324,7 @@
           <p:cNvPr id="17" name="Rectángulo 16">
             <a:extLst>
               <a:ext uri="{FF2B5EF4-FFF2-40B4-BE49-F238E27FC236}">
-                <a16:creationId xmlns:a16="http://schemas.microsoft.com/office/drawing/2014/main" id="{D03A8623-A429-4B74-9EDC-DEB9ABF01585}"/>
+                <a16:creationId xmlns:a16="http://schemas.microsoft.com/office/drawing/2014/main" id="{E8DF2DA2-AA21-46BD-8D08-2A4F9F465011}"/>
               </a:ext>
             </a:extLst>
           </p:cNvPr>
@@ -5265,7 +5377,7 @@
           <p:cNvPr id="19" name="Rectángulo 18">
             <a:extLst>
               <a:ext uri="{FF2B5EF4-FFF2-40B4-BE49-F238E27FC236}">
-                <a16:creationId xmlns:a16="http://schemas.microsoft.com/office/drawing/2014/main" id="{4AF12505-48AE-4355-A2A7-A307653ECBBB}"/>
+                <a16:creationId xmlns:a16="http://schemas.microsoft.com/office/drawing/2014/main" id="{A8BFEBB3-1102-48D9-A542-ED82B957335A}"/>
               </a:ext>
             </a:extLst>
           </p:cNvPr>
@@ -5315,10 +5427,57 @@
           </a:p>
         </p:txBody>
       </p:sp>
+      <p:pic>
+        <p:nvPicPr>
+          <p:cNvPr id="5124" name="Picture 4">
+            <a:extLst>
+              <a:ext uri="{FF2B5EF4-FFF2-40B4-BE49-F238E27FC236}">
+                <a16:creationId xmlns:a16="http://schemas.microsoft.com/office/drawing/2014/main" id="{6395F8EE-EEC0-44F3-B5BF-32FFB9E23F0C}"/>
+              </a:ext>
+            </a:extLst>
+          </p:cNvPr>
+          <p:cNvPicPr>
+            <a:picLocks noChangeAspect="1" noChangeArrowheads="1"/>
+          </p:cNvPicPr>
+          <p:nvPr/>
+        </p:nvPicPr>
+        <p:blipFill>
+          <a:blip r:embed="rId2">
+            <a:extLst>
+              <a:ext uri="{28A0092B-C50C-407E-A947-70E740481C1C}">
+                <a14:useLocalDpi xmlns:a14="http://schemas.microsoft.com/office/drawing/2010/main" val="0"/>
+              </a:ext>
+            </a:extLst>
+          </a:blip>
+          <a:srcRect/>
+          <a:stretch>
+            <a:fillRect/>
+          </a:stretch>
+        </p:blipFill>
+        <p:spPr bwMode="auto">
+          <a:xfrm>
+            <a:off x="6012160" y="2132856"/>
+            <a:ext cx="2016224" cy="2016224"/>
+          </a:xfrm>
+          <a:prstGeom prst="rect">
+            <a:avLst/>
+          </a:prstGeom>
+          <a:noFill/>
+          <a:extLst>
+            <a:ext uri="{909E8E84-426E-40DD-AFC4-6F175D3DCCD1}">
+              <a14:hiddenFill xmlns:a14="http://schemas.microsoft.com/office/drawing/2010/main">
+                <a:solidFill>
+                  <a:srgbClr val="FFFFFF"/>
+                </a:solidFill>
+              </a14:hiddenFill>
+            </a:ext>
+          </a:extLst>
+        </p:spPr>
+      </p:pic>
     </p:spTree>
     <p:extLst>
       <p:ext uri="{BB962C8B-B14F-4D97-AF65-F5344CB8AC3E}">
-        <p14:creationId xmlns:p14="http://schemas.microsoft.com/office/powerpoint/2010/main" val="143232944"/>
+        <p14:creationId xmlns:p14="http://schemas.microsoft.com/office/powerpoint/2010/main" val="3188750522"/>
       </p:ext>
     </p:extLst>
   </p:cSld>
@@ -5350,7 +5509,7 @@
           <p:cNvPr id="2" name="Título 1">
             <a:extLst>
               <a:ext uri="{FF2B5EF4-FFF2-40B4-BE49-F238E27FC236}">
-                <a16:creationId xmlns:a16="http://schemas.microsoft.com/office/drawing/2014/main" id="{35FF129C-736A-48B4-9E26-B1E29B44441B}"/>
+                <a16:creationId xmlns:a16="http://schemas.microsoft.com/office/drawing/2014/main" id="{68D4DBC7-3384-4AC9-943C-7DD21FE295DB}"/>
               </a:ext>
             </a:extLst>
           </p:cNvPr>
@@ -5366,7 +5525,22 @@
           <a:bodyPr/>
           <a:lstStyle/>
           <a:p>
-            <a:endParaRPr lang="es-UY"/>
+            <a:r>
+              <a:rPr lang="es-ES" u="sng" dirty="0">
+                <a:solidFill>
+                  <a:srgbClr val="663300"/>
+                </a:solidFill>
+                <a:effectLst>
+                  <a:outerShdw blurRad="38100" dist="38100" dir="2700000" algn="tl">
+                    <a:srgbClr val="000000">
+                      <a:alpha val="43137"/>
+                    </a:srgbClr>
+                  </a:outerShdw>
+                </a:effectLst>
+              </a:rPr>
+              <a:t>Guía para el usuario</a:t>
+            </a:r>
+            <a:endParaRPr lang="es-UY" dirty="0"/>
           </a:p>
         </p:txBody>
       </p:sp>
@@ -5375,7 +5549,7 @@
           <p:cNvPr id="3" name="Marcador de contenido 2">
             <a:extLst>
               <a:ext uri="{FF2B5EF4-FFF2-40B4-BE49-F238E27FC236}">
-                <a16:creationId xmlns:a16="http://schemas.microsoft.com/office/drawing/2014/main" id="{DE9A83D5-31BB-42F5-8E5F-787641B5B164}"/>
+                <a16:creationId xmlns:a16="http://schemas.microsoft.com/office/drawing/2014/main" id="{E5D60836-A814-4F67-89A0-D6A80A29CBF6}"/>
               </a:ext>
             </a:extLst>
           </p:cNvPr>
@@ -5386,12 +5560,63 @@
             <p:ph idx="1"/>
           </p:nvPr>
         </p:nvSpPr>
-        <p:spPr/>
+        <p:spPr>
+          <a:xfrm>
+            <a:off x="473837" y="1484005"/>
+            <a:ext cx="6042379" cy="3959941"/>
+          </a:xfrm>
+        </p:spPr>
         <p:txBody>
           <a:bodyPr/>
           <a:lstStyle/>
           <a:p>
-            <a:endParaRPr lang="es-UY"/>
+            <a:pPr marL="0" indent="0">
+              <a:buNone/>
+            </a:pPr>
+            <a:r>
+              <a:rPr lang="es-ES" b="1" dirty="0"/>
+              <a:t>Accesibilidad para el usuario:</a:t>
+            </a:r>
+          </a:p>
+          <a:p>
+            <a:pPr marL="0" indent="0">
+              <a:buNone/>
+            </a:pPr>
+            <a:r>
+              <a:rPr lang="es-ES" dirty="0"/>
+              <a:t>Manual.</a:t>
+            </a:r>
+          </a:p>
+          <a:p>
+            <a:pPr marL="0" indent="0">
+              <a:buNone/>
+            </a:pPr>
+            <a:endParaRPr lang="es-ES" dirty="0"/>
+          </a:p>
+          <a:p>
+            <a:pPr marL="0" indent="0">
+              <a:buNone/>
+            </a:pPr>
+            <a:r>
+              <a:rPr lang="es-ES" dirty="0"/>
+              <a:t>Audio-Manual.</a:t>
+            </a:r>
+          </a:p>
+          <a:p>
+            <a:pPr marL="0" indent="0">
+              <a:buNone/>
+            </a:pPr>
+            <a:endParaRPr lang="es-ES" dirty="0"/>
+          </a:p>
+          <a:p>
+            <a:pPr marL="0" indent="0">
+              <a:buNone/>
+            </a:pPr>
+            <a:r>
+              <a:rPr lang="es-ES" dirty="0"/>
+              <a:t>Manual bilingüe.</a:t>
+            </a:r>
+            <a:endParaRPr lang="es-UY" dirty="0"/>
           </a:p>
         </p:txBody>
       </p:sp>
@@ -5400,7 +5625,7 @@
           <p:cNvPr id="5" name="Rectángulo 4">
             <a:extLst>
               <a:ext uri="{FF2B5EF4-FFF2-40B4-BE49-F238E27FC236}">
-                <a16:creationId xmlns:a16="http://schemas.microsoft.com/office/drawing/2014/main" id="{94C27DF5-8B77-4942-9EC2-F2CF8C8988FE}"/>
+                <a16:creationId xmlns:a16="http://schemas.microsoft.com/office/drawing/2014/main" id="{1194EC4C-46AC-4E81-BEF3-2DB7B549D605}"/>
               </a:ext>
             </a:extLst>
           </p:cNvPr>
@@ -5455,7 +5680,7 @@
           <p:cNvPr id="7" name="Rectángulo 6">
             <a:extLst>
               <a:ext uri="{FF2B5EF4-FFF2-40B4-BE49-F238E27FC236}">
-                <a16:creationId xmlns:a16="http://schemas.microsoft.com/office/drawing/2014/main" id="{14109D7A-F7DF-4362-84F7-95E1F517318A}"/>
+                <a16:creationId xmlns:a16="http://schemas.microsoft.com/office/drawing/2014/main" id="{1E76D4E4-5CFE-4358-BCB6-C23DF5E709EC}"/>
               </a:ext>
             </a:extLst>
           </p:cNvPr>
@@ -5508,7 +5733,7 @@
           <p:cNvPr id="9" name="Rectángulo 8">
             <a:extLst>
               <a:ext uri="{FF2B5EF4-FFF2-40B4-BE49-F238E27FC236}">
-                <a16:creationId xmlns:a16="http://schemas.microsoft.com/office/drawing/2014/main" id="{A8F3BCDA-D73A-4F5B-B904-6D671E3DDDB3}"/>
+                <a16:creationId xmlns:a16="http://schemas.microsoft.com/office/drawing/2014/main" id="{4ED8FF57-61DE-43B7-B8A9-03FE715B7574}"/>
               </a:ext>
             </a:extLst>
           </p:cNvPr>
@@ -5561,7 +5786,7 @@
           <p:cNvPr id="11" name="Rectángulo 10">
             <a:extLst>
               <a:ext uri="{FF2B5EF4-FFF2-40B4-BE49-F238E27FC236}">
-                <a16:creationId xmlns:a16="http://schemas.microsoft.com/office/drawing/2014/main" id="{DA68D2DB-4CFE-49D8-A6B4-ECADF22EEA87}"/>
+                <a16:creationId xmlns:a16="http://schemas.microsoft.com/office/drawing/2014/main" id="{F2B18F54-7C32-4D5B-ABF1-25CF6DC2EE48}"/>
               </a:ext>
             </a:extLst>
           </p:cNvPr>
@@ -5614,7 +5839,7 @@
           <p:cNvPr id="13" name="Rectángulo 12">
             <a:extLst>
               <a:ext uri="{FF2B5EF4-FFF2-40B4-BE49-F238E27FC236}">
-                <a16:creationId xmlns:a16="http://schemas.microsoft.com/office/drawing/2014/main" id="{624F8116-EA0D-4519-A47A-DDA4FB8A53C3}"/>
+                <a16:creationId xmlns:a16="http://schemas.microsoft.com/office/drawing/2014/main" id="{04F6C0D7-A10C-4DB7-8970-FF48CA101C4A}"/>
               </a:ext>
             </a:extLst>
           </p:cNvPr>
@@ -5669,7 +5894,7 @@
           <p:cNvPr id="15" name="Rectángulo 14">
             <a:extLst>
               <a:ext uri="{FF2B5EF4-FFF2-40B4-BE49-F238E27FC236}">
-                <a16:creationId xmlns:a16="http://schemas.microsoft.com/office/drawing/2014/main" id="{739CD26D-BBDF-435A-A084-6F50873B3E57}"/>
+                <a16:creationId xmlns:a16="http://schemas.microsoft.com/office/drawing/2014/main" id="{1D58E626-A7DE-4D44-B6F4-D6B2C7FB3A36}"/>
               </a:ext>
             </a:extLst>
           </p:cNvPr>
@@ -5724,7 +5949,7 @@
           <p:cNvPr id="17" name="Rectángulo 16">
             <a:extLst>
               <a:ext uri="{FF2B5EF4-FFF2-40B4-BE49-F238E27FC236}">
-                <a16:creationId xmlns:a16="http://schemas.microsoft.com/office/drawing/2014/main" id="{95F67606-FBD2-4A55-BC77-CBFE3B4285A1}"/>
+                <a16:creationId xmlns:a16="http://schemas.microsoft.com/office/drawing/2014/main" id="{3E6D6AB8-81D5-4859-B63C-E1EB8F9BB743}"/>
               </a:ext>
             </a:extLst>
           </p:cNvPr>
@@ -5777,7 +6002,7 @@
           <p:cNvPr id="19" name="Rectángulo 18">
             <a:extLst>
               <a:ext uri="{FF2B5EF4-FFF2-40B4-BE49-F238E27FC236}">
-                <a16:creationId xmlns:a16="http://schemas.microsoft.com/office/drawing/2014/main" id="{E17D8D16-032B-4273-B7A3-6EB26E8F6B3C}"/>
+                <a16:creationId xmlns:a16="http://schemas.microsoft.com/office/drawing/2014/main" id="{99888915-1642-4333-9EA3-24BDFDD1BC14}"/>
               </a:ext>
             </a:extLst>
           </p:cNvPr>
@@ -5827,10 +6052,104 @@
           </a:p>
         </p:txBody>
       </p:sp>
+      <p:pic>
+        <p:nvPicPr>
+          <p:cNvPr id="6146" name="Picture 2">
+            <a:extLst>
+              <a:ext uri="{FF2B5EF4-FFF2-40B4-BE49-F238E27FC236}">
+                <a16:creationId xmlns:a16="http://schemas.microsoft.com/office/drawing/2014/main" id="{17A79390-419F-4332-8B53-85323198F04D}"/>
+              </a:ext>
+            </a:extLst>
+          </p:cNvPr>
+          <p:cNvPicPr>
+            <a:picLocks noChangeAspect="1" noChangeArrowheads="1"/>
+          </p:cNvPicPr>
+          <p:nvPr/>
+        </p:nvPicPr>
+        <p:blipFill>
+          <a:blip r:embed="rId2" cstate="print">
+            <a:extLst>
+              <a:ext uri="{28A0092B-C50C-407E-A947-70E740481C1C}">
+                <a14:useLocalDpi xmlns:a14="http://schemas.microsoft.com/office/drawing/2010/main" val="0"/>
+              </a:ext>
+            </a:extLst>
+          </a:blip>
+          <a:srcRect/>
+          <a:stretch>
+            <a:fillRect/>
+          </a:stretch>
+        </p:blipFill>
+        <p:spPr bwMode="auto">
+          <a:xfrm>
+            <a:off x="3923928" y="2447661"/>
+            <a:ext cx="1557403" cy="1557403"/>
+          </a:xfrm>
+          <a:prstGeom prst="rect">
+            <a:avLst/>
+          </a:prstGeom>
+          <a:noFill/>
+          <a:extLst>
+            <a:ext uri="{909E8E84-426E-40DD-AFC4-6F175D3DCCD1}">
+              <a14:hiddenFill xmlns:a14="http://schemas.microsoft.com/office/drawing/2010/main">
+                <a:solidFill>
+                  <a:srgbClr val="FFFFFF"/>
+                </a:solidFill>
+              </a14:hiddenFill>
+            </a:ext>
+          </a:extLst>
+        </p:spPr>
+      </p:pic>
+      <p:pic>
+        <p:nvPicPr>
+          <p:cNvPr id="6148" name="Picture 4">
+            <a:extLst>
+              <a:ext uri="{FF2B5EF4-FFF2-40B4-BE49-F238E27FC236}">
+                <a16:creationId xmlns:a16="http://schemas.microsoft.com/office/drawing/2014/main" id="{92B09A7B-208F-440A-9116-9E7A6C3B2DCE}"/>
+              </a:ext>
+            </a:extLst>
+          </p:cNvPr>
+          <p:cNvPicPr>
+            <a:picLocks noChangeAspect="1" noChangeArrowheads="1"/>
+          </p:cNvPicPr>
+          <p:nvPr/>
+        </p:nvPicPr>
+        <p:blipFill>
+          <a:blip r:embed="rId3" cstate="print">
+            <a:extLst>
+              <a:ext uri="{28A0092B-C50C-407E-A947-70E740481C1C}">
+                <a14:useLocalDpi xmlns:a14="http://schemas.microsoft.com/office/drawing/2010/main" val="0"/>
+              </a:ext>
+            </a:extLst>
+          </a:blip>
+          <a:srcRect/>
+          <a:stretch>
+            <a:fillRect/>
+          </a:stretch>
+        </p:blipFill>
+        <p:spPr bwMode="auto">
+          <a:xfrm>
+            <a:off x="5570346" y="3802893"/>
+            <a:ext cx="2262760" cy="2262760"/>
+          </a:xfrm>
+          <a:prstGeom prst="rect">
+            <a:avLst/>
+          </a:prstGeom>
+          <a:noFill/>
+          <a:extLst>
+            <a:ext uri="{909E8E84-426E-40DD-AFC4-6F175D3DCCD1}">
+              <a14:hiddenFill xmlns:a14="http://schemas.microsoft.com/office/drawing/2010/main">
+                <a:solidFill>
+                  <a:srgbClr val="FFFFFF"/>
+                </a:solidFill>
+              </a14:hiddenFill>
+            </a:ext>
+          </a:extLst>
+        </p:spPr>
+      </p:pic>
     </p:spTree>
     <p:extLst>
       <p:ext uri="{BB962C8B-B14F-4D97-AF65-F5344CB8AC3E}">
-        <p14:creationId xmlns:p14="http://schemas.microsoft.com/office/powerpoint/2010/main" val="3219522303"/>
+        <p14:creationId xmlns:p14="http://schemas.microsoft.com/office/powerpoint/2010/main" val="2722298270"/>
       </p:ext>
     </p:extLst>
   </p:cSld>
@@ -5862,7 +6181,7 @@
           <p:cNvPr id="2" name="Título 1">
             <a:extLst>
               <a:ext uri="{FF2B5EF4-FFF2-40B4-BE49-F238E27FC236}">
-                <a16:creationId xmlns:a16="http://schemas.microsoft.com/office/drawing/2014/main" id="{28F19798-713F-4B73-96AF-45CCB71324AF}"/>
+                <a16:creationId xmlns:a16="http://schemas.microsoft.com/office/drawing/2014/main" id="{2ACA39AD-BC86-4B11-ACB2-A8F0139F9474}"/>
               </a:ext>
             </a:extLst>
           </p:cNvPr>
@@ -5878,7 +6197,22 @@
           <a:bodyPr/>
           <a:lstStyle/>
           <a:p>
-            <a:endParaRPr lang="es-UY"/>
+            <a:r>
+              <a:rPr lang="es-ES" u="sng" dirty="0">
+                <a:solidFill>
+                  <a:srgbClr val="663300"/>
+                </a:solidFill>
+                <a:effectLst>
+                  <a:outerShdw blurRad="38100" dist="38100" dir="2700000" algn="tl">
+                    <a:srgbClr val="000000">
+                      <a:alpha val="43137"/>
+                    </a:srgbClr>
+                  </a:outerShdw>
+                </a:effectLst>
+              </a:rPr>
+              <a:t>Opciones de compra</a:t>
+            </a:r>
+            <a:endParaRPr lang="es-UY" dirty="0"/>
           </a:p>
         </p:txBody>
       </p:sp>
@@ -5887,7 +6221,7 @@
           <p:cNvPr id="3" name="Marcador de contenido 2">
             <a:extLst>
               <a:ext uri="{FF2B5EF4-FFF2-40B4-BE49-F238E27FC236}">
-                <a16:creationId xmlns:a16="http://schemas.microsoft.com/office/drawing/2014/main" id="{D2F21DB5-F7A8-4D84-8407-84EFEC7ED2B7}"/>
+                <a16:creationId xmlns:a16="http://schemas.microsoft.com/office/drawing/2014/main" id="{69DF5B3B-EA02-48C1-B822-C7C029434020}"/>
               </a:ext>
             </a:extLst>
           </p:cNvPr>
@@ -5898,12 +6232,146 @@
             <p:ph idx="1"/>
           </p:nvPr>
         </p:nvSpPr>
-        <p:spPr/>
+        <p:spPr>
+          <a:xfrm>
+            <a:off x="1182452" y="1747802"/>
+            <a:ext cx="6779096" cy="3843745"/>
+          </a:xfrm>
+        </p:spPr>
         <p:txBody>
           <a:bodyPr/>
           <a:lstStyle/>
           <a:p>
-            <a:endParaRPr lang="es-UY"/>
+            <a:pPr marL="0" indent="0" algn="just">
+              <a:lnSpc>
+                <a:spcPct val="115000"/>
+              </a:lnSpc>
+              <a:buNone/>
+            </a:pPr>
+            <a:r>
+              <a:rPr lang="es-UY" sz="1800" dirty="0">
+                <a:effectLst/>
+                <a:latin typeface="Arial" panose="020B0604020202020204" pitchFamily="34" charset="0"/>
+                <a:ea typeface="Arial" panose="020B0604020202020204" pitchFamily="34" charset="0"/>
+              </a:rPr>
+              <a:t>Software completo.</a:t>
+            </a:r>
+          </a:p>
+          <a:p>
+            <a:pPr marL="0" indent="0" algn="just">
+              <a:lnSpc>
+                <a:spcPct val="115000"/>
+              </a:lnSpc>
+              <a:buNone/>
+            </a:pPr>
+            <a:endParaRPr lang="es-UY" sz="1800" dirty="0">
+              <a:effectLst/>
+              <a:latin typeface="Arial" panose="020B0604020202020204" pitchFamily="34" charset="0"/>
+              <a:ea typeface="Arial" panose="020B0604020202020204" pitchFamily="34" charset="0"/>
+            </a:endParaRPr>
+          </a:p>
+          <a:p>
+            <a:pPr marL="0" indent="0" algn="just">
+              <a:lnSpc>
+                <a:spcPct val="115000"/>
+              </a:lnSpc>
+              <a:buNone/>
+            </a:pPr>
+            <a:r>
+              <a:rPr lang="es-UY" sz="1800" dirty="0">
+                <a:effectLst/>
+                <a:latin typeface="Arial" panose="020B0604020202020204" pitchFamily="34" charset="0"/>
+                <a:ea typeface="Arial" panose="020B0604020202020204" pitchFamily="34" charset="0"/>
+              </a:rPr>
+              <a:t>Software completo + instalación.</a:t>
+            </a:r>
+          </a:p>
+          <a:p>
+            <a:pPr marL="0" indent="0" algn="just">
+              <a:lnSpc>
+                <a:spcPct val="115000"/>
+              </a:lnSpc>
+              <a:buNone/>
+            </a:pPr>
+            <a:endParaRPr lang="es-UY" sz="1800" dirty="0">
+              <a:effectLst/>
+              <a:latin typeface="Arial" panose="020B0604020202020204" pitchFamily="34" charset="0"/>
+              <a:ea typeface="Arial" panose="020B0604020202020204" pitchFamily="34" charset="0"/>
+            </a:endParaRPr>
+          </a:p>
+          <a:p>
+            <a:pPr marL="0" indent="0" algn="just">
+              <a:lnSpc>
+                <a:spcPct val="115000"/>
+              </a:lnSpc>
+              <a:buNone/>
+            </a:pPr>
+            <a:r>
+              <a:rPr lang="es-UY" sz="1800" dirty="0">
+                <a:effectLst/>
+                <a:latin typeface="Arial" panose="020B0604020202020204" pitchFamily="34" charset="0"/>
+                <a:ea typeface="Arial" panose="020B0604020202020204" pitchFamily="34" charset="0"/>
+              </a:rPr>
+              <a:t>Software completo + instalación + manual.</a:t>
+            </a:r>
+          </a:p>
+          <a:p>
+            <a:pPr marL="0" indent="0" algn="just">
+              <a:lnSpc>
+                <a:spcPct val="115000"/>
+              </a:lnSpc>
+              <a:buNone/>
+            </a:pPr>
+            <a:endParaRPr lang="es-UY" sz="1800" dirty="0">
+              <a:effectLst/>
+              <a:latin typeface="Arial" panose="020B0604020202020204" pitchFamily="34" charset="0"/>
+              <a:ea typeface="Arial" panose="020B0604020202020204" pitchFamily="34" charset="0"/>
+            </a:endParaRPr>
+          </a:p>
+          <a:p>
+            <a:pPr marL="0" indent="0" algn="just">
+              <a:lnSpc>
+                <a:spcPct val="115000"/>
+              </a:lnSpc>
+              <a:buNone/>
+            </a:pPr>
+            <a:r>
+              <a:rPr lang="es-UY" sz="1800" dirty="0">
+                <a:effectLst/>
+                <a:latin typeface="Arial" panose="020B0604020202020204" pitchFamily="34" charset="0"/>
+                <a:ea typeface="Arial" panose="020B0604020202020204" pitchFamily="34" charset="0"/>
+              </a:rPr>
+              <a:t>Software completo + instalación + manual + servís por 4 meses.</a:t>
+            </a:r>
+          </a:p>
+          <a:p>
+            <a:pPr marL="0" indent="0" algn="just">
+              <a:lnSpc>
+                <a:spcPct val="115000"/>
+              </a:lnSpc>
+              <a:buNone/>
+            </a:pPr>
+            <a:endParaRPr lang="es-UY" sz="1800" dirty="0">
+              <a:effectLst/>
+              <a:latin typeface="Arial" panose="020B0604020202020204" pitchFamily="34" charset="0"/>
+              <a:ea typeface="Arial" panose="020B0604020202020204" pitchFamily="34" charset="0"/>
+            </a:endParaRPr>
+          </a:p>
+          <a:p>
+            <a:pPr marL="0" indent="0" algn="just">
+              <a:lnSpc>
+                <a:spcPct val="115000"/>
+              </a:lnSpc>
+              <a:buNone/>
+            </a:pPr>
+            <a:r>
+              <a:rPr lang="es-UY" sz="1800" dirty="0">
+                <a:effectLst/>
+                <a:latin typeface="Arial" panose="020B0604020202020204" pitchFamily="34" charset="0"/>
+                <a:ea typeface="Arial" panose="020B0604020202020204" pitchFamily="34" charset="0"/>
+              </a:rPr>
+              <a:t>Software completo + instalación + servís por 9 meses.</a:t>
+            </a:r>
           </a:p>
         </p:txBody>
       </p:sp>
@@ -5912,7 +6380,7 @@
           <p:cNvPr id="5" name="Rectángulo 4">
             <a:extLst>
               <a:ext uri="{FF2B5EF4-FFF2-40B4-BE49-F238E27FC236}">
-                <a16:creationId xmlns:a16="http://schemas.microsoft.com/office/drawing/2014/main" id="{08E9AF96-4724-429B-88A3-E8E4492B2DFD}"/>
+                <a16:creationId xmlns:a16="http://schemas.microsoft.com/office/drawing/2014/main" id="{AE89895B-59A9-48EE-94B1-7973B85E0667}"/>
               </a:ext>
             </a:extLst>
           </p:cNvPr>
@@ -5967,7 +6435,7 @@
           <p:cNvPr id="7" name="Rectángulo 6">
             <a:extLst>
               <a:ext uri="{FF2B5EF4-FFF2-40B4-BE49-F238E27FC236}">
-                <a16:creationId xmlns:a16="http://schemas.microsoft.com/office/drawing/2014/main" id="{1F94309B-BC27-465B-A224-F0DF20251049}"/>
+                <a16:creationId xmlns:a16="http://schemas.microsoft.com/office/drawing/2014/main" id="{E4A7BD8C-161F-4340-AF7D-D62BF80A8F4B}"/>
               </a:ext>
             </a:extLst>
           </p:cNvPr>
@@ -6020,7 +6488,7 @@
           <p:cNvPr id="9" name="Rectángulo 8">
             <a:extLst>
               <a:ext uri="{FF2B5EF4-FFF2-40B4-BE49-F238E27FC236}">
-                <a16:creationId xmlns:a16="http://schemas.microsoft.com/office/drawing/2014/main" id="{1E9033F2-5A72-4377-B36E-FD8D1A6C0C10}"/>
+                <a16:creationId xmlns:a16="http://schemas.microsoft.com/office/drawing/2014/main" id="{EFF00CF2-269F-4623-8397-725A96B3BA30}"/>
               </a:ext>
             </a:extLst>
           </p:cNvPr>
@@ -6073,7 +6541,7 @@
           <p:cNvPr id="11" name="Rectángulo 10">
             <a:extLst>
               <a:ext uri="{FF2B5EF4-FFF2-40B4-BE49-F238E27FC236}">
-                <a16:creationId xmlns:a16="http://schemas.microsoft.com/office/drawing/2014/main" id="{FB11EA46-36B5-4480-90A2-EBEC5998FDE2}"/>
+                <a16:creationId xmlns:a16="http://schemas.microsoft.com/office/drawing/2014/main" id="{79FFD866-DAAF-459E-B0CC-12DBACA5285A}"/>
               </a:ext>
             </a:extLst>
           </p:cNvPr>
@@ -6126,7 +6594,7 @@
           <p:cNvPr id="13" name="Rectángulo 12">
             <a:extLst>
               <a:ext uri="{FF2B5EF4-FFF2-40B4-BE49-F238E27FC236}">
-                <a16:creationId xmlns:a16="http://schemas.microsoft.com/office/drawing/2014/main" id="{46865516-1EC3-4B78-BA9E-22777D9B79BF}"/>
+                <a16:creationId xmlns:a16="http://schemas.microsoft.com/office/drawing/2014/main" id="{1CCB4E6A-91DB-4F7D-909B-D16426617B30}"/>
               </a:ext>
             </a:extLst>
           </p:cNvPr>
@@ -6181,7 +6649,7 @@
           <p:cNvPr id="15" name="Rectángulo 14">
             <a:extLst>
               <a:ext uri="{FF2B5EF4-FFF2-40B4-BE49-F238E27FC236}">
-                <a16:creationId xmlns:a16="http://schemas.microsoft.com/office/drawing/2014/main" id="{AE551B4C-68C7-4DC8-A14F-2E0620BD05D1}"/>
+                <a16:creationId xmlns:a16="http://schemas.microsoft.com/office/drawing/2014/main" id="{5A1C370D-A7B4-4032-8680-D21584748351}"/>
               </a:ext>
             </a:extLst>
           </p:cNvPr>
@@ -6236,7 +6704,7 @@
           <p:cNvPr id="17" name="Rectángulo 16">
             <a:extLst>
               <a:ext uri="{FF2B5EF4-FFF2-40B4-BE49-F238E27FC236}">
-                <a16:creationId xmlns:a16="http://schemas.microsoft.com/office/drawing/2014/main" id="{E8DF2DA2-AA21-46BD-8D08-2A4F9F465011}"/>
+                <a16:creationId xmlns:a16="http://schemas.microsoft.com/office/drawing/2014/main" id="{D9BD99FE-C7A5-42AD-BE7A-267CB775B9C2}"/>
               </a:ext>
             </a:extLst>
           </p:cNvPr>
@@ -6289,7 +6757,7 @@
           <p:cNvPr id="19" name="Rectángulo 18">
             <a:extLst>
               <a:ext uri="{FF2B5EF4-FFF2-40B4-BE49-F238E27FC236}">
-                <a16:creationId xmlns:a16="http://schemas.microsoft.com/office/drawing/2014/main" id="{A8BFEBB3-1102-48D9-A542-ED82B957335A}"/>
+                <a16:creationId xmlns:a16="http://schemas.microsoft.com/office/drawing/2014/main" id="{423485FB-79C5-4AE1-88C3-EFEEA6B938AE}"/>
               </a:ext>
             </a:extLst>
           </p:cNvPr>
@@ -6339,2570 +6807,46 @@
           </a:p>
         </p:txBody>
       </p:sp>
-    </p:spTree>
-    <p:extLst>
-      <p:ext uri="{BB962C8B-B14F-4D97-AF65-F5344CB8AC3E}">
-        <p14:creationId xmlns:p14="http://schemas.microsoft.com/office/powerpoint/2010/main" val="3188750522"/>
-      </p:ext>
-    </p:extLst>
-  </p:cSld>
-  <p:clrMapOvr>
-    <a:masterClrMapping/>
-  </p:clrMapOvr>
-</p:sld>
-</file>
-
-<file path=ppt/slides/slide15.xml><?xml version="1.0" encoding="utf-8"?>
-<p:sld xmlns:a="http://schemas.openxmlformats.org/drawingml/2006/main" xmlns:r="http://schemas.openxmlformats.org/officeDocument/2006/relationships" xmlns:p="http://schemas.openxmlformats.org/presentationml/2006/main">
-  <p:cSld>
-    <p:spTree>
-      <p:nvGrpSpPr>
-        <p:cNvPr id="1" name=""/>
-        <p:cNvGrpSpPr/>
-        <p:nvPr/>
-      </p:nvGrpSpPr>
-      <p:grpSpPr>
-        <a:xfrm>
-          <a:off x="0" y="0"/>
-          <a:ext cx="0" cy="0"/>
-          <a:chOff x="0" y="0"/>
-          <a:chExt cx="0" cy="0"/>
-        </a:xfrm>
-      </p:grpSpPr>
-      <p:sp>
-        <p:nvSpPr>
-          <p:cNvPr id="2" name="Título 1">
-            <a:extLst>
-              <a:ext uri="{FF2B5EF4-FFF2-40B4-BE49-F238E27FC236}">
-                <a16:creationId xmlns:a16="http://schemas.microsoft.com/office/drawing/2014/main" id="{68D4DBC7-3384-4AC9-943C-7DD21FE295DB}"/>
-              </a:ext>
-            </a:extLst>
-          </p:cNvPr>
-          <p:cNvSpPr>
-            <a:spLocks noGrp="1"/>
-          </p:cNvSpPr>
-          <p:nvPr>
-            <p:ph type="title"/>
-          </p:nvPr>
-        </p:nvSpPr>
-        <p:spPr/>
-        <p:txBody>
-          <a:bodyPr/>
-          <a:lstStyle/>
-          <a:p>
-            <a:endParaRPr lang="es-UY"/>
-          </a:p>
-        </p:txBody>
-      </p:sp>
-      <p:sp>
-        <p:nvSpPr>
-          <p:cNvPr id="3" name="Marcador de contenido 2">
-            <a:extLst>
-              <a:ext uri="{FF2B5EF4-FFF2-40B4-BE49-F238E27FC236}">
-                <a16:creationId xmlns:a16="http://schemas.microsoft.com/office/drawing/2014/main" id="{E5D60836-A814-4F67-89A0-D6A80A29CBF6}"/>
-              </a:ext>
-            </a:extLst>
-          </p:cNvPr>
-          <p:cNvSpPr>
-            <a:spLocks noGrp="1"/>
-          </p:cNvSpPr>
-          <p:nvPr>
-            <p:ph idx="1"/>
-          </p:nvPr>
-        </p:nvSpPr>
-        <p:spPr/>
-        <p:txBody>
-          <a:bodyPr/>
-          <a:lstStyle/>
-          <a:p>
-            <a:endParaRPr lang="es-UY"/>
-          </a:p>
-        </p:txBody>
-      </p:sp>
-      <p:sp>
-        <p:nvSpPr>
-          <p:cNvPr id="5" name="Rectángulo 4">
-            <a:extLst>
-              <a:ext uri="{FF2B5EF4-FFF2-40B4-BE49-F238E27FC236}">
-                <a16:creationId xmlns:a16="http://schemas.microsoft.com/office/drawing/2014/main" id="{1194EC4C-46AC-4E81-BEF3-2DB7B549D605}"/>
-              </a:ext>
-            </a:extLst>
-          </p:cNvPr>
-          <p:cNvSpPr/>
-          <p:nvPr/>
-        </p:nvSpPr>
+      <p:pic>
+        <p:nvPicPr>
+          <p:cNvPr id="4" name="Imagen 3">
+            <a:extLst>
+              <a:ext uri="{FF2B5EF4-FFF2-40B4-BE49-F238E27FC236}">
+                <a16:creationId xmlns:a16="http://schemas.microsoft.com/office/drawing/2014/main" id="{AEBE9617-975C-46B1-BFAD-4AD4E6C436EC}"/>
+              </a:ext>
+            </a:extLst>
+          </p:cNvPr>
+          <p:cNvPicPr>
+            <a:picLocks noChangeAspect="1"/>
+          </p:cNvPicPr>
+          <p:nvPr/>
+        </p:nvPicPr>
+        <p:blipFill>
+          <a:blip r:embed="rId2">
+            <a:extLst>
+              <a:ext uri="{28A0092B-C50C-407E-A947-70E740481C1C}">
+                <a14:useLocalDpi xmlns:a14="http://schemas.microsoft.com/office/drawing/2010/main" val="0"/>
+              </a:ext>
+            </a:extLst>
+          </a:blip>
+          <a:stretch>
+            <a:fillRect/>
+          </a:stretch>
+        </p:blipFill>
         <p:spPr>
           <a:xfrm>
-            <a:off x="-36512" y="44624"/>
-            <a:ext cx="9180512" cy="129600"/>
-          </a:xfrm>
-          <a:prstGeom prst="rect">
-            <a:avLst/>
-          </a:prstGeom>
-          <a:solidFill>
-            <a:srgbClr val="210F01">
-              <a:alpha val="50000"/>
-            </a:srgbClr>
-          </a:solidFill>
-          <a:ln>
-            <a:noFill/>
-          </a:ln>
-          <a:effectLst/>
-        </p:spPr>
-        <p:style>
-          <a:lnRef idx="2">
-            <a:schemeClr val="dk1">
-              <a:shade val="50000"/>
-            </a:schemeClr>
-          </a:lnRef>
-          <a:fillRef idx="1">
-            <a:schemeClr val="dk1"/>
-          </a:fillRef>
-          <a:effectRef idx="0">
-            <a:schemeClr val="dk1"/>
-          </a:effectRef>
-          <a:fontRef idx="minor">
-            <a:schemeClr val="lt1"/>
-          </a:fontRef>
-        </p:style>
-        <p:txBody>
-          <a:bodyPr rtlCol="0" anchor="ctr"/>
-          <a:lstStyle/>
-          <a:p>
-            <a:pPr algn="ctr"/>
-            <a:endParaRPr lang="es-UY"/>
-          </a:p>
-        </p:txBody>
-      </p:sp>
-      <p:sp>
-        <p:nvSpPr>
-          <p:cNvPr id="7" name="Rectángulo 6">
-            <a:extLst>
-              <a:ext uri="{FF2B5EF4-FFF2-40B4-BE49-F238E27FC236}">
-                <a16:creationId xmlns:a16="http://schemas.microsoft.com/office/drawing/2014/main" id="{1E76D4E4-5CFE-4358-BCB6-C23DF5E709EC}"/>
-              </a:ext>
-            </a:extLst>
-          </p:cNvPr>
-          <p:cNvSpPr/>
-          <p:nvPr/>
-        </p:nvSpPr>
-        <p:spPr>
-          <a:xfrm>
-            <a:off x="-36512" y="-27384"/>
-            <a:ext cx="9217024" cy="137279"/>
-          </a:xfrm>
-          <a:prstGeom prst="rect">
-            <a:avLst/>
-          </a:prstGeom>
-          <a:solidFill>
-            <a:srgbClr val="210F01"/>
-          </a:solidFill>
-          <a:ln>
-            <a:noFill/>
-          </a:ln>
-          <a:effectLst/>
-        </p:spPr>
-        <p:style>
-          <a:lnRef idx="2">
-            <a:schemeClr val="dk1">
-              <a:shade val="50000"/>
-            </a:schemeClr>
-          </a:lnRef>
-          <a:fillRef idx="1">
-            <a:schemeClr val="dk1"/>
-          </a:fillRef>
-          <a:effectRef idx="0">
-            <a:schemeClr val="dk1"/>
-          </a:effectRef>
-          <a:fontRef idx="minor">
-            <a:schemeClr val="lt1"/>
-          </a:fontRef>
-        </p:style>
-        <p:txBody>
-          <a:bodyPr rtlCol="0" anchor="ctr"/>
-          <a:lstStyle/>
-          <a:p>
-            <a:pPr algn="ctr"/>
-            <a:endParaRPr lang="es-UY"/>
-          </a:p>
-        </p:txBody>
-      </p:sp>
-      <p:sp>
-        <p:nvSpPr>
-          <p:cNvPr id="9" name="Rectángulo 8">
-            <a:extLst>
-              <a:ext uri="{FF2B5EF4-FFF2-40B4-BE49-F238E27FC236}">
-                <a16:creationId xmlns:a16="http://schemas.microsoft.com/office/drawing/2014/main" id="{4ED8FF57-61DE-43B7-B8A9-03FE715B7574}"/>
-              </a:ext>
-            </a:extLst>
-          </p:cNvPr>
-          <p:cNvSpPr/>
-          <p:nvPr/>
-        </p:nvSpPr>
-        <p:spPr>
-          <a:xfrm>
-            <a:off x="-3238" y="6753727"/>
-            <a:ext cx="9183750" cy="107876"/>
-          </a:xfrm>
-          <a:prstGeom prst="rect">
-            <a:avLst/>
-          </a:prstGeom>
-          <a:solidFill>
-            <a:srgbClr val="210F01"/>
-          </a:solidFill>
-          <a:ln>
-            <a:noFill/>
-          </a:ln>
-          <a:effectLst/>
-        </p:spPr>
-        <p:style>
-          <a:lnRef idx="2">
-            <a:schemeClr val="dk1">
-              <a:shade val="50000"/>
-            </a:schemeClr>
-          </a:lnRef>
-          <a:fillRef idx="1">
-            <a:schemeClr val="dk1"/>
-          </a:fillRef>
-          <a:effectRef idx="0">
-            <a:schemeClr val="dk1"/>
-          </a:effectRef>
-          <a:fontRef idx="minor">
-            <a:schemeClr val="lt1"/>
-          </a:fontRef>
-        </p:style>
-        <p:txBody>
-          <a:bodyPr rtlCol="0" anchor="ctr"/>
-          <a:lstStyle/>
-          <a:p>
-            <a:pPr algn="ctr"/>
-            <a:endParaRPr lang="es-UY"/>
-          </a:p>
-        </p:txBody>
-      </p:sp>
-      <p:sp>
-        <p:nvSpPr>
-          <p:cNvPr id="11" name="Rectángulo 10">
-            <a:extLst>
-              <a:ext uri="{FF2B5EF4-FFF2-40B4-BE49-F238E27FC236}">
-                <a16:creationId xmlns:a16="http://schemas.microsoft.com/office/drawing/2014/main" id="{F2B18F54-7C32-4D5B-ABF1-25CF6DC2EE48}"/>
-              </a:ext>
-            </a:extLst>
-          </p:cNvPr>
-          <p:cNvSpPr/>
-          <p:nvPr/>
-        </p:nvSpPr>
-        <p:spPr>
-          <a:xfrm rot="5400000">
-            <a:off x="5719968" y="3381249"/>
-            <a:ext cx="6741855" cy="122399"/>
-          </a:xfrm>
-          <a:prstGeom prst="rect">
-            <a:avLst/>
-          </a:prstGeom>
-          <a:solidFill>
-            <a:srgbClr val="210F01"/>
-          </a:solidFill>
-          <a:ln>
-            <a:noFill/>
-          </a:ln>
-          <a:effectLst/>
-        </p:spPr>
-        <p:style>
-          <a:lnRef idx="2">
-            <a:schemeClr val="dk1">
-              <a:shade val="50000"/>
-            </a:schemeClr>
-          </a:lnRef>
-          <a:fillRef idx="1">
-            <a:schemeClr val="dk1"/>
-          </a:fillRef>
-          <a:effectRef idx="0">
-            <a:schemeClr val="dk1"/>
-          </a:effectRef>
-          <a:fontRef idx="minor">
-            <a:schemeClr val="lt1"/>
-          </a:fontRef>
-        </p:style>
-        <p:txBody>
-          <a:bodyPr rtlCol="0" anchor="ctr"/>
-          <a:lstStyle/>
-          <a:p>
-            <a:pPr algn="ctr"/>
-            <a:endParaRPr lang="es-UY"/>
-          </a:p>
-        </p:txBody>
-      </p:sp>
-      <p:sp>
-        <p:nvSpPr>
-          <p:cNvPr id="13" name="Rectángulo 12">
-            <a:extLst>
-              <a:ext uri="{FF2B5EF4-FFF2-40B4-BE49-F238E27FC236}">
-                <a16:creationId xmlns:a16="http://schemas.microsoft.com/office/drawing/2014/main" id="{04F6C0D7-A10C-4DB7-8970-FF48CA101C4A}"/>
-              </a:ext>
-            </a:extLst>
-          </p:cNvPr>
-          <p:cNvSpPr/>
-          <p:nvPr/>
-        </p:nvSpPr>
-        <p:spPr>
-          <a:xfrm rot="10800000">
-            <a:off x="179510" y="6687360"/>
-            <a:ext cx="8784975" cy="147600"/>
-          </a:xfrm>
-          <a:prstGeom prst="rect">
-            <a:avLst/>
-          </a:prstGeom>
-          <a:solidFill>
-            <a:srgbClr val="210F01">
-              <a:alpha val="50000"/>
-            </a:srgbClr>
-          </a:solidFill>
-          <a:ln>
-            <a:noFill/>
-          </a:ln>
-          <a:effectLst/>
-        </p:spPr>
-        <p:style>
-          <a:lnRef idx="2">
-            <a:schemeClr val="dk1">
-              <a:shade val="50000"/>
-            </a:schemeClr>
-          </a:lnRef>
-          <a:fillRef idx="1">
-            <a:schemeClr val="dk1"/>
-          </a:fillRef>
-          <a:effectRef idx="0">
-            <a:schemeClr val="dk1"/>
-          </a:effectRef>
-          <a:fontRef idx="minor">
-            <a:schemeClr val="lt1"/>
-          </a:fontRef>
-        </p:style>
-        <p:txBody>
-          <a:bodyPr rtlCol="0" anchor="ctr"/>
-          <a:lstStyle/>
-          <a:p>
-            <a:pPr algn="ctr"/>
-            <a:endParaRPr lang="es-UY"/>
-          </a:p>
-        </p:txBody>
-      </p:sp>
-      <p:sp>
-        <p:nvSpPr>
-          <p:cNvPr id="15" name="Rectángulo 14">
-            <a:extLst>
-              <a:ext uri="{FF2B5EF4-FFF2-40B4-BE49-F238E27FC236}">
-                <a16:creationId xmlns:a16="http://schemas.microsoft.com/office/drawing/2014/main" id="{1D58E626-A7DE-4D44-B6F4-D6B2C7FB3A36}"/>
-              </a:ext>
-            </a:extLst>
-          </p:cNvPr>
-          <p:cNvSpPr/>
-          <p:nvPr/>
-        </p:nvSpPr>
-        <p:spPr>
-          <a:xfrm rot="5400000">
-            <a:off x="-3215983" y="3436520"/>
-            <a:ext cx="6657791" cy="133200"/>
-          </a:xfrm>
-          <a:prstGeom prst="rect">
-            <a:avLst/>
-          </a:prstGeom>
-          <a:solidFill>
-            <a:srgbClr val="210F01">
-              <a:alpha val="50000"/>
-            </a:srgbClr>
-          </a:solidFill>
-          <a:ln>
-            <a:noFill/>
-          </a:ln>
-          <a:effectLst/>
-        </p:spPr>
-        <p:style>
-          <a:lnRef idx="2">
-            <a:schemeClr val="dk1">
-              <a:shade val="50000"/>
-            </a:schemeClr>
-          </a:lnRef>
-          <a:fillRef idx="1">
-            <a:schemeClr val="dk1"/>
-          </a:fillRef>
-          <a:effectRef idx="0">
-            <a:schemeClr val="dk1"/>
-          </a:effectRef>
-          <a:fontRef idx="minor">
-            <a:schemeClr val="lt1"/>
-          </a:fontRef>
-        </p:style>
-        <p:txBody>
-          <a:bodyPr rtlCol="0" anchor="ctr"/>
-          <a:lstStyle/>
-          <a:p>
-            <a:pPr algn="ctr"/>
-            <a:endParaRPr lang="es-UY"/>
-          </a:p>
-        </p:txBody>
-      </p:sp>
-      <p:sp>
-        <p:nvSpPr>
-          <p:cNvPr id="17" name="Rectángulo 16">
-            <a:extLst>
-              <a:ext uri="{FF2B5EF4-FFF2-40B4-BE49-F238E27FC236}">
-                <a16:creationId xmlns:a16="http://schemas.microsoft.com/office/drawing/2014/main" id="{3E6D6AB8-81D5-4859-B63C-E1EB8F9BB743}"/>
-              </a:ext>
-            </a:extLst>
-          </p:cNvPr>
-          <p:cNvSpPr/>
-          <p:nvPr/>
-        </p:nvSpPr>
-        <p:spPr>
-          <a:xfrm rot="5400000">
-            <a:off x="-3360660" y="3392872"/>
-            <a:ext cx="6835625" cy="114302"/>
-          </a:xfrm>
-          <a:prstGeom prst="rect">
-            <a:avLst/>
-          </a:prstGeom>
-          <a:solidFill>
-            <a:srgbClr val="210F01"/>
-          </a:solidFill>
-          <a:ln>
-            <a:noFill/>
-          </a:ln>
-          <a:effectLst/>
-        </p:spPr>
-        <p:style>
-          <a:lnRef idx="2">
-            <a:schemeClr val="dk1">
-              <a:shade val="50000"/>
-            </a:schemeClr>
-          </a:lnRef>
-          <a:fillRef idx="1">
-            <a:schemeClr val="dk1"/>
-          </a:fillRef>
-          <a:effectRef idx="0">
-            <a:schemeClr val="dk1"/>
-          </a:effectRef>
-          <a:fontRef idx="minor">
-            <a:schemeClr val="lt1"/>
-          </a:fontRef>
-        </p:style>
-        <p:txBody>
-          <a:bodyPr rtlCol="0" anchor="ctr"/>
-          <a:lstStyle/>
-          <a:p>
-            <a:pPr algn="ctr"/>
-            <a:endParaRPr lang="es-UY"/>
-          </a:p>
-        </p:txBody>
-      </p:sp>
-      <p:sp>
-        <p:nvSpPr>
-          <p:cNvPr id="19" name="Rectángulo 18">
-            <a:extLst>
-              <a:ext uri="{FF2B5EF4-FFF2-40B4-BE49-F238E27FC236}">
-                <a16:creationId xmlns:a16="http://schemas.microsoft.com/office/drawing/2014/main" id="{99888915-1642-4333-9EA3-24BDFDD1BC14}"/>
-              </a:ext>
-            </a:extLst>
-          </p:cNvPr>
-          <p:cNvSpPr/>
-          <p:nvPr/>
-        </p:nvSpPr>
-        <p:spPr>
-          <a:xfrm rot="5400000">
-            <a:off x="5666058" y="3472655"/>
-            <a:ext cx="6711161" cy="114304"/>
-          </a:xfrm>
-          <a:prstGeom prst="rect">
-            <a:avLst/>
-          </a:prstGeom>
-          <a:solidFill>
-            <a:srgbClr val="210F01">
-              <a:alpha val="50000"/>
-            </a:srgbClr>
-          </a:solidFill>
-          <a:ln>
-            <a:noFill/>
-          </a:ln>
-          <a:effectLst/>
-        </p:spPr>
-        <p:style>
-          <a:lnRef idx="2">
-            <a:schemeClr val="dk1">
-              <a:shade val="50000"/>
-            </a:schemeClr>
-          </a:lnRef>
-          <a:fillRef idx="1">
-            <a:schemeClr val="dk1"/>
-          </a:fillRef>
-          <a:effectRef idx="0">
-            <a:schemeClr val="dk1"/>
-          </a:effectRef>
-          <a:fontRef idx="minor">
-            <a:schemeClr val="lt1"/>
-          </a:fontRef>
-        </p:style>
-        <p:txBody>
-          <a:bodyPr rtlCol="0" anchor="ctr"/>
-          <a:lstStyle/>
-          <a:p>
-            <a:pPr algn="ctr"/>
-            <a:endParaRPr lang="es-UY"/>
-          </a:p>
-        </p:txBody>
-      </p:sp>
-    </p:spTree>
-    <p:extLst>
-      <p:ext uri="{BB962C8B-B14F-4D97-AF65-F5344CB8AC3E}">
-        <p14:creationId xmlns:p14="http://schemas.microsoft.com/office/powerpoint/2010/main" val="2722298270"/>
-      </p:ext>
-    </p:extLst>
-  </p:cSld>
-  <p:clrMapOvr>
-    <a:masterClrMapping/>
-  </p:clrMapOvr>
-</p:sld>
-</file>
-
-<file path=ppt/slides/slide16.xml><?xml version="1.0" encoding="utf-8"?>
-<p:sld xmlns:a="http://schemas.openxmlformats.org/drawingml/2006/main" xmlns:r="http://schemas.openxmlformats.org/officeDocument/2006/relationships" xmlns:p="http://schemas.openxmlformats.org/presentationml/2006/main">
-  <p:cSld>
-    <p:spTree>
-      <p:nvGrpSpPr>
-        <p:cNvPr id="1" name=""/>
-        <p:cNvGrpSpPr/>
-        <p:nvPr/>
-      </p:nvGrpSpPr>
-      <p:grpSpPr>
-        <a:xfrm>
-          <a:off x="0" y="0"/>
-          <a:ext cx="0" cy="0"/>
-          <a:chOff x="0" y="0"/>
-          <a:chExt cx="0" cy="0"/>
-        </a:xfrm>
-      </p:grpSpPr>
-      <p:sp>
-        <p:nvSpPr>
-          <p:cNvPr id="2" name="Título 1">
-            <a:extLst>
-              <a:ext uri="{FF2B5EF4-FFF2-40B4-BE49-F238E27FC236}">
-                <a16:creationId xmlns:a16="http://schemas.microsoft.com/office/drawing/2014/main" id="{2ACA39AD-BC86-4B11-ACB2-A8F0139F9474}"/>
-              </a:ext>
-            </a:extLst>
-          </p:cNvPr>
-          <p:cNvSpPr>
-            <a:spLocks noGrp="1"/>
-          </p:cNvSpPr>
-          <p:nvPr>
-            <p:ph type="title"/>
-          </p:nvPr>
-        </p:nvSpPr>
-        <p:spPr/>
-        <p:txBody>
-          <a:bodyPr/>
-          <a:lstStyle/>
-          <a:p>
-            <a:endParaRPr lang="es-UY"/>
-          </a:p>
-        </p:txBody>
-      </p:sp>
-      <p:sp>
-        <p:nvSpPr>
-          <p:cNvPr id="3" name="Marcador de contenido 2">
-            <a:extLst>
-              <a:ext uri="{FF2B5EF4-FFF2-40B4-BE49-F238E27FC236}">
-                <a16:creationId xmlns:a16="http://schemas.microsoft.com/office/drawing/2014/main" id="{69DF5B3B-EA02-48C1-B822-C7C029434020}"/>
-              </a:ext>
-            </a:extLst>
-          </p:cNvPr>
-          <p:cNvSpPr>
-            <a:spLocks noGrp="1"/>
-          </p:cNvSpPr>
-          <p:nvPr>
-            <p:ph idx="1"/>
-          </p:nvPr>
-        </p:nvSpPr>
-        <p:spPr/>
-        <p:txBody>
-          <a:bodyPr/>
-          <a:lstStyle/>
-          <a:p>
-            <a:endParaRPr lang="es-UY"/>
-          </a:p>
-        </p:txBody>
-      </p:sp>
-      <p:sp>
-        <p:nvSpPr>
-          <p:cNvPr id="5" name="Rectángulo 4">
-            <a:extLst>
-              <a:ext uri="{FF2B5EF4-FFF2-40B4-BE49-F238E27FC236}">
-                <a16:creationId xmlns:a16="http://schemas.microsoft.com/office/drawing/2014/main" id="{AE89895B-59A9-48EE-94B1-7973B85E0667}"/>
-              </a:ext>
-            </a:extLst>
-          </p:cNvPr>
-          <p:cNvSpPr/>
-          <p:nvPr/>
-        </p:nvSpPr>
-        <p:spPr>
-          <a:xfrm>
-            <a:off x="-36512" y="44624"/>
-            <a:ext cx="9180512" cy="129600"/>
-          </a:xfrm>
-          <a:prstGeom prst="rect">
-            <a:avLst/>
-          </a:prstGeom>
-          <a:solidFill>
-            <a:srgbClr val="210F01">
-              <a:alpha val="50000"/>
-            </a:srgbClr>
-          </a:solidFill>
-          <a:ln>
-            <a:noFill/>
-          </a:ln>
-          <a:effectLst/>
-        </p:spPr>
-        <p:style>
-          <a:lnRef idx="2">
-            <a:schemeClr val="dk1">
-              <a:shade val="50000"/>
-            </a:schemeClr>
-          </a:lnRef>
-          <a:fillRef idx="1">
-            <a:schemeClr val="dk1"/>
-          </a:fillRef>
-          <a:effectRef idx="0">
-            <a:schemeClr val="dk1"/>
-          </a:effectRef>
-          <a:fontRef idx="minor">
-            <a:schemeClr val="lt1"/>
-          </a:fontRef>
-        </p:style>
-        <p:txBody>
-          <a:bodyPr rtlCol="0" anchor="ctr"/>
-          <a:lstStyle/>
-          <a:p>
-            <a:pPr algn="ctr"/>
-            <a:endParaRPr lang="es-UY"/>
-          </a:p>
-        </p:txBody>
-      </p:sp>
-      <p:sp>
-        <p:nvSpPr>
-          <p:cNvPr id="7" name="Rectángulo 6">
-            <a:extLst>
-              <a:ext uri="{FF2B5EF4-FFF2-40B4-BE49-F238E27FC236}">
-                <a16:creationId xmlns:a16="http://schemas.microsoft.com/office/drawing/2014/main" id="{E4A7BD8C-161F-4340-AF7D-D62BF80A8F4B}"/>
-              </a:ext>
-            </a:extLst>
-          </p:cNvPr>
-          <p:cNvSpPr/>
-          <p:nvPr/>
-        </p:nvSpPr>
-        <p:spPr>
-          <a:xfrm>
-            <a:off x="-36512" y="-27384"/>
-            <a:ext cx="9217024" cy="137279"/>
-          </a:xfrm>
-          <a:prstGeom prst="rect">
-            <a:avLst/>
-          </a:prstGeom>
-          <a:solidFill>
-            <a:srgbClr val="210F01"/>
-          </a:solidFill>
-          <a:ln>
-            <a:noFill/>
-          </a:ln>
-          <a:effectLst/>
-        </p:spPr>
-        <p:style>
-          <a:lnRef idx="2">
-            <a:schemeClr val="dk1">
-              <a:shade val="50000"/>
-            </a:schemeClr>
-          </a:lnRef>
-          <a:fillRef idx="1">
-            <a:schemeClr val="dk1"/>
-          </a:fillRef>
-          <a:effectRef idx="0">
-            <a:schemeClr val="dk1"/>
-          </a:effectRef>
-          <a:fontRef idx="minor">
-            <a:schemeClr val="lt1"/>
-          </a:fontRef>
-        </p:style>
-        <p:txBody>
-          <a:bodyPr rtlCol="0" anchor="ctr"/>
-          <a:lstStyle/>
-          <a:p>
-            <a:pPr algn="ctr"/>
-            <a:endParaRPr lang="es-UY"/>
-          </a:p>
-        </p:txBody>
-      </p:sp>
-      <p:sp>
-        <p:nvSpPr>
-          <p:cNvPr id="9" name="Rectángulo 8">
-            <a:extLst>
-              <a:ext uri="{FF2B5EF4-FFF2-40B4-BE49-F238E27FC236}">
-                <a16:creationId xmlns:a16="http://schemas.microsoft.com/office/drawing/2014/main" id="{EFF00CF2-269F-4623-8397-725A96B3BA30}"/>
-              </a:ext>
-            </a:extLst>
-          </p:cNvPr>
-          <p:cNvSpPr/>
-          <p:nvPr/>
-        </p:nvSpPr>
-        <p:spPr>
-          <a:xfrm>
-            <a:off x="-3238" y="6753727"/>
-            <a:ext cx="9183750" cy="107876"/>
-          </a:xfrm>
-          <a:prstGeom prst="rect">
-            <a:avLst/>
-          </a:prstGeom>
-          <a:solidFill>
-            <a:srgbClr val="210F01"/>
-          </a:solidFill>
-          <a:ln>
-            <a:noFill/>
-          </a:ln>
-          <a:effectLst/>
-        </p:spPr>
-        <p:style>
-          <a:lnRef idx="2">
-            <a:schemeClr val="dk1">
-              <a:shade val="50000"/>
-            </a:schemeClr>
-          </a:lnRef>
-          <a:fillRef idx="1">
-            <a:schemeClr val="dk1"/>
-          </a:fillRef>
-          <a:effectRef idx="0">
-            <a:schemeClr val="dk1"/>
-          </a:effectRef>
-          <a:fontRef idx="minor">
-            <a:schemeClr val="lt1"/>
-          </a:fontRef>
-        </p:style>
-        <p:txBody>
-          <a:bodyPr rtlCol="0" anchor="ctr"/>
-          <a:lstStyle/>
-          <a:p>
-            <a:pPr algn="ctr"/>
-            <a:endParaRPr lang="es-UY"/>
-          </a:p>
-        </p:txBody>
-      </p:sp>
-      <p:sp>
-        <p:nvSpPr>
-          <p:cNvPr id="11" name="Rectángulo 10">
-            <a:extLst>
-              <a:ext uri="{FF2B5EF4-FFF2-40B4-BE49-F238E27FC236}">
-                <a16:creationId xmlns:a16="http://schemas.microsoft.com/office/drawing/2014/main" id="{79FFD866-DAAF-459E-B0CC-12DBACA5285A}"/>
-              </a:ext>
-            </a:extLst>
-          </p:cNvPr>
-          <p:cNvSpPr/>
-          <p:nvPr/>
-        </p:nvSpPr>
-        <p:spPr>
-          <a:xfrm rot="5400000">
-            <a:off x="5719968" y="3381249"/>
-            <a:ext cx="6741855" cy="122399"/>
-          </a:xfrm>
-          <a:prstGeom prst="rect">
-            <a:avLst/>
-          </a:prstGeom>
-          <a:solidFill>
-            <a:srgbClr val="210F01"/>
-          </a:solidFill>
-          <a:ln>
-            <a:noFill/>
-          </a:ln>
-          <a:effectLst/>
-        </p:spPr>
-        <p:style>
-          <a:lnRef idx="2">
-            <a:schemeClr val="dk1">
-              <a:shade val="50000"/>
-            </a:schemeClr>
-          </a:lnRef>
-          <a:fillRef idx="1">
-            <a:schemeClr val="dk1"/>
-          </a:fillRef>
-          <a:effectRef idx="0">
-            <a:schemeClr val="dk1"/>
-          </a:effectRef>
-          <a:fontRef idx="minor">
-            <a:schemeClr val="lt1"/>
-          </a:fontRef>
-        </p:style>
-        <p:txBody>
-          <a:bodyPr rtlCol="0" anchor="ctr"/>
-          <a:lstStyle/>
-          <a:p>
-            <a:pPr algn="ctr"/>
-            <a:endParaRPr lang="es-UY"/>
-          </a:p>
-        </p:txBody>
-      </p:sp>
-      <p:sp>
-        <p:nvSpPr>
-          <p:cNvPr id="13" name="Rectángulo 12">
-            <a:extLst>
-              <a:ext uri="{FF2B5EF4-FFF2-40B4-BE49-F238E27FC236}">
-                <a16:creationId xmlns:a16="http://schemas.microsoft.com/office/drawing/2014/main" id="{1CCB4E6A-91DB-4F7D-909B-D16426617B30}"/>
-              </a:ext>
-            </a:extLst>
-          </p:cNvPr>
-          <p:cNvSpPr/>
-          <p:nvPr/>
-        </p:nvSpPr>
-        <p:spPr>
-          <a:xfrm rot="10800000">
-            <a:off x="179510" y="6687360"/>
-            <a:ext cx="8784975" cy="147600"/>
-          </a:xfrm>
-          <a:prstGeom prst="rect">
-            <a:avLst/>
-          </a:prstGeom>
-          <a:solidFill>
-            <a:srgbClr val="210F01">
-              <a:alpha val="50000"/>
-            </a:srgbClr>
-          </a:solidFill>
-          <a:ln>
-            <a:noFill/>
-          </a:ln>
-          <a:effectLst/>
-        </p:spPr>
-        <p:style>
-          <a:lnRef idx="2">
-            <a:schemeClr val="dk1">
-              <a:shade val="50000"/>
-            </a:schemeClr>
-          </a:lnRef>
-          <a:fillRef idx="1">
-            <a:schemeClr val="dk1"/>
-          </a:fillRef>
-          <a:effectRef idx="0">
-            <a:schemeClr val="dk1"/>
-          </a:effectRef>
-          <a:fontRef idx="minor">
-            <a:schemeClr val="lt1"/>
-          </a:fontRef>
-        </p:style>
-        <p:txBody>
-          <a:bodyPr rtlCol="0" anchor="ctr"/>
-          <a:lstStyle/>
-          <a:p>
-            <a:pPr algn="ctr"/>
-            <a:endParaRPr lang="es-UY"/>
-          </a:p>
-        </p:txBody>
-      </p:sp>
-      <p:sp>
-        <p:nvSpPr>
-          <p:cNvPr id="15" name="Rectángulo 14">
-            <a:extLst>
-              <a:ext uri="{FF2B5EF4-FFF2-40B4-BE49-F238E27FC236}">
-                <a16:creationId xmlns:a16="http://schemas.microsoft.com/office/drawing/2014/main" id="{5A1C370D-A7B4-4032-8680-D21584748351}"/>
-              </a:ext>
-            </a:extLst>
-          </p:cNvPr>
-          <p:cNvSpPr/>
-          <p:nvPr/>
-        </p:nvSpPr>
-        <p:spPr>
-          <a:xfrm rot="5400000">
-            <a:off x="-3215983" y="3436520"/>
-            <a:ext cx="6657791" cy="133200"/>
-          </a:xfrm>
-          <a:prstGeom prst="rect">
-            <a:avLst/>
-          </a:prstGeom>
-          <a:solidFill>
-            <a:srgbClr val="210F01">
-              <a:alpha val="50000"/>
-            </a:srgbClr>
-          </a:solidFill>
-          <a:ln>
-            <a:noFill/>
-          </a:ln>
-          <a:effectLst/>
-        </p:spPr>
-        <p:style>
-          <a:lnRef idx="2">
-            <a:schemeClr val="dk1">
-              <a:shade val="50000"/>
-            </a:schemeClr>
-          </a:lnRef>
-          <a:fillRef idx="1">
-            <a:schemeClr val="dk1"/>
-          </a:fillRef>
-          <a:effectRef idx="0">
-            <a:schemeClr val="dk1"/>
-          </a:effectRef>
-          <a:fontRef idx="minor">
-            <a:schemeClr val="lt1"/>
-          </a:fontRef>
-        </p:style>
-        <p:txBody>
-          <a:bodyPr rtlCol="0" anchor="ctr"/>
-          <a:lstStyle/>
-          <a:p>
-            <a:pPr algn="ctr"/>
-            <a:endParaRPr lang="es-UY"/>
-          </a:p>
-        </p:txBody>
-      </p:sp>
-      <p:sp>
-        <p:nvSpPr>
-          <p:cNvPr id="17" name="Rectángulo 16">
-            <a:extLst>
-              <a:ext uri="{FF2B5EF4-FFF2-40B4-BE49-F238E27FC236}">
-                <a16:creationId xmlns:a16="http://schemas.microsoft.com/office/drawing/2014/main" id="{D9BD99FE-C7A5-42AD-BE7A-267CB775B9C2}"/>
-              </a:ext>
-            </a:extLst>
-          </p:cNvPr>
-          <p:cNvSpPr/>
-          <p:nvPr/>
-        </p:nvSpPr>
-        <p:spPr>
-          <a:xfrm rot="5400000">
-            <a:off x="-3360660" y="3392872"/>
-            <a:ext cx="6835625" cy="114302"/>
-          </a:xfrm>
-          <a:prstGeom prst="rect">
-            <a:avLst/>
-          </a:prstGeom>
-          <a:solidFill>
-            <a:srgbClr val="210F01"/>
-          </a:solidFill>
-          <a:ln>
-            <a:noFill/>
-          </a:ln>
-          <a:effectLst/>
-        </p:spPr>
-        <p:style>
-          <a:lnRef idx="2">
-            <a:schemeClr val="dk1">
-              <a:shade val="50000"/>
-            </a:schemeClr>
-          </a:lnRef>
-          <a:fillRef idx="1">
-            <a:schemeClr val="dk1"/>
-          </a:fillRef>
-          <a:effectRef idx="0">
-            <a:schemeClr val="dk1"/>
-          </a:effectRef>
-          <a:fontRef idx="minor">
-            <a:schemeClr val="lt1"/>
-          </a:fontRef>
-        </p:style>
-        <p:txBody>
-          <a:bodyPr rtlCol="0" anchor="ctr"/>
-          <a:lstStyle/>
-          <a:p>
-            <a:pPr algn="ctr"/>
-            <a:endParaRPr lang="es-UY"/>
-          </a:p>
-        </p:txBody>
-      </p:sp>
-      <p:sp>
-        <p:nvSpPr>
-          <p:cNvPr id="19" name="Rectángulo 18">
-            <a:extLst>
-              <a:ext uri="{FF2B5EF4-FFF2-40B4-BE49-F238E27FC236}">
-                <a16:creationId xmlns:a16="http://schemas.microsoft.com/office/drawing/2014/main" id="{423485FB-79C5-4AE1-88C3-EFEEA6B938AE}"/>
-              </a:ext>
-            </a:extLst>
-          </p:cNvPr>
-          <p:cNvSpPr/>
-          <p:nvPr/>
-        </p:nvSpPr>
-        <p:spPr>
-          <a:xfrm rot="5400000">
-            <a:off x="5666058" y="3472655"/>
-            <a:ext cx="6711161" cy="114304"/>
-          </a:xfrm>
-          <a:prstGeom prst="rect">
-            <a:avLst/>
-          </a:prstGeom>
-          <a:solidFill>
-            <a:srgbClr val="210F01">
-              <a:alpha val="50000"/>
-            </a:srgbClr>
-          </a:solidFill>
-          <a:ln>
-            <a:noFill/>
-          </a:ln>
-          <a:effectLst/>
-        </p:spPr>
-        <p:style>
-          <a:lnRef idx="2">
-            <a:schemeClr val="dk1">
-              <a:shade val="50000"/>
-            </a:schemeClr>
-          </a:lnRef>
-          <a:fillRef idx="1">
-            <a:schemeClr val="dk1"/>
-          </a:fillRef>
-          <a:effectRef idx="0">
-            <a:schemeClr val="dk1"/>
-          </a:effectRef>
-          <a:fontRef idx="minor">
-            <a:schemeClr val="lt1"/>
-          </a:fontRef>
-        </p:style>
-        <p:txBody>
-          <a:bodyPr rtlCol="0" anchor="ctr"/>
-          <a:lstStyle/>
-          <a:p>
-            <a:pPr algn="ctr"/>
-            <a:endParaRPr lang="es-UY"/>
-          </a:p>
-        </p:txBody>
-      </p:sp>
+            <a:off x="6036145" y="1235512"/>
+            <a:ext cx="2650655" cy="2650655"/>
+          </a:xfrm>
+          <a:prstGeom prst="rect">
+            <a:avLst/>
+          </a:prstGeom>
+        </p:spPr>
+      </p:pic>
     </p:spTree>
     <p:extLst>
       <p:ext uri="{BB962C8B-B14F-4D97-AF65-F5344CB8AC3E}">
         <p14:creationId xmlns:p14="http://schemas.microsoft.com/office/powerpoint/2010/main" val="3646516699"/>
-      </p:ext>
-    </p:extLst>
-  </p:cSld>
-  <p:clrMapOvr>
-    <a:masterClrMapping/>
-  </p:clrMapOvr>
-</p:sld>
-</file>
-
-<file path=ppt/slides/slide17.xml><?xml version="1.0" encoding="utf-8"?>
-<p:sld xmlns:a="http://schemas.openxmlformats.org/drawingml/2006/main" xmlns:r="http://schemas.openxmlformats.org/officeDocument/2006/relationships" xmlns:p="http://schemas.openxmlformats.org/presentationml/2006/main">
-  <p:cSld>
-    <p:spTree>
-      <p:nvGrpSpPr>
-        <p:cNvPr id="1" name=""/>
-        <p:cNvGrpSpPr/>
-        <p:nvPr/>
-      </p:nvGrpSpPr>
-      <p:grpSpPr>
-        <a:xfrm>
-          <a:off x="0" y="0"/>
-          <a:ext cx="0" cy="0"/>
-          <a:chOff x="0" y="0"/>
-          <a:chExt cx="0" cy="0"/>
-        </a:xfrm>
-      </p:grpSpPr>
-      <p:sp>
-        <p:nvSpPr>
-          <p:cNvPr id="2" name="Título 1">
-            <a:extLst>
-              <a:ext uri="{FF2B5EF4-FFF2-40B4-BE49-F238E27FC236}">
-                <a16:creationId xmlns:a16="http://schemas.microsoft.com/office/drawing/2014/main" id="{6B3F0BC4-D150-4240-B58C-A3D256D8905B}"/>
-              </a:ext>
-            </a:extLst>
-          </p:cNvPr>
-          <p:cNvSpPr>
-            <a:spLocks noGrp="1"/>
-          </p:cNvSpPr>
-          <p:nvPr>
-            <p:ph type="title"/>
-          </p:nvPr>
-        </p:nvSpPr>
-        <p:spPr/>
-        <p:txBody>
-          <a:bodyPr/>
-          <a:lstStyle/>
-          <a:p>
-            <a:endParaRPr lang="es-UY"/>
-          </a:p>
-        </p:txBody>
-      </p:sp>
-      <p:sp>
-        <p:nvSpPr>
-          <p:cNvPr id="3" name="Marcador de contenido 2">
-            <a:extLst>
-              <a:ext uri="{FF2B5EF4-FFF2-40B4-BE49-F238E27FC236}">
-                <a16:creationId xmlns:a16="http://schemas.microsoft.com/office/drawing/2014/main" id="{A6D23F43-5F4B-4BA0-96AC-A9CAFB832ED9}"/>
-              </a:ext>
-            </a:extLst>
-          </p:cNvPr>
-          <p:cNvSpPr>
-            <a:spLocks noGrp="1"/>
-          </p:cNvSpPr>
-          <p:nvPr>
-            <p:ph idx="1"/>
-          </p:nvPr>
-        </p:nvSpPr>
-        <p:spPr/>
-        <p:txBody>
-          <a:bodyPr/>
-          <a:lstStyle/>
-          <a:p>
-            <a:endParaRPr lang="es-UY"/>
-          </a:p>
-        </p:txBody>
-      </p:sp>
-      <p:sp>
-        <p:nvSpPr>
-          <p:cNvPr id="5" name="Rectángulo 4">
-            <a:extLst>
-              <a:ext uri="{FF2B5EF4-FFF2-40B4-BE49-F238E27FC236}">
-                <a16:creationId xmlns:a16="http://schemas.microsoft.com/office/drawing/2014/main" id="{6BE640CD-3AE6-424C-8BB5-8513B85BE52D}"/>
-              </a:ext>
-            </a:extLst>
-          </p:cNvPr>
-          <p:cNvSpPr/>
-          <p:nvPr/>
-        </p:nvSpPr>
-        <p:spPr>
-          <a:xfrm>
-            <a:off x="-36512" y="44624"/>
-            <a:ext cx="9180512" cy="129600"/>
-          </a:xfrm>
-          <a:prstGeom prst="rect">
-            <a:avLst/>
-          </a:prstGeom>
-          <a:solidFill>
-            <a:srgbClr val="210F01">
-              <a:alpha val="50000"/>
-            </a:srgbClr>
-          </a:solidFill>
-          <a:ln>
-            <a:noFill/>
-          </a:ln>
-          <a:effectLst/>
-        </p:spPr>
-        <p:style>
-          <a:lnRef idx="2">
-            <a:schemeClr val="dk1">
-              <a:shade val="50000"/>
-            </a:schemeClr>
-          </a:lnRef>
-          <a:fillRef idx="1">
-            <a:schemeClr val="dk1"/>
-          </a:fillRef>
-          <a:effectRef idx="0">
-            <a:schemeClr val="dk1"/>
-          </a:effectRef>
-          <a:fontRef idx="minor">
-            <a:schemeClr val="lt1"/>
-          </a:fontRef>
-        </p:style>
-        <p:txBody>
-          <a:bodyPr rtlCol="0" anchor="ctr"/>
-          <a:lstStyle/>
-          <a:p>
-            <a:pPr algn="ctr"/>
-            <a:endParaRPr lang="es-UY"/>
-          </a:p>
-        </p:txBody>
-      </p:sp>
-      <p:sp>
-        <p:nvSpPr>
-          <p:cNvPr id="7" name="Rectángulo 6">
-            <a:extLst>
-              <a:ext uri="{FF2B5EF4-FFF2-40B4-BE49-F238E27FC236}">
-                <a16:creationId xmlns:a16="http://schemas.microsoft.com/office/drawing/2014/main" id="{EF8D0139-5247-4F10-9980-520CD13605AC}"/>
-              </a:ext>
-            </a:extLst>
-          </p:cNvPr>
-          <p:cNvSpPr/>
-          <p:nvPr/>
-        </p:nvSpPr>
-        <p:spPr>
-          <a:xfrm>
-            <a:off x="-36512" y="-27384"/>
-            <a:ext cx="9217024" cy="137279"/>
-          </a:xfrm>
-          <a:prstGeom prst="rect">
-            <a:avLst/>
-          </a:prstGeom>
-          <a:solidFill>
-            <a:srgbClr val="210F01"/>
-          </a:solidFill>
-          <a:ln>
-            <a:noFill/>
-          </a:ln>
-          <a:effectLst/>
-        </p:spPr>
-        <p:style>
-          <a:lnRef idx="2">
-            <a:schemeClr val="dk1">
-              <a:shade val="50000"/>
-            </a:schemeClr>
-          </a:lnRef>
-          <a:fillRef idx="1">
-            <a:schemeClr val="dk1"/>
-          </a:fillRef>
-          <a:effectRef idx="0">
-            <a:schemeClr val="dk1"/>
-          </a:effectRef>
-          <a:fontRef idx="minor">
-            <a:schemeClr val="lt1"/>
-          </a:fontRef>
-        </p:style>
-        <p:txBody>
-          <a:bodyPr rtlCol="0" anchor="ctr"/>
-          <a:lstStyle/>
-          <a:p>
-            <a:pPr algn="ctr"/>
-            <a:endParaRPr lang="es-UY"/>
-          </a:p>
-        </p:txBody>
-      </p:sp>
-      <p:sp>
-        <p:nvSpPr>
-          <p:cNvPr id="9" name="Rectángulo 8">
-            <a:extLst>
-              <a:ext uri="{FF2B5EF4-FFF2-40B4-BE49-F238E27FC236}">
-                <a16:creationId xmlns:a16="http://schemas.microsoft.com/office/drawing/2014/main" id="{F0084331-58EF-4FF4-816F-D7CF1E756CEA}"/>
-              </a:ext>
-            </a:extLst>
-          </p:cNvPr>
-          <p:cNvSpPr/>
-          <p:nvPr/>
-        </p:nvSpPr>
-        <p:spPr>
-          <a:xfrm>
-            <a:off x="-3238" y="6753727"/>
-            <a:ext cx="9183750" cy="107876"/>
-          </a:xfrm>
-          <a:prstGeom prst="rect">
-            <a:avLst/>
-          </a:prstGeom>
-          <a:solidFill>
-            <a:srgbClr val="210F01"/>
-          </a:solidFill>
-          <a:ln>
-            <a:noFill/>
-          </a:ln>
-          <a:effectLst/>
-        </p:spPr>
-        <p:style>
-          <a:lnRef idx="2">
-            <a:schemeClr val="dk1">
-              <a:shade val="50000"/>
-            </a:schemeClr>
-          </a:lnRef>
-          <a:fillRef idx="1">
-            <a:schemeClr val="dk1"/>
-          </a:fillRef>
-          <a:effectRef idx="0">
-            <a:schemeClr val="dk1"/>
-          </a:effectRef>
-          <a:fontRef idx="minor">
-            <a:schemeClr val="lt1"/>
-          </a:fontRef>
-        </p:style>
-        <p:txBody>
-          <a:bodyPr rtlCol="0" anchor="ctr"/>
-          <a:lstStyle/>
-          <a:p>
-            <a:pPr algn="ctr"/>
-            <a:endParaRPr lang="es-UY"/>
-          </a:p>
-        </p:txBody>
-      </p:sp>
-      <p:sp>
-        <p:nvSpPr>
-          <p:cNvPr id="11" name="Rectángulo 10">
-            <a:extLst>
-              <a:ext uri="{FF2B5EF4-FFF2-40B4-BE49-F238E27FC236}">
-                <a16:creationId xmlns:a16="http://schemas.microsoft.com/office/drawing/2014/main" id="{C6A097D4-8A8F-455E-8C5A-DAEAE106AB6F}"/>
-              </a:ext>
-            </a:extLst>
-          </p:cNvPr>
-          <p:cNvSpPr/>
-          <p:nvPr/>
-        </p:nvSpPr>
-        <p:spPr>
-          <a:xfrm rot="5400000">
-            <a:off x="5719968" y="3381249"/>
-            <a:ext cx="6741855" cy="122399"/>
-          </a:xfrm>
-          <a:prstGeom prst="rect">
-            <a:avLst/>
-          </a:prstGeom>
-          <a:solidFill>
-            <a:srgbClr val="210F01"/>
-          </a:solidFill>
-          <a:ln>
-            <a:noFill/>
-          </a:ln>
-          <a:effectLst/>
-        </p:spPr>
-        <p:style>
-          <a:lnRef idx="2">
-            <a:schemeClr val="dk1">
-              <a:shade val="50000"/>
-            </a:schemeClr>
-          </a:lnRef>
-          <a:fillRef idx="1">
-            <a:schemeClr val="dk1"/>
-          </a:fillRef>
-          <a:effectRef idx="0">
-            <a:schemeClr val="dk1"/>
-          </a:effectRef>
-          <a:fontRef idx="minor">
-            <a:schemeClr val="lt1"/>
-          </a:fontRef>
-        </p:style>
-        <p:txBody>
-          <a:bodyPr rtlCol="0" anchor="ctr"/>
-          <a:lstStyle/>
-          <a:p>
-            <a:pPr algn="ctr"/>
-            <a:endParaRPr lang="es-UY"/>
-          </a:p>
-        </p:txBody>
-      </p:sp>
-      <p:sp>
-        <p:nvSpPr>
-          <p:cNvPr id="13" name="Rectángulo 12">
-            <a:extLst>
-              <a:ext uri="{FF2B5EF4-FFF2-40B4-BE49-F238E27FC236}">
-                <a16:creationId xmlns:a16="http://schemas.microsoft.com/office/drawing/2014/main" id="{64771114-1A04-4FBC-8638-8B52EDECDF2D}"/>
-              </a:ext>
-            </a:extLst>
-          </p:cNvPr>
-          <p:cNvSpPr/>
-          <p:nvPr/>
-        </p:nvSpPr>
-        <p:spPr>
-          <a:xfrm rot="10800000">
-            <a:off x="179510" y="6687360"/>
-            <a:ext cx="8784975" cy="147600"/>
-          </a:xfrm>
-          <a:prstGeom prst="rect">
-            <a:avLst/>
-          </a:prstGeom>
-          <a:solidFill>
-            <a:srgbClr val="210F01">
-              <a:alpha val="50000"/>
-            </a:srgbClr>
-          </a:solidFill>
-          <a:ln>
-            <a:noFill/>
-          </a:ln>
-          <a:effectLst/>
-        </p:spPr>
-        <p:style>
-          <a:lnRef idx="2">
-            <a:schemeClr val="dk1">
-              <a:shade val="50000"/>
-            </a:schemeClr>
-          </a:lnRef>
-          <a:fillRef idx="1">
-            <a:schemeClr val="dk1"/>
-          </a:fillRef>
-          <a:effectRef idx="0">
-            <a:schemeClr val="dk1"/>
-          </a:effectRef>
-          <a:fontRef idx="minor">
-            <a:schemeClr val="lt1"/>
-          </a:fontRef>
-        </p:style>
-        <p:txBody>
-          <a:bodyPr rtlCol="0" anchor="ctr"/>
-          <a:lstStyle/>
-          <a:p>
-            <a:pPr algn="ctr"/>
-            <a:endParaRPr lang="es-UY"/>
-          </a:p>
-        </p:txBody>
-      </p:sp>
-      <p:sp>
-        <p:nvSpPr>
-          <p:cNvPr id="15" name="Rectángulo 14">
-            <a:extLst>
-              <a:ext uri="{FF2B5EF4-FFF2-40B4-BE49-F238E27FC236}">
-                <a16:creationId xmlns:a16="http://schemas.microsoft.com/office/drawing/2014/main" id="{A3AC8431-FA35-4B33-8BE5-B6962AE52BDA}"/>
-              </a:ext>
-            </a:extLst>
-          </p:cNvPr>
-          <p:cNvSpPr/>
-          <p:nvPr/>
-        </p:nvSpPr>
-        <p:spPr>
-          <a:xfrm rot="5400000">
-            <a:off x="-3215983" y="3436520"/>
-            <a:ext cx="6657791" cy="133200"/>
-          </a:xfrm>
-          <a:prstGeom prst="rect">
-            <a:avLst/>
-          </a:prstGeom>
-          <a:solidFill>
-            <a:srgbClr val="210F01">
-              <a:alpha val="50000"/>
-            </a:srgbClr>
-          </a:solidFill>
-          <a:ln>
-            <a:noFill/>
-          </a:ln>
-          <a:effectLst/>
-        </p:spPr>
-        <p:style>
-          <a:lnRef idx="2">
-            <a:schemeClr val="dk1">
-              <a:shade val="50000"/>
-            </a:schemeClr>
-          </a:lnRef>
-          <a:fillRef idx="1">
-            <a:schemeClr val="dk1"/>
-          </a:fillRef>
-          <a:effectRef idx="0">
-            <a:schemeClr val="dk1"/>
-          </a:effectRef>
-          <a:fontRef idx="minor">
-            <a:schemeClr val="lt1"/>
-          </a:fontRef>
-        </p:style>
-        <p:txBody>
-          <a:bodyPr rtlCol="0" anchor="ctr"/>
-          <a:lstStyle/>
-          <a:p>
-            <a:pPr algn="ctr"/>
-            <a:endParaRPr lang="es-UY"/>
-          </a:p>
-        </p:txBody>
-      </p:sp>
-      <p:sp>
-        <p:nvSpPr>
-          <p:cNvPr id="17" name="Rectángulo 16">
-            <a:extLst>
-              <a:ext uri="{FF2B5EF4-FFF2-40B4-BE49-F238E27FC236}">
-                <a16:creationId xmlns:a16="http://schemas.microsoft.com/office/drawing/2014/main" id="{87319E41-7611-4597-B4A6-A549B1BC222E}"/>
-              </a:ext>
-            </a:extLst>
-          </p:cNvPr>
-          <p:cNvSpPr/>
-          <p:nvPr/>
-        </p:nvSpPr>
-        <p:spPr>
-          <a:xfrm rot="5400000">
-            <a:off x="-3360660" y="3392872"/>
-            <a:ext cx="6835625" cy="114302"/>
-          </a:xfrm>
-          <a:prstGeom prst="rect">
-            <a:avLst/>
-          </a:prstGeom>
-          <a:solidFill>
-            <a:srgbClr val="210F01"/>
-          </a:solidFill>
-          <a:ln>
-            <a:noFill/>
-          </a:ln>
-          <a:effectLst/>
-        </p:spPr>
-        <p:style>
-          <a:lnRef idx="2">
-            <a:schemeClr val="dk1">
-              <a:shade val="50000"/>
-            </a:schemeClr>
-          </a:lnRef>
-          <a:fillRef idx="1">
-            <a:schemeClr val="dk1"/>
-          </a:fillRef>
-          <a:effectRef idx="0">
-            <a:schemeClr val="dk1"/>
-          </a:effectRef>
-          <a:fontRef idx="minor">
-            <a:schemeClr val="lt1"/>
-          </a:fontRef>
-        </p:style>
-        <p:txBody>
-          <a:bodyPr rtlCol="0" anchor="ctr"/>
-          <a:lstStyle/>
-          <a:p>
-            <a:pPr algn="ctr"/>
-            <a:endParaRPr lang="es-UY"/>
-          </a:p>
-        </p:txBody>
-      </p:sp>
-      <p:sp>
-        <p:nvSpPr>
-          <p:cNvPr id="19" name="Rectángulo 18">
-            <a:extLst>
-              <a:ext uri="{FF2B5EF4-FFF2-40B4-BE49-F238E27FC236}">
-                <a16:creationId xmlns:a16="http://schemas.microsoft.com/office/drawing/2014/main" id="{88B43D87-A48C-47B1-82C5-40670020ABA8}"/>
-              </a:ext>
-            </a:extLst>
-          </p:cNvPr>
-          <p:cNvSpPr/>
-          <p:nvPr/>
-        </p:nvSpPr>
-        <p:spPr>
-          <a:xfrm rot="5400000">
-            <a:off x="5666058" y="3472655"/>
-            <a:ext cx="6711161" cy="114304"/>
-          </a:xfrm>
-          <a:prstGeom prst="rect">
-            <a:avLst/>
-          </a:prstGeom>
-          <a:solidFill>
-            <a:srgbClr val="210F01">
-              <a:alpha val="50000"/>
-            </a:srgbClr>
-          </a:solidFill>
-          <a:ln>
-            <a:noFill/>
-          </a:ln>
-          <a:effectLst/>
-        </p:spPr>
-        <p:style>
-          <a:lnRef idx="2">
-            <a:schemeClr val="dk1">
-              <a:shade val="50000"/>
-            </a:schemeClr>
-          </a:lnRef>
-          <a:fillRef idx="1">
-            <a:schemeClr val="dk1"/>
-          </a:fillRef>
-          <a:effectRef idx="0">
-            <a:schemeClr val="dk1"/>
-          </a:effectRef>
-          <a:fontRef idx="minor">
-            <a:schemeClr val="lt1"/>
-          </a:fontRef>
-        </p:style>
-        <p:txBody>
-          <a:bodyPr rtlCol="0" anchor="ctr"/>
-          <a:lstStyle/>
-          <a:p>
-            <a:pPr algn="ctr"/>
-            <a:endParaRPr lang="es-UY"/>
-          </a:p>
-        </p:txBody>
-      </p:sp>
-    </p:spTree>
-    <p:extLst>
-      <p:ext uri="{BB962C8B-B14F-4D97-AF65-F5344CB8AC3E}">
-        <p14:creationId xmlns:p14="http://schemas.microsoft.com/office/powerpoint/2010/main" val="4061666654"/>
-      </p:ext>
-    </p:extLst>
-  </p:cSld>
-  <p:clrMapOvr>
-    <a:masterClrMapping/>
-  </p:clrMapOvr>
-</p:sld>
-</file>
-
-<file path=ppt/slides/slide18.xml><?xml version="1.0" encoding="utf-8"?>
-<p:sld xmlns:a="http://schemas.openxmlformats.org/drawingml/2006/main" xmlns:r="http://schemas.openxmlformats.org/officeDocument/2006/relationships" xmlns:p="http://schemas.openxmlformats.org/presentationml/2006/main">
-  <p:cSld>
-    <p:spTree>
-      <p:nvGrpSpPr>
-        <p:cNvPr id="1" name=""/>
-        <p:cNvGrpSpPr/>
-        <p:nvPr/>
-      </p:nvGrpSpPr>
-      <p:grpSpPr>
-        <a:xfrm>
-          <a:off x="0" y="0"/>
-          <a:ext cx="0" cy="0"/>
-          <a:chOff x="0" y="0"/>
-          <a:chExt cx="0" cy="0"/>
-        </a:xfrm>
-      </p:grpSpPr>
-      <p:sp>
-        <p:nvSpPr>
-          <p:cNvPr id="2" name="Título 1">
-            <a:extLst>
-              <a:ext uri="{FF2B5EF4-FFF2-40B4-BE49-F238E27FC236}">
-                <a16:creationId xmlns:a16="http://schemas.microsoft.com/office/drawing/2014/main" id="{52C34E91-2C1A-4641-8BD5-3D4428B2F086}"/>
-              </a:ext>
-            </a:extLst>
-          </p:cNvPr>
-          <p:cNvSpPr>
-            <a:spLocks noGrp="1"/>
-          </p:cNvSpPr>
-          <p:nvPr>
-            <p:ph type="title"/>
-          </p:nvPr>
-        </p:nvSpPr>
-        <p:spPr/>
-        <p:txBody>
-          <a:bodyPr/>
-          <a:lstStyle/>
-          <a:p>
-            <a:endParaRPr lang="es-UY"/>
-          </a:p>
-        </p:txBody>
-      </p:sp>
-      <p:sp>
-        <p:nvSpPr>
-          <p:cNvPr id="3" name="Marcador de contenido 2">
-            <a:extLst>
-              <a:ext uri="{FF2B5EF4-FFF2-40B4-BE49-F238E27FC236}">
-                <a16:creationId xmlns:a16="http://schemas.microsoft.com/office/drawing/2014/main" id="{0899BDB9-C18D-4631-B6EC-AAF352689236}"/>
-              </a:ext>
-            </a:extLst>
-          </p:cNvPr>
-          <p:cNvSpPr>
-            <a:spLocks noGrp="1"/>
-          </p:cNvSpPr>
-          <p:nvPr>
-            <p:ph idx="1"/>
-          </p:nvPr>
-        </p:nvSpPr>
-        <p:spPr/>
-        <p:txBody>
-          <a:bodyPr/>
-          <a:lstStyle/>
-          <a:p>
-            <a:endParaRPr lang="es-UY"/>
-          </a:p>
-        </p:txBody>
-      </p:sp>
-      <p:sp>
-        <p:nvSpPr>
-          <p:cNvPr id="5" name="Rectángulo 4">
-            <a:extLst>
-              <a:ext uri="{FF2B5EF4-FFF2-40B4-BE49-F238E27FC236}">
-                <a16:creationId xmlns:a16="http://schemas.microsoft.com/office/drawing/2014/main" id="{3A47207B-0D8D-4D07-998B-965A2485992E}"/>
-              </a:ext>
-            </a:extLst>
-          </p:cNvPr>
-          <p:cNvSpPr/>
-          <p:nvPr/>
-        </p:nvSpPr>
-        <p:spPr>
-          <a:xfrm>
-            <a:off x="-36512" y="44624"/>
-            <a:ext cx="9180512" cy="129600"/>
-          </a:xfrm>
-          <a:prstGeom prst="rect">
-            <a:avLst/>
-          </a:prstGeom>
-          <a:solidFill>
-            <a:srgbClr val="210F01">
-              <a:alpha val="50000"/>
-            </a:srgbClr>
-          </a:solidFill>
-          <a:ln>
-            <a:noFill/>
-          </a:ln>
-          <a:effectLst/>
-        </p:spPr>
-        <p:style>
-          <a:lnRef idx="2">
-            <a:schemeClr val="dk1">
-              <a:shade val="50000"/>
-            </a:schemeClr>
-          </a:lnRef>
-          <a:fillRef idx="1">
-            <a:schemeClr val="dk1"/>
-          </a:fillRef>
-          <a:effectRef idx="0">
-            <a:schemeClr val="dk1"/>
-          </a:effectRef>
-          <a:fontRef idx="minor">
-            <a:schemeClr val="lt1"/>
-          </a:fontRef>
-        </p:style>
-        <p:txBody>
-          <a:bodyPr rtlCol="0" anchor="ctr"/>
-          <a:lstStyle/>
-          <a:p>
-            <a:pPr algn="ctr"/>
-            <a:endParaRPr lang="es-UY"/>
-          </a:p>
-        </p:txBody>
-      </p:sp>
-      <p:sp>
-        <p:nvSpPr>
-          <p:cNvPr id="7" name="Rectángulo 6">
-            <a:extLst>
-              <a:ext uri="{FF2B5EF4-FFF2-40B4-BE49-F238E27FC236}">
-                <a16:creationId xmlns:a16="http://schemas.microsoft.com/office/drawing/2014/main" id="{568E8B45-7684-4B7D-8BAF-F4B23D75AB11}"/>
-              </a:ext>
-            </a:extLst>
-          </p:cNvPr>
-          <p:cNvSpPr/>
-          <p:nvPr/>
-        </p:nvSpPr>
-        <p:spPr>
-          <a:xfrm>
-            <a:off x="-36512" y="-27384"/>
-            <a:ext cx="9217024" cy="137279"/>
-          </a:xfrm>
-          <a:prstGeom prst="rect">
-            <a:avLst/>
-          </a:prstGeom>
-          <a:solidFill>
-            <a:srgbClr val="210F01"/>
-          </a:solidFill>
-          <a:ln>
-            <a:noFill/>
-          </a:ln>
-          <a:effectLst/>
-        </p:spPr>
-        <p:style>
-          <a:lnRef idx="2">
-            <a:schemeClr val="dk1">
-              <a:shade val="50000"/>
-            </a:schemeClr>
-          </a:lnRef>
-          <a:fillRef idx="1">
-            <a:schemeClr val="dk1"/>
-          </a:fillRef>
-          <a:effectRef idx="0">
-            <a:schemeClr val="dk1"/>
-          </a:effectRef>
-          <a:fontRef idx="minor">
-            <a:schemeClr val="lt1"/>
-          </a:fontRef>
-        </p:style>
-        <p:txBody>
-          <a:bodyPr rtlCol="0" anchor="ctr"/>
-          <a:lstStyle/>
-          <a:p>
-            <a:pPr algn="ctr"/>
-            <a:endParaRPr lang="es-UY"/>
-          </a:p>
-        </p:txBody>
-      </p:sp>
-      <p:sp>
-        <p:nvSpPr>
-          <p:cNvPr id="9" name="Rectángulo 8">
-            <a:extLst>
-              <a:ext uri="{FF2B5EF4-FFF2-40B4-BE49-F238E27FC236}">
-                <a16:creationId xmlns:a16="http://schemas.microsoft.com/office/drawing/2014/main" id="{37D2454A-4815-4F87-8F1D-C226260037B5}"/>
-              </a:ext>
-            </a:extLst>
-          </p:cNvPr>
-          <p:cNvSpPr/>
-          <p:nvPr/>
-        </p:nvSpPr>
-        <p:spPr>
-          <a:xfrm>
-            <a:off x="-3238" y="6753727"/>
-            <a:ext cx="9183750" cy="107876"/>
-          </a:xfrm>
-          <a:prstGeom prst="rect">
-            <a:avLst/>
-          </a:prstGeom>
-          <a:solidFill>
-            <a:srgbClr val="210F01"/>
-          </a:solidFill>
-          <a:ln>
-            <a:noFill/>
-          </a:ln>
-          <a:effectLst/>
-        </p:spPr>
-        <p:style>
-          <a:lnRef idx="2">
-            <a:schemeClr val="dk1">
-              <a:shade val="50000"/>
-            </a:schemeClr>
-          </a:lnRef>
-          <a:fillRef idx="1">
-            <a:schemeClr val="dk1"/>
-          </a:fillRef>
-          <a:effectRef idx="0">
-            <a:schemeClr val="dk1"/>
-          </a:effectRef>
-          <a:fontRef idx="minor">
-            <a:schemeClr val="lt1"/>
-          </a:fontRef>
-        </p:style>
-        <p:txBody>
-          <a:bodyPr rtlCol="0" anchor="ctr"/>
-          <a:lstStyle/>
-          <a:p>
-            <a:pPr algn="ctr"/>
-            <a:endParaRPr lang="es-UY"/>
-          </a:p>
-        </p:txBody>
-      </p:sp>
-      <p:sp>
-        <p:nvSpPr>
-          <p:cNvPr id="11" name="Rectángulo 10">
-            <a:extLst>
-              <a:ext uri="{FF2B5EF4-FFF2-40B4-BE49-F238E27FC236}">
-                <a16:creationId xmlns:a16="http://schemas.microsoft.com/office/drawing/2014/main" id="{1DEB4E2E-C7F5-4CD3-9E1B-5162218698F8}"/>
-              </a:ext>
-            </a:extLst>
-          </p:cNvPr>
-          <p:cNvSpPr/>
-          <p:nvPr/>
-        </p:nvSpPr>
-        <p:spPr>
-          <a:xfrm rot="5400000">
-            <a:off x="5719968" y="3381249"/>
-            <a:ext cx="6741855" cy="122399"/>
-          </a:xfrm>
-          <a:prstGeom prst="rect">
-            <a:avLst/>
-          </a:prstGeom>
-          <a:solidFill>
-            <a:srgbClr val="210F01"/>
-          </a:solidFill>
-          <a:ln>
-            <a:noFill/>
-          </a:ln>
-          <a:effectLst/>
-        </p:spPr>
-        <p:style>
-          <a:lnRef idx="2">
-            <a:schemeClr val="dk1">
-              <a:shade val="50000"/>
-            </a:schemeClr>
-          </a:lnRef>
-          <a:fillRef idx="1">
-            <a:schemeClr val="dk1"/>
-          </a:fillRef>
-          <a:effectRef idx="0">
-            <a:schemeClr val="dk1"/>
-          </a:effectRef>
-          <a:fontRef idx="minor">
-            <a:schemeClr val="lt1"/>
-          </a:fontRef>
-        </p:style>
-        <p:txBody>
-          <a:bodyPr rtlCol="0" anchor="ctr"/>
-          <a:lstStyle/>
-          <a:p>
-            <a:pPr algn="ctr"/>
-            <a:endParaRPr lang="es-UY"/>
-          </a:p>
-        </p:txBody>
-      </p:sp>
-      <p:sp>
-        <p:nvSpPr>
-          <p:cNvPr id="13" name="Rectángulo 12">
-            <a:extLst>
-              <a:ext uri="{FF2B5EF4-FFF2-40B4-BE49-F238E27FC236}">
-                <a16:creationId xmlns:a16="http://schemas.microsoft.com/office/drawing/2014/main" id="{FC2E0263-F281-4407-B860-71798E611DE7}"/>
-              </a:ext>
-            </a:extLst>
-          </p:cNvPr>
-          <p:cNvSpPr/>
-          <p:nvPr/>
-        </p:nvSpPr>
-        <p:spPr>
-          <a:xfrm rot="10800000">
-            <a:off x="179510" y="6687360"/>
-            <a:ext cx="8784975" cy="147600"/>
-          </a:xfrm>
-          <a:prstGeom prst="rect">
-            <a:avLst/>
-          </a:prstGeom>
-          <a:solidFill>
-            <a:srgbClr val="210F01">
-              <a:alpha val="50000"/>
-            </a:srgbClr>
-          </a:solidFill>
-          <a:ln>
-            <a:noFill/>
-          </a:ln>
-          <a:effectLst/>
-        </p:spPr>
-        <p:style>
-          <a:lnRef idx="2">
-            <a:schemeClr val="dk1">
-              <a:shade val="50000"/>
-            </a:schemeClr>
-          </a:lnRef>
-          <a:fillRef idx="1">
-            <a:schemeClr val="dk1"/>
-          </a:fillRef>
-          <a:effectRef idx="0">
-            <a:schemeClr val="dk1"/>
-          </a:effectRef>
-          <a:fontRef idx="minor">
-            <a:schemeClr val="lt1"/>
-          </a:fontRef>
-        </p:style>
-        <p:txBody>
-          <a:bodyPr rtlCol="0" anchor="ctr"/>
-          <a:lstStyle/>
-          <a:p>
-            <a:pPr algn="ctr"/>
-            <a:endParaRPr lang="es-UY"/>
-          </a:p>
-        </p:txBody>
-      </p:sp>
-      <p:sp>
-        <p:nvSpPr>
-          <p:cNvPr id="15" name="Rectángulo 14">
-            <a:extLst>
-              <a:ext uri="{FF2B5EF4-FFF2-40B4-BE49-F238E27FC236}">
-                <a16:creationId xmlns:a16="http://schemas.microsoft.com/office/drawing/2014/main" id="{F78EDAEE-A7CF-48DD-9894-752582F90A36}"/>
-              </a:ext>
-            </a:extLst>
-          </p:cNvPr>
-          <p:cNvSpPr/>
-          <p:nvPr/>
-        </p:nvSpPr>
-        <p:spPr>
-          <a:xfrm rot="5400000">
-            <a:off x="-3215983" y="3436520"/>
-            <a:ext cx="6657791" cy="133200"/>
-          </a:xfrm>
-          <a:prstGeom prst="rect">
-            <a:avLst/>
-          </a:prstGeom>
-          <a:solidFill>
-            <a:srgbClr val="210F01">
-              <a:alpha val="50000"/>
-            </a:srgbClr>
-          </a:solidFill>
-          <a:ln>
-            <a:noFill/>
-          </a:ln>
-          <a:effectLst/>
-        </p:spPr>
-        <p:style>
-          <a:lnRef idx="2">
-            <a:schemeClr val="dk1">
-              <a:shade val="50000"/>
-            </a:schemeClr>
-          </a:lnRef>
-          <a:fillRef idx="1">
-            <a:schemeClr val="dk1"/>
-          </a:fillRef>
-          <a:effectRef idx="0">
-            <a:schemeClr val="dk1"/>
-          </a:effectRef>
-          <a:fontRef idx="minor">
-            <a:schemeClr val="lt1"/>
-          </a:fontRef>
-        </p:style>
-        <p:txBody>
-          <a:bodyPr rtlCol="0" anchor="ctr"/>
-          <a:lstStyle/>
-          <a:p>
-            <a:pPr algn="ctr"/>
-            <a:endParaRPr lang="es-UY"/>
-          </a:p>
-        </p:txBody>
-      </p:sp>
-      <p:sp>
-        <p:nvSpPr>
-          <p:cNvPr id="17" name="Rectángulo 16">
-            <a:extLst>
-              <a:ext uri="{FF2B5EF4-FFF2-40B4-BE49-F238E27FC236}">
-                <a16:creationId xmlns:a16="http://schemas.microsoft.com/office/drawing/2014/main" id="{FED07146-7996-435D-B76B-6A42CECC9017}"/>
-              </a:ext>
-            </a:extLst>
-          </p:cNvPr>
-          <p:cNvSpPr/>
-          <p:nvPr/>
-        </p:nvSpPr>
-        <p:spPr>
-          <a:xfrm rot="5400000">
-            <a:off x="-3360660" y="3392872"/>
-            <a:ext cx="6835625" cy="114302"/>
-          </a:xfrm>
-          <a:prstGeom prst="rect">
-            <a:avLst/>
-          </a:prstGeom>
-          <a:solidFill>
-            <a:srgbClr val="210F01"/>
-          </a:solidFill>
-          <a:ln>
-            <a:noFill/>
-          </a:ln>
-          <a:effectLst/>
-        </p:spPr>
-        <p:style>
-          <a:lnRef idx="2">
-            <a:schemeClr val="dk1">
-              <a:shade val="50000"/>
-            </a:schemeClr>
-          </a:lnRef>
-          <a:fillRef idx="1">
-            <a:schemeClr val="dk1"/>
-          </a:fillRef>
-          <a:effectRef idx="0">
-            <a:schemeClr val="dk1"/>
-          </a:effectRef>
-          <a:fontRef idx="minor">
-            <a:schemeClr val="lt1"/>
-          </a:fontRef>
-        </p:style>
-        <p:txBody>
-          <a:bodyPr rtlCol="0" anchor="ctr"/>
-          <a:lstStyle/>
-          <a:p>
-            <a:pPr algn="ctr"/>
-            <a:endParaRPr lang="es-UY"/>
-          </a:p>
-        </p:txBody>
-      </p:sp>
-      <p:sp>
-        <p:nvSpPr>
-          <p:cNvPr id="19" name="Rectángulo 18">
-            <a:extLst>
-              <a:ext uri="{FF2B5EF4-FFF2-40B4-BE49-F238E27FC236}">
-                <a16:creationId xmlns:a16="http://schemas.microsoft.com/office/drawing/2014/main" id="{5445EB01-5723-48B2-B8C3-CB504D477C49}"/>
-              </a:ext>
-            </a:extLst>
-          </p:cNvPr>
-          <p:cNvSpPr/>
-          <p:nvPr/>
-        </p:nvSpPr>
-        <p:spPr>
-          <a:xfrm rot="5400000">
-            <a:off x="5666058" y="3472655"/>
-            <a:ext cx="6711161" cy="114304"/>
-          </a:xfrm>
-          <a:prstGeom prst="rect">
-            <a:avLst/>
-          </a:prstGeom>
-          <a:solidFill>
-            <a:srgbClr val="210F01">
-              <a:alpha val="50000"/>
-            </a:srgbClr>
-          </a:solidFill>
-          <a:ln>
-            <a:noFill/>
-          </a:ln>
-          <a:effectLst/>
-        </p:spPr>
-        <p:style>
-          <a:lnRef idx="2">
-            <a:schemeClr val="dk1">
-              <a:shade val="50000"/>
-            </a:schemeClr>
-          </a:lnRef>
-          <a:fillRef idx="1">
-            <a:schemeClr val="dk1"/>
-          </a:fillRef>
-          <a:effectRef idx="0">
-            <a:schemeClr val="dk1"/>
-          </a:effectRef>
-          <a:fontRef idx="minor">
-            <a:schemeClr val="lt1"/>
-          </a:fontRef>
-        </p:style>
-        <p:txBody>
-          <a:bodyPr rtlCol="0" anchor="ctr"/>
-          <a:lstStyle/>
-          <a:p>
-            <a:pPr algn="ctr"/>
-            <a:endParaRPr lang="es-UY"/>
-          </a:p>
-        </p:txBody>
-      </p:sp>
-    </p:spTree>
-    <p:extLst>
-      <p:ext uri="{BB962C8B-B14F-4D97-AF65-F5344CB8AC3E}">
-        <p14:creationId xmlns:p14="http://schemas.microsoft.com/office/powerpoint/2010/main" val="1766285913"/>
-      </p:ext>
-    </p:extLst>
-  </p:cSld>
-  <p:clrMapOvr>
-    <a:masterClrMapping/>
-  </p:clrMapOvr>
-</p:sld>
-</file>
-
-<file path=ppt/slides/slide19.xml><?xml version="1.0" encoding="utf-8"?>
-<p:sld xmlns:a="http://schemas.openxmlformats.org/drawingml/2006/main" xmlns:r="http://schemas.openxmlformats.org/officeDocument/2006/relationships" xmlns:p="http://schemas.openxmlformats.org/presentationml/2006/main">
-  <p:cSld>
-    <p:spTree>
-      <p:nvGrpSpPr>
-        <p:cNvPr id="1" name=""/>
-        <p:cNvGrpSpPr/>
-        <p:nvPr/>
-      </p:nvGrpSpPr>
-      <p:grpSpPr>
-        <a:xfrm>
-          <a:off x="0" y="0"/>
-          <a:ext cx="0" cy="0"/>
-          <a:chOff x="0" y="0"/>
-          <a:chExt cx="0" cy="0"/>
-        </a:xfrm>
-      </p:grpSpPr>
-      <p:sp>
-        <p:nvSpPr>
-          <p:cNvPr id="2" name="Título 1">
-            <a:extLst>
-              <a:ext uri="{FF2B5EF4-FFF2-40B4-BE49-F238E27FC236}">
-                <a16:creationId xmlns:a16="http://schemas.microsoft.com/office/drawing/2014/main" id="{CFF9562A-A13A-4347-BEC6-9D636CF4FDFF}"/>
-              </a:ext>
-            </a:extLst>
-          </p:cNvPr>
-          <p:cNvSpPr>
-            <a:spLocks noGrp="1"/>
-          </p:cNvSpPr>
-          <p:nvPr>
-            <p:ph type="title"/>
-          </p:nvPr>
-        </p:nvSpPr>
-        <p:spPr/>
-        <p:txBody>
-          <a:bodyPr/>
-          <a:lstStyle/>
-          <a:p>
-            <a:endParaRPr lang="es-UY"/>
-          </a:p>
-        </p:txBody>
-      </p:sp>
-      <p:sp>
-        <p:nvSpPr>
-          <p:cNvPr id="3" name="Marcador de contenido 2">
-            <a:extLst>
-              <a:ext uri="{FF2B5EF4-FFF2-40B4-BE49-F238E27FC236}">
-                <a16:creationId xmlns:a16="http://schemas.microsoft.com/office/drawing/2014/main" id="{62604221-2E6F-4347-B6A8-EE0F37F8429A}"/>
-              </a:ext>
-            </a:extLst>
-          </p:cNvPr>
-          <p:cNvSpPr>
-            <a:spLocks noGrp="1"/>
-          </p:cNvSpPr>
-          <p:nvPr>
-            <p:ph idx="1"/>
-          </p:nvPr>
-        </p:nvSpPr>
-        <p:spPr/>
-        <p:txBody>
-          <a:bodyPr/>
-          <a:lstStyle/>
-          <a:p>
-            <a:endParaRPr lang="es-UY"/>
-          </a:p>
-        </p:txBody>
-      </p:sp>
-      <p:sp>
-        <p:nvSpPr>
-          <p:cNvPr id="5" name="Rectángulo 4">
-            <a:extLst>
-              <a:ext uri="{FF2B5EF4-FFF2-40B4-BE49-F238E27FC236}">
-                <a16:creationId xmlns:a16="http://schemas.microsoft.com/office/drawing/2014/main" id="{C6664CF6-7D3C-4A12-AA42-B0467493254C}"/>
-              </a:ext>
-            </a:extLst>
-          </p:cNvPr>
-          <p:cNvSpPr/>
-          <p:nvPr/>
-        </p:nvSpPr>
-        <p:spPr>
-          <a:xfrm>
-            <a:off x="-36512" y="44624"/>
-            <a:ext cx="9180512" cy="129600"/>
-          </a:xfrm>
-          <a:prstGeom prst="rect">
-            <a:avLst/>
-          </a:prstGeom>
-          <a:solidFill>
-            <a:srgbClr val="210F01">
-              <a:alpha val="50000"/>
-            </a:srgbClr>
-          </a:solidFill>
-          <a:ln>
-            <a:noFill/>
-          </a:ln>
-          <a:effectLst/>
-        </p:spPr>
-        <p:style>
-          <a:lnRef idx="2">
-            <a:schemeClr val="dk1">
-              <a:shade val="50000"/>
-            </a:schemeClr>
-          </a:lnRef>
-          <a:fillRef idx="1">
-            <a:schemeClr val="dk1"/>
-          </a:fillRef>
-          <a:effectRef idx="0">
-            <a:schemeClr val="dk1"/>
-          </a:effectRef>
-          <a:fontRef idx="minor">
-            <a:schemeClr val="lt1"/>
-          </a:fontRef>
-        </p:style>
-        <p:txBody>
-          <a:bodyPr rtlCol="0" anchor="ctr"/>
-          <a:lstStyle/>
-          <a:p>
-            <a:pPr algn="ctr"/>
-            <a:endParaRPr lang="es-UY"/>
-          </a:p>
-        </p:txBody>
-      </p:sp>
-      <p:sp>
-        <p:nvSpPr>
-          <p:cNvPr id="7" name="Rectángulo 6">
-            <a:extLst>
-              <a:ext uri="{FF2B5EF4-FFF2-40B4-BE49-F238E27FC236}">
-                <a16:creationId xmlns:a16="http://schemas.microsoft.com/office/drawing/2014/main" id="{29D69B5F-3A5F-4096-AB15-182589503AD0}"/>
-              </a:ext>
-            </a:extLst>
-          </p:cNvPr>
-          <p:cNvSpPr/>
-          <p:nvPr/>
-        </p:nvSpPr>
-        <p:spPr>
-          <a:xfrm>
-            <a:off x="-36512" y="-27384"/>
-            <a:ext cx="9217024" cy="137279"/>
-          </a:xfrm>
-          <a:prstGeom prst="rect">
-            <a:avLst/>
-          </a:prstGeom>
-          <a:solidFill>
-            <a:srgbClr val="210F01"/>
-          </a:solidFill>
-          <a:ln>
-            <a:noFill/>
-          </a:ln>
-          <a:effectLst/>
-        </p:spPr>
-        <p:style>
-          <a:lnRef idx="2">
-            <a:schemeClr val="dk1">
-              <a:shade val="50000"/>
-            </a:schemeClr>
-          </a:lnRef>
-          <a:fillRef idx="1">
-            <a:schemeClr val="dk1"/>
-          </a:fillRef>
-          <a:effectRef idx="0">
-            <a:schemeClr val="dk1"/>
-          </a:effectRef>
-          <a:fontRef idx="minor">
-            <a:schemeClr val="lt1"/>
-          </a:fontRef>
-        </p:style>
-        <p:txBody>
-          <a:bodyPr rtlCol="0" anchor="ctr"/>
-          <a:lstStyle/>
-          <a:p>
-            <a:pPr algn="ctr"/>
-            <a:endParaRPr lang="es-UY"/>
-          </a:p>
-        </p:txBody>
-      </p:sp>
-      <p:sp>
-        <p:nvSpPr>
-          <p:cNvPr id="9" name="Rectángulo 8">
-            <a:extLst>
-              <a:ext uri="{FF2B5EF4-FFF2-40B4-BE49-F238E27FC236}">
-                <a16:creationId xmlns:a16="http://schemas.microsoft.com/office/drawing/2014/main" id="{C27FB0F4-442A-4C4B-B0D0-75D4D4B96967}"/>
-              </a:ext>
-            </a:extLst>
-          </p:cNvPr>
-          <p:cNvSpPr/>
-          <p:nvPr/>
-        </p:nvSpPr>
-        <p:spPr>
-          <a:xfrm>
-            <a:off x="-3238" y="6753727"/>
-            <a:ext cx="9183750" cy="107876"/>
-          </a:xfrm>
-          <a:prstGeom prst="rect">
-            <a:avLst/>
-          </a:prstGeom>
-          <a:solidFill>
-            <a:srgbClr val="210F01"/>
-          </a:solidFill>
-          <a:ln>
-            <a:noFill/>
-          </a:ln>
-          <a:effectLst/>
-        </p:spPr>
-        <p:style>
-          <a:lnRef idx="2">
-            <a:schemeClr val="dk1">
-              <a:shade val="50000"/>
-            </a:schemeClr>
-          </a:lnRef>
-          <a:fillRef idx="1">
-            <a:schemeClr val="dk1"/>
-          </a:fillRef>
-          <a:effectRef idx="0">
-            <a:schemeClr val="dk1"/>
-          </a:effectRef>
-          <a:fontRef idx="minor">
-            <a:schemeClr val="lt1"/>
-          </a:fontRef>
-        </p:style>
-        <p:txBody>
-          <a:bodyPr rtlCol="0" anchor="ctr"/>
-          <a:lstStyle/>
-          <a:p>
-            <a:pPr algn="ctr"/>
-            <a:endParaRPr lang="es-UY"/>
-          </a:p>
-        </p:txBody>
-      </p:sp>
-      <p:sp>
-        <p:nvSpPr>
-          <p:cNvPr id="11" name="Rectángulo 10">
-            <a:extLst>
-              <a:ext uri="{FF2B5EF4-FFF2-40B4-BE49-F238E27FC236}">
-                <a16:creationId xmlns:a16="http://schemas.microsoft.com/office/drawing/2014/main" id="{D438CB77-16C5-42EC-959D-C826431A6377}"/>
-              </a:ext>
-            </a:extLst>
-          </p:cNvPr>
-          <p:cNvSpPr/>
-          <p:nvPr/>
-        </p:nvSpPr>
-        <p:spPr>
-          <a:xfrm rot="5400000">
-            <a:off x="5719968" y="3381249"/>
-            <a:ext cx="6741855" cy="122399"/>
-          </a:xfrm>
-          <a:prstGeom prst="rect">
-            <a:avLst/>
-          </a:prstGeom>
-          <a:solidFill>
-            <a:srgbClr val="210F01"/>
-          </a:solidFill>
-          <a:ln>
-            <a:noFill/>
-          </a:ln>
-          <a:effectLst/>
-        </p:spPr>
-        <p:style>
-          <a:lnRef idx="2">
-            <a:schemeClr val="dk1">
-              <a:shade val="50000"/>
-            </a:schemeClr>
-          </a:lnRef>
-          <a:fillRef idx="1">
-            <a:schemeClr val="dk1"/>
-          </a:fillRef>
-          <a:effectRef idx="0">
-            <a:schemeClr val="dk1"/>
-          </a:effectRef>
-          <a:fontRef idx="minor">
-            <a:schemeClr val="lt1"/>
-          </a:fontRef>
-        </p:style>
-        <p:txBody>
-          <a:bodyPr rtlCol="0" anchor="ctr"/>
-          <a:lstStyle/>
-          <a:p>
-            <a:pPr algn="ctr"/>
-            <a:endParaRPr lang="es-UY"/>
-          </a:p>
-        </p:txBody>
-      </p:sp>
-      <p:sp>
-        <p:nvSpPr>
-          <p:cNvPr id="13" name="Rectángulo 12">
-            <a:extLst>
-              <a:ext uri="{FF2B5EF4-FFF2-40B4-BE49-F238E27FC236}">
-                <a16:creationId xmlns:a16="http://schemas.microsoft.com/office/drawing/2014/main" id="{46A87339-D86C-4DB4-990E-488E0A0F627F}"/>
-              </a:ext>
-            </a:extLst>
-          </p:cNvPr>
-          <p:cNvSpPr/>
-          <p:nvPr/>
-        </p:nvSpPr>
-        <p:spPr>
-          <a:xfrm rot="10800000">
-            <a:off x="179510" y="6687360"/>
-            <a:ext cx="8784975" cy="147600"/>
-          </a:xfrm>
-          <a:prstGeom prst="rect">
-            <a:avLst/>
-          </a:prstGeom>
-          <a:solidFill>
-            <a:srgbClr val="210F01">
-              <a:alpha val="50000"/>
-            </a:srgbClr>
-          </a:solidFill>
-          <a:ln>
-            <a:noFill/>
-          </a:ln>
-          <a:effectLst/>
-        </p:spPr>
-        <p:style>
-          <a:lnRef idx="2">
-            <a:schemeClr val="dk1">
-              <a:shade val="50000"/>
-            </a:schemeClr>
-          </a:lnRef>
-          <a:fillRef idx="1">
-            <a:schemeClr val="dk1"/>
-          </a:fillRef>
-          <a:effectRef idx="0">
-            <a:schemeClr val="dk1"/>
-          </a:effectRef>
-          <a:fontRef idx="minor">
-            <a:schemeClr val="lt1"/>
-          </a:fontRef>
-        </p:style>
-        <p:txBody>
-          <a:bodyPr rtlCol="0" anchor="ctr"/>
-          <a:lstStyle/>
-          <a:p>
-            <a:pPr algn="ctr"/>
-            <a:endParaRPr lang="es-UY"/>
-          </a:p>
-        </p:txBody>
-      </p:sp>
-      <p:sp>
-        <p:nvSpPr>
-          <p:cNvPr id="15" name="Rectángulo 14">
-            <a:extLst>
-              <a:ext uri="{FF2B5EF4-FFF2-40B4-BE49-F238E27FC236}">
-                <a16:creationId xmlns:a16="http://schemas.microsoft.com/office/drawing/2014/main" id="{6AAC631D-D53D-4C09-9825-BE52223707C7}"/>
-              </a:ext>
-            </a:extLst>
-          </p:cNvPr>
-          <p:cNvSpPr/>
-          <p:nvPr/>
-        </p:nvSpPr>
-        <p:spPr>
-          <a:xfrm rot="5400000">
-            <a:off x="-3215983" y="3436520"/>
-            <a:ext cx="6657791" cy="133200"/>
-          </a:xfrm>
-          <a:prstGeom prst="rect">
-            <a:avLst/>
-          </a:prstGeom>
-          <a:solidFill>
-            <a:srgbClr val="210F01">
-              <a:alpha val="50000"/>
-            </a:srgbClr>
-          </a:solidFill>
-          <a:ln>
-            <a:noFill/>
-          </a:ln>
-          <a:effectLst/>
-        </p:spPr>
-        <p:style>
-          <a:lnRef idx="2">
-            <a:schemeClr val="dk1">
-              <a:shade val="50000"/>
-            </a:schemeClr>
-          </a:lnRef>
-          <a:fillRef idx="1">
-            <a:schemeClr val="dk1"/>
-          </a:fillRef>
-          <a:effectRef idx="0">
-            <a:schemeClr val="dk1"/>
-          </a:effectRef>
-          <a:fontRef idx="minor">
-            <a:schemeClr val="lt1"/>
-          </a:fontRef>
-        </p:style>
-        <p:txBody>
-          <a:bodyPr rtlCol="0" anchor="ctr"/>
-          <a:lstStyle/>
-          <a:p>
-            <a:pPr algn="ctr"/>
-            <a:endParaRPr lang="es-UY"/>
-          </a:p>
-        </p:txBody>
-      </p:sp>
-      <p:sp>
-        <p:nvSpPr>
-          <p:cNvPr id="17" name="Rectángulo 16">
-            <a:extLst>
-              <a:ext uri="{FF2B5EF4-FFF2-40B4-BE49-F238E27FC236}">
-                <a16:creationId xmlns:a16="http://schemas.microsoft.com/office/drawing/2014/main" id="{D2FB76CC-924C-4AD8-98B9-F8669DEF9739}"/>
-              </a:ext>
-            </a:extLst>
-          </p:cNvPr>
-          <p:cNvSpPr/>
-          <p:nvPr/>
-        </p:nvSpPr>
-        <p:spPr>
-          <a:xfrm rot="5400000">
-            <a:off x="-3360660" y="3392872"/>
-            <a:ext cx="6835625" cy="114302"/>
-          </a:xfrm>
-          <a:prstGeom prst="rect">
-            <a:avLst/>
-          </a:prstGeom>
-          <a:solidFill>
-            <a:srgbClr val="210F01"/>
-          </a:solidFill>
-          <a:ln>
-            <a:noFill/>
-          </a:ln>
-          <a:effectLst/>
-        </p:spPr>
-        <p:style>
-          <a:lnRef idx="2">
-            <a:schemeClr val="dk1">
-              <a:shade val="50000"/>
-            </a:schemeClr>
-          </a:lnRef>
-          <a:fillRef idx="1">
-            <a:schemeClr val="dk1"/>
-          </a:fillRef>
-          <a:effectRef idx="0">
-            <a:schemeClr val="dk1"/>
-          </a:effectRef>
-          <a:fontRef idx="minor">
-            <a:schemeClr val="lt1"/>
-          </a:fontRef>
-        </p:style>
-        <p:txBody>
-          <a:bodyPr rtlCol="0" anchor="ctr"/>
-          <a:lstStyle/>
-          <a:p>
-            <a:pPr algn="ctr"/>
-            <a:endParaRPr lang="es-UY"/>
-          </a:p>
-        </p:txBody>
-      </p:sp>
-      <p:sp>
-        <p:nvSpPr>
-          <p:cNvPr id="19" name="Rectángulo 18">
-            <a:extLst>
-              <a:ext uri="{FF2B5EF4-FFF2-40B4-BE49-F238E27FC236}">
-                <a16:creationId xmlns:a16="http://schemas.microsoft.com/office/drawing/2014/main" id="{691B2E9C-E84A-4EA6-9E24-794A24CD8F84}"/>
-              </a:ext>
-            </a:extLst>
-          </p:cNvPr>
-          <p:cNvSpPr/>
-          <p:nvPr/>
-        </p:nvSpPr>
-        <p:spPr>
-          <a:xfrm rot="5400000">
-            <a:off x="5666058" y="3472655"/>
-            <a:ext cx="6711161" cy="114304"/>
-          </a:xfrm>
-          <a:prstGeom prst="rect">
-            <a:avLst/>
-          </a:prstGeom>
-          <a:solidFill>
-            <a:srgbClr val="210F01">
-              <a:alpha val="50000"/>
-            </a:srgbClr>
-          </a:solidFill>
-          <a:ln>
-            <a:noFill/>
-          </a:ln>
-          <a:effectLst/>
-        </p:spPr>
-        <p:style>
-          <a:lnRef idx="2">
-            <a:schemeClr val="dk1">
-              <a:shade val="50000"/>
-            </a:schemeClr>
-          </a:lnRef>
-          <a:fillRef idx="1">
-            <a:schemeClr val="dk1"/>
-          </a:fillRef>
-          <a:effectRef idx="0">
-            <a:schemeClr val="dk1"/>
-          </a:effectRef>
-          <a:fontRef idx="minor">
-            <a:schemeClr val="lt1"/>
-          </a:fontRef>
-        </p:style>
-        <p:txBody>
-          <a:bodyPr rtlCol="0" anchor="ctr"/>
-          <a:lstStyle/>
-          <a:p>
-            <a:pPr algn="ctr"/>
-            <a:endParaRPr lang="es-UY"/>
-          </a:p>
-        </p:txBody>
-      </p:sp>
-    </p:spTree>
-    <p:extLst>
-      <p:ext uri="{BB962C8B-B14F-4D97-AF65-F5344CB8AC3E}">
-        <p14:creationId xmlns:p14="http://schemas.microsoft.com/office/powerpoint/2010/main" val="505294243"/>
       </p:ext>
     </p:extLst>
   </p:cSld>
@@ -8929,545 +6873,12 @@
           <a:chExt cx="0" cy="0"/>
         </a:xfrm>
       </p:grpSpPr>
-      <p:pic>
-        <p:nvPicPr>
-          <p:cNvPr id="5" name="Marcador de contenido 4">
-            <a:extLst>
-              <a:ext uri="{FF2B5EF4-FFF2-40B4-BE49-F238E27FC236}">
-                <a16:creationId xmlns:a16="http://schemas.microsoft.com/office/drawing/2014/main" id="{817A8182-D5DB-475C-B8EA-3713DD1211E6}"/>
-              </a:ext>
-            </a:extLst>
-          </p:cNvPr>
-          <p:cNvPicPr>
-            <a:picLocks noGrp="1" noChangeAspect="1"/>
-          </p:cNvPicPr>
-          <p:nvPr>
-            <p:ph idx="1"/>
-          </p:nvPr>
-        </p:nvPicPr>
-        <p:blipFill>
-          <a:blip r:embed="rId2" cstate="print">
-            <a:extLst>
-              <a:ext uri="{28A0092B-C50C-407E-A947-70E740481C1C}">
-                <a14:useLocalDpi xmlns:a14="http://schemas.microsoft.com/office/drawing/2010/main" val="0"/>
-              </a:ext>
-            </a:extLst>
-          </a:blip>
-          <a:stretch>
-            <a:fillRect/>
-          </a:stretch>
-        </p:blipFill>
-        <p:spPr>
-          <a:xfrm>
-            <a:off x="5220072" y="1166018"/>
-            <a:ext cx="3277526" cy="4525963"/>
-          </a:xfrm>
-        </p:spPr>
-      </p:pic>
-      <p:pic>
-        <p:nvPicPr>
-          <p:cNvPr id="7" name="Imagen 6">
-            <a:extLst>
-              <a:ext uri="{FF2B5EF4-FFF2-40B4-BE49-F238E27FC236}">
-                <a16:creationId xmlns:a16="http://schemas.microsoft.com/office/drawing/2014/main" id="{57DD27EB-22FB-44F8-923E-334BAA574210}"/>
-              </a:ext>
-            </a:extLst>
-          </p:cNvPr>
-          <p:cNvPicPr>
-            <a:picLocks noChangeAspect="1"/>
-          </p:cNvPicPr>
-          <p:nvPr/>
-        </p:nvPicPr>
-        <p:blipFill>
-          <a:blip r:embed="rId3">
-            <a:extLst>
-              <a:ext uri="{28A0092B-C50C-407E-A947-70E740481C1C}">
-                <a14:useLocalDpi xmlns:a14="http://schemas.microsoft.com/office/drawing/2010/main" val="0"/>
-              </a:ext>
-            </a:extLst>
-          </a:blip>
-          <a:stretch>
-            <a:fillRect/>
-          </a:stretch>
-        </p:blipFill>
-        <p:spPr>
-          <a:xfrm>
-            <a:off x="395536" y="1183247"/>
-            <a:ext cx="4580493" cy="4525963"/>
-          </a:xfrm>
-          <a:prstGeom prst="rect">
-            <a:avLst/>
-          </a:prstGeom>
-        </p:spPr>
-      </p:pic>
-      <p:sp>
-        <p:nvSpPr>
-          <p:cNvPr id="2" name="Rectángulo 1">
-            <a:extLst>
-              <a:ext uri="{FF2B5EF4-FFF2-40B4-BE49-F238E27FC236}">
-                <a16:creationId xmlns:a16="http://schemas.microsoft.com/office/drawing/2014/main" id="{B4763DA2-1790-471C-9CCD-2DA8257612F0}"/>
-              </a:ext>
-            </a:extLst>
-          </p:cNvPr>
-          <p:cNvSpPr/>
-          <p:nvPr/>
-        </p:nvSpPr>
-        <p:spPr>
-          <a:xfrm>
-            <a:off x="-36512" y="44624"/>
-            <a:ext cx="9180512" cy="129600"/>
-          </a:xfrm>
-          <a:prstGeom prst="rect">
-            <a:avLst/>
-          </a:prstGeom>
-          <a:solidFill>
-            <a:srgbClr val="210F01">
-              <a:alpha val="50000"/>
-            </a:srgbClr>
-          </a:solidFill>
-          <a:ln>
-            <a:noFill/>
-          </a:ln>
-          <a:effectLst/>
-        </p:spPr>
-        <p:style>
-          <a:lnRef idx="2">
-            <a:schemeClr val="dk1">
-              <a:shade val="50000"/>
-            </a:schemeClr>
-          </a:lnRef>
-          <a:fillRef idx="1">
-            <a:schemeClr val="dk1"/>
-          </a:fillRef>
-          <a:effectRef idx="0">
-            <a:schemeClr val="dk1"/>
-          </a:effectRef>
-          <a:fontRef idx="minor">
-            <a:schemeClr val="lt1"/>
-          </a:fontRef>
-        </p:style>
-        <p:txBody>
-          <a:bodyPr rtlCol="0" anchor="ctr"/>
-          <a:lstStyle/>
-          <a:p>
-            <a:pPr algn="ctr"/>
-            <a:endParaRPr lang="es-UY"/>
-          </a:p>
-        </p:txBody>
-      </p:sp>
-      <p:sp>
-        <p:nvSpPr>
-          <p:cNvPr id="3" name="Rectángulo 2">
-            <a:extLst>
-              <a:ext uri="{FF2B5EF4-FFF2-40B4-BE49-F238E27FC236}">
-                <a16:creationId xmlns:a16="http://schemas.microsoft.com/office/drawing/2014/main" id="{4C524DEC-51B3-44DB-9464-2023101BEFAE}"/>
-              </a:ext>
-            </a:extLst>
-          </p:cNvPr>
-          <p:cNvSpPr/>
-          <p:nvPr/>
-        </p:nvSpPr>
-        <p:spPr>
-          <a:xfrm>
-            <a:off x="-36512" y="-27384"/>
-            <a:ext cx="9217024" cy="137279"/>
-          </a:xfrm>
-          <a:prstGeom prst="rect">
-            <a:avLst/>
-          </a:prstGeom>
-          <a:solidFill>
-            <a:srgbClr val="210F01"/>
-          </a:solidFill>
-          <a:ln>
-            <a:noFill/>
-          </a:ln>
-          <a:effectLst/>
-        </p:spPr>
-        <p:style>
-          <a:lnRef idx="2">
-            <a:schemeClr val="dk1">
-              <a:shade val="50000"/>
-            </a:schemeClr>
-          </a:lnRef>
-          <a:fillRef idx="1">
-            <a:schemeClr val="dk1"/>
-          </a:fillRef>
-          <a:effectRef idx="0">
-            <a:schemeClr val="dk1"/>
-          </a:effectRef>
-          <a:fontRef idx="minor">
-            <a:schemeClr val="lt1"/>
-          </a:fontRef>
-        </p:style>
-        <p:txBody>
-          <a:bodyPr rtlCol="0" anchor="ctr"/>
-          <a:lstStyle/>
-          <a:p>
-            <a:pPr algn="ctr"/>
-            <a:endParaRPr lang="es-UY"/>
-          </a:p>
-        </p:txBody>
-      </p:sp>
-      <p:sp>
-        <p:nvSpPr>
-          <p:cNvPr id="9" name="Rectángulo 8">
-            <a:extLst>
-              <a:ext uri="{FF2B5EF4-FFF2-40B4-BE49-F238E27FC236}">
-                <a16:creationId xmlns:a16="http://schemas.microsoft.com/office/drawing/2014/main" id="{EB7AAEE2-552B-4AB1-B8A3-D50584606F5C}"/>
-              </a:ext>
-            </a:extLst>
-          </p:cNvPr>
-          <p:cNvSpPr/>
-          <p:nvPr/>
-        </p:nvSpPr>
-        <p:spPr>
-          <a:xfrm>
-            <a:off x="-3238" y="6753727"/>
-            <a:ext cx="9183750" cy="107876"/>
-          </a:xfrm>
-          <a:prstGeom prst="rect">
-            <a:avLst/>
-          </a:prstGeom>
-          <a:solidFill>
-            <a:srgbClr val="210F01"/>
-          </a:solidFill>
-          <a:ln>
-            <a:noFill/>
-          </a:ln>
-          <a:effectLst/>
-        </p:spPr>
-        <p:style>
-          <a:lnRef idx="2">
-            <a:schemeClr val="dk1">
-              <a:shade val="50000"/>
-            </a:schemeClr>
-          </a:lnRef>
-          <a:fillRef idx="1">
-            <a:schemeClr val="dk1"/>
-          </a:fillRef>
-          <a:effectRef idx="0">
-            <a:schemeClr val="dk1"/>
-          </a:effectRef>
-          <a:fontRef idx="minor">
-            <a:schemeClr val="lt1"/>
-          </a:fontRef>
-        </p:style>
-        <p:txBody>
-          <a:bodyPr rtlCol="0" anchor="ctr"/>
-          <a:lstStyle/>
-          <a:p>
-            <a:pPr algn="ctr"/>
-            <a:endParaRPr lang="es-UY"/>
-          </a:p>
-        </p:txBody>
-      </p:sp>
-      <p:sp>
-        <p:nvSpPr>
-          <p:cNvPr id="11" name="Rectángulo 10">
-            <a:extLst>
-              <a:ext uri="{FF2B5EF4-FFF2-40B4-BE49-F238E27FC236}">
-                <a16:creationId xmlns:a16="http://schemas.microsoft.com/office/drawing/2014/main" id="{D1EAEFEA-D9B2-4DE2-9929-22FCFFF7CCC3}"/>
-              </a:ext>
-            </a:extLst>
-          </p:cNvPr>
-          <p:cNvSpPr/>
-          <p:nvPr/>
-        </p:nvSpPr>
-        <p:spPr>
-          <a:xfrm rot="5400000">
-            <a:off x="5719968" y="3381249"/>
-            <a:ext cx="6741855" cy="122399"/>
-          </a:xfrm>
-          <a:prstGeom prst="rect">
-            <a:avLst/>
-          </a:prstGeom>
-          <a:solidFill>
-            <a:srgbClr val="210F01"/>
-          </a:solidFill>
-          <a:ln>
-            <a:noFill/>
-          </a:ln>
-          <a:effectLst/>
-        </p:spPr>
-        <p:style>
-          <a:lnRef idx="2">
-            <a:schemeClr val="dk1">
-              <a:shade val="50000"/>
-            </a:schemeClr>
-          </a:lnRef>
-          <a:fillRef idx="1">
-            <a:schemeClr val="dk1"/>
-          </a:fillRef>
-          <a:effectRef idx="0">
-            <a:schemeClr val="dk1"/>
-          </a:effectRef>
-          <a:fontRef idx="minor">
-            <a:schemeClr val="lt1"/>
-          </a:fontRef>
-        </p:style>
-        <p:txBody>
-          <a:bodyPr rtlCol="0" anchor="ctr"/>
-          <a:lstStyle/>
-          <a:p>
-            <a:pPr algn="ctr"/>
-            <a:endParaRPr lang="es-UY"/>
-          </a:p>
-        </p:txBody>
-      </p:sp>
-      <p:sp>
-        <p:nvSpPr>
-          <p:cNvPr id="13" name="Rectángulo 12">
-            <a:extLst>
-              <a:ext uri="{FF2B5EF4-FFF2-40B4-BE49-F238E27FC236}">
-                <a16:creationId xmlns:a16="http://schemas.microsoft.com/office/drawing/2014/main" id="{0D2FC184-6560-4FD8-86C9-DBBACCD2D688}"/>
-              </a:ext>
-            </a:extLst>
-          </p:cNvPr>
-          <p:cNvSpPr/>
-          <p:nvPr/>
-        </p:nvSpPr>
-        <p:spPr>
-          <a:xfrm rot="10800000">
-            <a:off x="179510" y="6687360"/>
-            <a:ext cx="8784975" cy="147600"/>
-          </a:xfrm>
-          <a:prstGeom prst="rect">
-            <a:avLst/>
-          </a:prstGeom>
-          <a:solidFill>
-            <a:srgbClr val="210F01">
-              <a:alpha val="50000"/>
-            </a:srgbClr>
-          </a:solidFill>
-          <a:ln>
-            <a:noFill/>
-          </a:ln>
-          <a:effectLst/>
-        </p:spPr>
-        <p:style>
-          <a:lnRef idx="2">
-            <a:schemeClr val="dk1">
-              <a:shade val="50000"/>
-            </a:schemeClr>
-          </a:lnRef>
-          <a:fillRef idx="1">
-            <a:schemeClr val="dk1"/>
-          </a:fillRef>
-          <a:effectRef idx="0">
-            <a:schemeClr val="dk1"/>
-          </a:effectRef>
-          <a:fontRef idx="minor">
-            <a:schemeClr val="lt1"/>
-          </a:fontRef>
-        </p:style>
-        <p:txBody>
-          <a:bodyPr rtlCol="0" anchor="ctr"/>
-          <a:lstStyle/>
-          <a:p>
-            <a:pPr algn="ctr"/>
-            <a:endParaRPr lang="es-UY"/>
-          </a:p>
-        </p:txBody>
-      </p:sp>
-      <p:sp>
-        <p:nvSpPr>
-          <p:cNvPr id="15" name="Rectángulo 14">
-            <a:extLst>
-              <a:ext uri="{FF2B5EF4-FFF2-40B4-BE49-F238E27FC236}">
-                <a16:creationId xmlns:a16="http://schemas.microsoft.com/office/drawing/2014/main" id="{9B485783-8E75-4FFC-90A2-FA265097A94A}"/>
-              </a:ext>
-            </a:extLst>
-          </p:cNvPr>
-          <p:cNvSpPr/>
-          <p:nvPr/>
-        </p:nvSpPr>
-        <p:spPr>
-          <a:xfrm rot="5400000">
-            <a:off x="-3215983" y="3436520"/>
-            <a:ext cx="6657791" cy="133200"/>
-          </a:xfrm>
-          <a:prstGeom prst="rect">
-            <a:avLst/>
-          </a:prstGeom>
-          <a:solidFill>
-            <a:srgbClr val="210F01">
-              <a:alpha val="50000"/>
-            </a:srgbClr>
-          </a:solidFill>
-          <a:ln>
-            <a:noFill/>
-          </a:ln>
-          <a:effectLst/>
-        </p:spPr>
-        <p:style>
-          <a:lnRef idx="2">
-            <a:schemeClr val="dk1">
-              <a:shade val="50000"/>
-            </a:schemeClr>
-          </a:lnRef>
-          <a:fillRef idx="1">
-            <a:schemeClr val="dk1"/>
-          </a:fillRef>
-          <a:effectRef idx="0">
-            <a:schemeClr val="dk1"/>
-          </a:effectRef>
-          <a:fontRef idx="minor">
-            <a:schemeClr val="lt1"/>
-          </a:fontRef>
-        </p:style>
-        <p:txBody>
-          <a:bodyPr rtlCol="0" anchor="ctr"/>
-          <a:lstStyle/>
-          <a:p>
-            <a:pPr algn="ctr"/>
-            <a:endParaRPr lang="es-UY"/>
-          </a:p>
-        </p:txBody>
-      </p:sp>
-      <p:sp>
-        <p:nvSpPr>
-          <p:cNvPr id="17" name="Rectángulo 16">
-            <a:extLst>
-              <a:ext uri="{FF2B5EF4-FFF2-40B4-BE49-F238E27FC236}">
-                <a16:creationId xmlns:a16="http://schemas.microsoft.com/office/drawing/2014/main" id="{EC93D202-4C7E-4426-965C-1287012E6A8B}"/>
-              </a:ext>
-            </a:extLst>
-          </p:cNvPr>
-          <p:cNvSpPr/>
-          <p:nvPr/>
-        </p:nvSpPr>
-        <p:spPr>
-          <a:xfrm rot="5400000">
-            <a:off x="-3360660" y="3392872"/>
-            <a:ext cx="6835625" cy="114302"/>
-          </a:xfrm>
-          <a:prstGeom prst="rect">
-            <a:avLst/>
-          </a:prstGeom>
-          <a:solidFill>
-            <a:srgbClr val="210F01"/>
-          </a:solidFill>
-          <a:ln>
-            <a:noFill/>
-          </a:ln>
-          <a:effectLst/>
-        </p:spPr>
-        <p:style>
-          <a:lnRef idx="2">
-            <a:schemeClr val="dk1">
-              <a:shade val="50000"/>
-            </a:schemeClr>
-          </a:lnRef>
-          <a:fillRef idx="1">
-            <a:schemeClr val="dk1"/>
-          </a:fillRef>
-          <a:effectRef idx="0">
-            <a:schemeClr val="dk1"/>
-          </a:effectRef>
-          <a:fontRef idx="minor">
-            <a:schemeClr val="lt1"/>
-          </a:fontRef>
-        </p:style>
-        <p:txBody>
-          <a:bodyPr rtlCol="0" anchor="ctr"/>
-          <a:lstStyle/>
-          <a:p>
-            <a:pPr algn="ctr"/>
-            <a:endParaRPr lang="es-UY"/>
-          </a:p>
-        </p:txBody>
-      </p:sp>
-      <p:sp>
-        <p:nvSpPr>
-          <p:cNvPr id="19" name="Rectángulo 18">
-            <a:extLst>
-              <a:ext uri="{FF2B5EF4-FFF2-40B4-BE49-F238E27FC236}">
-                <a16:creationId xmlns:a16="http://schemas.microsoft.com/office/drawing/2014/main" id="{7FC93081-D6D7-40B7-9BAE-A577DF2FD7C0}"/>
-              </a:ext>
-            </a:extLst>
-          </p:cNvPr>
-          <p:cNvSpPr/>
-          <p:nvPr/>
-        </p:nvSpPr>
-        <p:spPr>
-          <a:xfrm rot="5400000">
-            <a:off x="5666058" y="3472655"/>
-            <a:ext cx="6711161" cy="114304"/>
-          </a:xfrm>
-          <a:prstGeom prst="rect">
-            <a:avLst/>
-          </a:prstGeom>
-          <a:solidFill>
-            <a:srgbClr val="210F01">
-              <a:alpha val="50000"/>
-            </a:srgbClr>
-          </a:solidFill>
-          <a:ln>
-            <a:noFill/>
-          </a:ln>
-          <a:effectLst/>
-        </p:spPr>
-        <p:style>
-          <a:lnRef idx="2">
-            <a:schemeClr val="dk1">
-              <a:shade val="50000"/>
-            </a:schemeClr>
-          </a:lnRef>
-          <a:fillRef idx="1">
-            <a:schemeClr val="dk1"/>
-          </a:fillRef>
-          <a:effectRef idx="0">
-            <a:schemeClr val="dk1"/>
-          </a:effectRef>
-          <a:fontRef idx="minor">
-            <a:schemeClr val="lt1"/>
-          </a:fontRef>
-        </p:style>
-        <p:txBody>
-          <a:bodyPr rtlCol="0" anchor="ctr"/>
-          <a:lstStyle/>
-          <a:p>
-            <a:pPr algn="ctr"/>
-            <a:endParaRPr lang="es-UY"/>
-          </a:p>
-        </p:txBody>
-      </p:sp>
-    </p:spTree>
-    <p:extLst>
-      <p:ext uri="{BB962C8B-B14F-4D97-AF65-F5344CB8AC3E}">
-        <p14:creationId xmlns:p14="http://schemas.microsoft.com/office/powerpoint/2010/main" val="250979513"/>
-      </p:ext>
-    </p:extLst>
-  </p:cSld>
-  <p:clrMapOvr>
-    <a:masterClrMapping/>
-  </p:clrMapOvr>
-</p:sld>
-</file>
-
-<file path=ppt/slides/slide20.xml><?xml version="1.0" encoding="utf-8"?>
-<p:sld xmlns:a="http://schemas.openxmlformats.org/drawingml/2006/main" xmlns:r="http://schemas.openxmlformats.org/officeDocument/2006/relationships" xmlns:p="http://schemas.openxmlformats.org/presentationml/2006/main">
-  <p:cSld>
-    <p:spTree>
-      <p:nvGrpSpPr>
-        <p:cNvPr id="1" name=""/>
-        <p:cNvGrpSpPr/>
-        <p:nvPr/>
-      </p:nvGrpSpPr>
-      <p:grpSpPr>
-        <a:xfrm>
-          <a:off x="0" y="0"/>
-          <a:ext cx="0" cy="0"/>
-          <a:chOff x="0" y="0"/>
-          <a:chExt cx="0" cy="0"/>
-        </a:xfrm>
-      </p:grpSpPr>
       <p:sp>
         <p:nvSpPr>
           <p:cNvPr id="2" name="Título 1">
             <a:extLst>
               <a:ext uri="{FF2B5EF4-FFF2-40B4-BE49-F238E27FC236}">
-                <a16:creationId xmlns:a16="http://schemas.microsoft.com/office/drawing/2014/main" id="{C6ED5EC4-B300-49EE-A113-6F7128EB4903}"/>
+                <a16:creationId xmlns:a16="http://schemas.microsoft.com/office/drawing/2014/main" id="{8AA7464D-A69C-44B6-B5A6-6A50A36F8D43}"/>
               </a:ext>
             </a:extLst>
           </p:cNvPr>
@@ -9478,14 +6889,52 @@
             <p:ph type="title"/>
           </p:nvPr>
         </p:nvSpPr>
-        <p:spPr/>
+        <p:spPr>
+          <a:xfrm>
+            <a:off x="489804" y="332656"/>
+            <a:ext cx="8229600" cy="1143000"/>
+          </a:xfrm>
+          <a:effectLst>
+            <a:outerShdw blurRad="50800" dist="38100" dir="2700000" algn="tl" rotWithShape="0">
+              <a:schemeClr val="bg1">
+                <a:alpha val="40000"/>
+              </a:schemeClr>
+            </a:outerShdw>
+          </a:effectLst>
+        </p:spPr>
         <p:txBody>
           <a:bodyPr>
             <a:normAutofit/>
           </a:bodyPr>
           <a:lstStyle/>
           <a:p>
-            <a:endParaRPr lang="es-UY" dirty="0"/>
+            <a:r>
+              <a:rPr lang="es-ES" sz="5400" u="sng" dirty="0">
+                <a:solidFill>
+                  <a:srgbClr val="6A4714"/>
+                </a:solidFill>
+                <a:effectLst>
+                  <a:outerShdw blurRad="38100" dist="38100" dir="2700000" algn="tl">
+                    <a:srgbClr val="000000">
+                      <a:alpha val="43137"/>
+                    </a:srgbClr>
+                  </a:outerShdw>
+                </a:effectLst>
+              </a:rPr>
+              <a:t>Nuestra empresa</a:t>
+            </a:r>
+            <a:endParaRPr lang="es-UY" sz="5400" u="sng" dirty="0">
+              <a:solidFill>
+                <a:srgbClr val="6A4714"/>
+              </a:solidFill>
+              <a:effectLst>
+                <a:outerShdw blurRad="38100" dist="38100" dir="2700000" algn="tl">
+                  <a:srgbClr val="000000">
+                    <a:alpha val="43137"/>
+                  </a:srgbClr>
+                </a:outerShdw>
+              </a:effectLst>
+            </a:endParaRPr>
           </a:p>
         </p:txBody>
       </p:sp>
@@ -9494,7 +6943,7 @@
           <p:cNvPr id="3" name="Marcador de contenido 2">
             <a:extLst>
               <a:ext uri="{FF2B5EF4-FFF2-40B4-BE49-F238E27FC236}">
-                <a16:creationId xmlns:a16="http://schemas.microsoft.com/office/drawing/2014/main" id="{16201B9C-E65F-433B-BBE6-F153B7BBCEB1}"/>
+                <a16:creationId xmlns:a16="http://schemas.microsoft.com/office/drawing/2014/main" id="{FAE828E5-610F-49F3-B3C3-F54F6DBF7268}"/>
               </a:ext>
             </a:extLst>
           </p:cNvPr>
@@ -9505,12 +6954,48 @@
             <p:ph idx="1"/>
           </p:nvPr>
         </p:nvSpPr>
-        <p:spPr/>
-        <p:txBody>
-          <a:bodyPr/>
-          <a:lstStyle/>
-          <a:p>
-            <a:endParaRPr lang="es-UY"/>
+        <p:spPr>
+          <a:xfrm>
+            <a:off x="2563436" y="1970167"/>
+            <a:ext cx="5582677" cy="1813471"/>
+          </a:xfrm>
+          <a:effectLst>
+            <a:outerShdw blurRad="50800" dist="38100" dir="2700000" algn="tl" rotWithShape="0">
+              <a:schemeClr val="bg1">
+                <a:alpha val="40000"/>
+              </a:schemeClr>
+            </a:outerShdw>
+          </a:effectLst>
+        </p:spPr>
+        <p:txBody>
+          <a:bodyPr>
+            <a:normAutofit/>
+          </a:bodyPr>
+          <a:lstStyle/>
+          <a:p>
+            <a:pPr marL="0" indent="0" algn="just">
+              <a:buNone/>
+            </a:pPr>
+            <a:r>
+              <a:rPr lang="es-ES" dirty="0">
+                <a:solidFill>
+                  <a:srgbClr val="663300"/>
+                </a:solidFill>
+              </a:rPr>
+              <a:t>                </a:t>
+            </a:r>
+            <a:r>
+              <a:rPr lang="es-ES" dirty="0"/>
+              <a:t>es una empresa de tecnología informática.</a:t>
+            </a:r>
+          </a:p>
+          <a:p>
+            <a:pPr algn="just"/>
+            <a:endParaRPr lang="es-ES" dirty="0">
+              <a:solidFill>
+                <a:srgbClr val="663300"/>
+              </a:solidFill>
+            </a:endParaRPr>
           </a:p>
         </p:txBody>
       </p:sp>
@@ -9519,7 +7004,7 @@
           <p:cNvPr id="5" name="Rectángulo 4">
             <a:extLst>
               <a:ext uri="{FF2B5EF4-FFF2-40B4-BE49-F238E27FC236}">
-                <a16:creationId xmlns:a16="http://schemas.microsoft.com/office/drawing/2014/main" id="{EF6A14FB-7EFE-44D1-A3D4-A75DF1D04B3D}"/>
+                <a16:creationId xmlns:a16="http://schemas.microsoft.com/office/drawing/2014/main" id="{F726922C-6A43-4547-BAAB-1D2DA7D187E6}"/>
               </a:ext>
             </a:extLst>
           </p:cNvPr>
@@ -9574,7 +7059,7 @@
           <p:cNvPr id="7" name="Rectángulo 6">
             <a:extLst>
               <a:ext uri="{FF2B5EF4-FFF2-40B4-BE49-F238E27FC236}">
-                <a16:creationId xmlns:a16="http://schemas.microsoft.com/office/drawing/2014/main" id="{A139749B-EE7D-4EC3-90C0-BAEF0CEF4892}"/>
+                <a16:creationId xmlns:a16="http://schemas.microsoft.com/office/drawing/2014/main" id="{75FE5751-D04D-4A9C-92AD-7532E96A773E}"/>
               </a:ext>
             </a:extLst>
           </p:cNvPr>
@@ -9627,7 +7112,7 @@
           <p:cNvPr id="9" name="Rectángulo 8">
             <a:extLst>
               <a:ext uri="{FF2B5EF4-FFF2-40B4-BE49-F238E27FC236}">
-                <a16:creationId xmlns:a16="http://schemas.microsoft.com/office/drawing/2014/main" id="{FBE680B1-1CA8-4743-9200-6F7DE641FD43}"/>
+                <a16:creationId xmlns:a16="http://schemas.microsoft.com/office/drawing/2014/main" id="{6FE7BC91-8A04-4FD9-8B8A-A607F3F63CF8}"/>
               </a:ext>
             </a:extLst>
           </p:cNvPr>
@@ -9680,7 +7165,7 @@
           <p:cNvPr id="11" name="Rectángulo 10">
             <a:extLst>
               <a:ext uri="{FF2B5EF4-FFF2-40B4-BE49-F238E27FC236}">
-                <a16:creationId xmlns:a16="http://schemas.microsoft.com/office/drawing/2014/main" id="{7F178006-CA4B-4AC3-964F-817D9D308753}"/>
+                <a16:creationId xmlns:a16="http://schemas.microsoft.com/office/drawing/2014/main" id="{A3B4CECE-1600-48CC-A395-5A1D7C869C2A}"/>
               </a:ext>
             </a:extLst>
           </p:cNvPr>
@@ -9733,7 +7218,7 @@
           <p:cNvPr id="13" name="Rectángulo 12">
             <a:extLst>
               <a:ext uri="{FF2B5EF4-FFF2-40B4-BE49-F238E27FC236}">
-                <a16:creationId xmlns:a16="http://schemas.microsoft.com/office/drawing/2014/main" id="{392B2067-9782-40B3-BD52-C5256ACFE14E}"/>
+                <a16:creationId xmlns:a16="http://schemas.microsoft.com/office/drawing/2014/main" id="{7A4F824A-AC52-40F7-8EB3-3B48AE607D0E}"/>
               </a:ext>
             </a:extLst>
           </p:cNvPr>
@@ -9788,7 +7273,7 @@
           <p:cNvPr id="15" name="Rectángulo 14">
             <a:extLst>
               <a:ext uri="{FF2B5EF4-FFF2-40B4-BE49-F238E27FC236}">
-                <a16:creationId xmlns:a16="http://schemas.microsoft.com/office/drawing/2014/main" id="{70C91655-DECC-49BD-A156-115824ADFABF}"/>
+                <a16:creationId xmlns:a16="http://schemas.microsoft.com/office/drawing/2014/main" id="{AF5FA9CC-879C-43AE-9293-3381D6285B3F}"/>
               </a:ext>
             </a:extLst>
           </p:cNvPr>
@@ -9843,7 +7328,7 @@
           <p:cNvPr id="17" name="Rectángulo 16">
             <a:extLst>
               <a:ext uri="{FF2B5EF4-FFF2-40B4-BE49-F238E27FC236}">
-                <a16:creationId xmlns:a16="http://schemas.microsoft.com/office/drawing/2014/main" id="{CC118A2D-06FF-4B37-8F13-67B883A537E7}"/>
+                <a16:creationId xmlns:a16="http://schemas.microsoft.com/office/drawing/2014/main" id="{024A3D29-0882-498C-8B0D-6B8CD5A4FCEB}"/>
               </a:ext>
             </a:extLst>
           </p:cNvPr>
@@ -9896,7 +7381,7 @@
           <p:cNvPr id="19" name="Rectángulo 18">
             <a:extLst>
               <a:ext uri="{FF2B5EF4-FFF2-40B4-BE49-F238E27FC236}">
-                <a16:creationId xmlns:a16="http://schemas.microsoft.com/office/drawing/2014/main" id="{CF5026A9-0B1D-4F92-B9E9-61E2292FED61}"/>
+                <a16:creationId xmlns:a16="http://schemas.microsoft.com/office/drawing/2014/main" id="{11654B99-3E8D-4A3A-8A3B-2DA4ABAC7E72}"/>
               </a:ext>
             </a:extLst>
           </p:cNvPr>
@@ -9946,10 +7431,101 @@
           </a:p>
         </p:txBody>
       </p:sp>
+      <p:pic>
+        <p:nvPicPr>
+          <p:cNvPr id="8" name="Imagen 7">
+            <a:extLst>
+              <a:ext uri="{FF2B5EF4-FFF2-40B4-BE49-F238E27FC236}">
+                <a16:creationId xmlns:a16="http://schemas.microsoft.com/office/drawing/2014/main" id="{87BAB9DF-88A4-489F-BF86-6439F78E0FAD}"/>
+              </a:ext>
+            </a:extLst>
+          </p:cNvPr>
+          <p:cNvPicPr>
+            <a:picLocks noChangeAspect="1"/>
+          </p:cNvPicPr>
+          <p:nvPr/>
+        </p:nvPicPr>
+        <p:blipFill>
+          <a:blip r:embed="rId2">
+            <a:extLst>
+              <a:ext uri="{28A0092B-C50C-407E-A947-70E740481C1C}">
+                <a14:useLocalDpi xmlns:a14="http://schemas.microsoft.com/office/drawing/2010/main" val="0"/>
+              </a:ext>
+            </a:extLst>
+          </a:blip>
+          <a:stretch>
+            <a:fillRect/>
+          </a:stretch>
+        </p:blipFill>
+        <p:spPr>
+          <a:xfrm>
+            <a:off x="-116899" y="1786457"/>
+            <a:ext cx="4522863" cy="4522863"/>
+          </a:xfrm>
+          <a:prstGeom prst="rect">
+            <a:avLst/>
+          </a:prstGeom>
+        </p:spPr>
+      </p:pic>
+      <p:sp>
+        <p:nvSpPr>
+          <p:cNvPr id="10" name="CuadroTexto 9">
+            <a:extLst>
+              <a:ext uri="{FF2B5EF4-FFF2-40B4-BE49-F238E27FC236}">
+                <a16:creationId xmlns:a16="http://schemas.microsoft.com/office/drawing/2014/main" id="{53363278-57FE-4BF7-B080-5524B9AE1898}"/>
+              </a:ext>
+            </a:extLst>
+          </p:cNvPr>
+          <p:cNvSpPr txBox="1"/>
+          <p:nvPr/>
+        </p:nvSpPr>
+        <p:spPr>
+          <a:xfrm flipH="1">
+            <a:off x="4067944" y="3351590"/>
+            <a:ext cx="4709172" cy="1384995"/>
+          </a:xfrm>
+          <a:prstGeom prst="rect">
+            <a:avLst/>
+          </a:prstGeom>
+          <a:noFill/>
+        </p:spPr>
+        <p:txBody>
+          <a:bodyPr wrap="square" rtlCol="0">
+            <a:spAutoFit/>
+          </a:bodyPr>
+          <a:lstStyle/>
+          <a:p>
+            <a:pPr marL="0" indent="0" algn="just">
+              <a:buNone/>
+            </a:pPr>
+            <a:r>
+              <a:rPr lang="es-ES" sz="2800" dirty="0">
+                <a:effectLst>
+                  <a:outerShdw blurRad="38100" dist="38100" dir="2700000" algn="tl">
+                    <a:srgbClr val="000000">
+                      <a:alpha val="43137"/>
+                    </a:srgbClr>
+                  </a:outerShdw>
+                </a:effectLst>
+              </a:rPr>
+              <a:t>Objetivo principal: </a:t>
+            </a:r>
+          </a:p>
+          <a:p>
+            <a:pPr marL="0" indent="0" algn="just">
+              <a:buNone/>
+            </a:pPr>
+            <a:r>
+              <a:rPr lang="es-ES" sz="2800" dirty="0"/>
+              <a:t>Ofrecer las mejores soluciones informáticas.</a:t>
+            </a:r>
+          </a:p>
+        </p:txBody>
+      </p:sp>
     </p:spTree>
     <p:extLst>
       <p:ext uri="{BB962C8B-B14F-4D97-AF65-F5344CB8AC3E}">
-        <p14:creationId xmlns:p14="http://schemas.microsoft.com/office/powerpoint/2010/main" val="992921319"/>
+        <p14:creationId xmlns:p14="http://schemas.microsoft.com/office/powerpoint/2010/main" val="2389588148"/>
       </p:ext>
     </p:extLst>
   </p:cSld>
@@ -9981,7 +7557,7 @@
           <p:cNvPr id="2" name="Título 1">
             <a:extLst>
               <a:ext uri="{FF2B5EF4-FFF2-40B4-BE49-F238E27FC236}">
-                <a16:creationId xmlns:a16="http://schemas.microsoft.com/office/drawing/2014/main" id="{8AA7464D-A69C-44B6-B5A6-6A50A36F8D43}"/>
+                <a16:creationId xmlns:a16="http://schemas.microsoft.com/office/drawing/2014/main" id="{270DEB3C-0B47-4E7E-98FF-062ECDA97C8B}"/>
               </a:ext>
             </a:extLst>
           </p:cNvPr>
@@ -10006,7 +7582,7 @@
           <a:lstStyle/>
           <a:p>
             <a:r>
-              <a:rPr lang="es-ES" dirty="0">
+              <a:rPr lang="es-ES" u="sng" dirty="0">
                 <a:solidFill>
                   <a:srgbClr val="6A4714"/>
                 </a:solidFill>
@@ -10018,9 +7594,9 @@
                   </a:outerShdw>
                 </a:effectLst>
               </a:rPr>
-              <a:t>Nuestra empresa</a:t>
+              <a:t>Misión y Visión</a:t>
             </a:r>
-            <a:endParaRPr lang="es-UY" dirty="0">
+            <a:endParaRPr lang="es-UY" u="sng" dirty="0">
               <a:solidFill>
                 <a:srgbClr val="6A4714"/>
               </a:solidFill>
@@ -10040,7 +7616,7 @@
           <p:cNvPr id="3" name="Marcador de contenido 2">
             <a:extLst>
               <a:ext uri="{FF2B5EF4-FFF2-40B4-BE49-F238E27FC236}">
-                <a16:creationId xmlns:a16="http://schemas.microsoft.com/office/drawing/2014/main" id="{FAE828E5-610F-49F3-B3C3-F54F6DBF7268}"/>
+                <a16:creationId xmlns:a16="http://schemas.microsoft.com/office/drawing/2014/main" id="{3A248E5C-7D20-4F08-8B4E-385FDD5430CB}"/>
               </a:ext>
             </a:extLst>
           </p:cNvPr>
@@ -10052,6 +7628,10 @@
           </p:nvPr>
         </p:nvSpPr>
         <p:spPr>
+          <a:xfrm>
+            <a:off x="457200" y="1783357"/>
+            <a:ext cx="8229600" cy="4525963"/>
+          </a:xfrm>
           <a:effectLst>
             <a:outerShdw blurRad="50800" dist="38100" dir="2700000" algn="tl" rotWithShape="0">
               <a:schemeClr val="bg1">
@@ -10064,36 +7644,11 @@
           <a:bodyPr/>
           <a:lstStyle/>
           <a:p>
-            <a:r>
-              <a:rPr lang="es-ES" dirty="0" err="1">
-                <a:solidFill>
-                  <a:srgbClr val="663300"/>
-                </a:solidFill>
-              </a:rPr>
-              <a:t>Nu-CaBuPa.SRL</a:t>
-            </a:r>
+            <a:pPr marL="0" indent="0">
+              <a:buNone/>
+            </a:pPr>
             <a:r>
               <a:rPr lang="es-ES" dirty="0">
-                <a:solidFill>
-                  <a:srgbClr val="663300"/>
-                </a:solidFill>
-              </a:rPr>
-              <a:t> es una empresa de tecnología informática.</a:t>
-            </a:r>
-          </a:p>
-          <a:p>
-            <a:endParaRPr lang="es-ES" dirty="0">
-              <a:solidFill>
-                <a:srgbClr val="663300"/>
-              </a:solidFill>
-            </a:endParaRPr>
-          </a:p>
-          <a:p>
-            <a:r>
-              <a:rPr lang="es-ES" dirty="0">
-                <a:solidFill>
-                  <a:srgbClr val="663300"/>
-                </a:solidFill>
                 <a:effectLst>
                   <a:outerShdw blurRad="38100" dist="38100" dir="2700000" algn="tl">
                     <a:srgbClr val="000000">
@@ -10102,16 +7657,40 @@
                   </a:outerShdw>
                 </a:effectLst>
               </a:rPr>
-              <a:t>Objetivo principal: </a:t>
+              <a:t>Misión: </a:t>
             </a:r>
             <a:r>
-              <a:rPr lang="es-ES" dirty="0">
-                <a:solidFill>
-                  <a:srgbClr val="663300"/>
-                </a:solidFill>
+              <a:rPr lang="es-ES" dirty="0"/>
+              <a:t>Brindar nuevos métodos y soluciones para cumplir con las expectativas de los consumidores. </a:t>
+            </a:r>
+          </a:p>
+          <a:p>
+            <a:pPr marL="0" indent="0">
+              <a:buNone/>
+            </a:pPr>
+            <a:endParaRPr lang="es-UY" dirty="0"/>
+          </a:p>
+          <a:p>
+            <a:pPr marL="0" indent="0">
+              <a:buNone/>
+            </a:pPr>
+            <a:r>
+              <a:rPr lang="es-UY" dirty="0">
+                <a:effectLst>
+                  <a:outerShdw blurRad="38100" dist="38100" dir="2700000" algn="tl">
+                    <a:srgbClr val="000000">
+                      <a:alpha val="43137"/>
+                    </a:srgbClr>
+                  </a:outerShdw>
+                </a:effectLst>
               </a:rPr>
-              <a:t>Solucionar los problemas que los clientes presenten, utilizando las nuevas tecnologías y creando nuevos estándares.</a:t>
+              <a:t>Visión: </a:t>
             </a:r>
+            <a:r>
+              <a:rPr lang="es-UY" dirty="0"/>
+              <a:t>Transmitir confianza y seguridad a los clientes con productos de calidad, abordando las mejores soluciones y formas de servicios. </a:t>
+            </a:r>
+            <a:endParaRPr lang="es-ES" dirty="0"/>
           </a:p>
         </p:txBody>
       </p:sp>
@@ -10120,7 +7699,7 @@
           <p:cNvPr id="5" name="Rectángulo 4">
             <a:extLst>
               <a:ext uri="{FF2B5EF4-FFF2-40B4-BE49-F238E27FC236}">
-                <a16:creationId xmlns:a16="http://schemas.microsoft.com/office/drawing/2014/main" id="{F726922C-6A43-4547-BAAB-1D2DA7D187E6}"/>
+                <a16:creationId xmlns:a16="http://schemas.microsoft.com/office/drawing/2014/main" id="{A7153B4D-44BE-4990-B260-C90DEED61850}"/>
               </a:ext>
             </a:extLst>
           </p:cNvPr>
@@ -10175,7 +7754,7 @@
           <p:cNvPr id="7" name="Rectángulo 6">
             <a:extLst>
               <a:ext uri="{FF2B5EF4-FFF2-40B4-BE49-F238E27FC236}">
-                <a16:creationId xmlns:a16="http://schemas.microsoft.com/office/drawing/2014/main" id="{75FE5751-D04D-4A9C-92AD-7532E96A773E}"/>
+                <a16:creationId xmlns:a16="http://schemas.microsoft.com/office/drawing/2014/main" id="{26159865-9A12-4353-8C9D-88CE4A6B0884}"/>
               </a:ext>
             </a:extLst>
           </p:cNvPr>
@@ -10228,7 +7807,7 @@
           <p:cNvPr id="9" name="Rectángulo 8">
             <a:extLst>
               <a:ext uri="{FF2B5EF4-FFF2-40B4-BE49-F238E27FC236}">
-                <a16:creationId xmlns:a16="http://schemas.microsoft.com/office/drawing/2014/main" id="{6FE7BC91-8A04-4FD9-8B8A-A607F3F63CF8}"/>
+                <a16:creationId xmlns:a16="http://schemas.microsoft.com/office/drawing/2014/main" id="{16F9D440-BAD4-436B-98CC-884811762D4D}"/>
               </a:ext>
             </a:extLst>
           </p:cNvPr>
@@ -10281,7 +7860,7 @@
           <p:cNvPr id="11" name="Rectángulo 10">
             <a:extLst>
               <a:ext uri="{FF2B5EF4-FFF2-40B4-BE49-F238E27FC236}">
-                <a16:creationId xmlns:a16="http://schemas.microsoft.com/office/drawing/2014/main" id="{A3B4CECE-1600-48CC-A395-5A1D7C869C2A}"/>
+                <a16:creationId xmlns:a16="http://schemas.microsoft.com/office/drawing/2014/main" id="{9CA01C36-CD4E-4B11-856A-7B85120760C0}"/>
               </a:ext>
             </a:extLst>
           </p:cNvPr>
@@ -10334,7 +7913,7 @@
           <p:cNvPr id="13" name="Rectángulo 12">
             <a:extLst>
               <a:ext uri="{FF2B5EF4-FFF2-40B4-BE49-F238E27FC236}">
-                <a16:creationId xmlns:a16="http://schemas.microsoft.com/office/drawing/2014/main" id="{7A4F824A-AC52-40F7-8EB3-3B48AE607D0E}"/>
+                <a16:creationId xmlns:a16="http://schemas.microsoft.com/office/drawing/2014/main" id="{4F0B5B2F-D96B-4212-B0AA-B9F375CCB505}"/>
               </a:ext>
             </a:extLst>
           </p:cNvPr>
@@ -10389,7 +7968,7 @@
           <p:cNvPr id="15" name="Rectángulo 14">
             <a:extLst>
               <a:ext uri="{FF2B5EF4-FFF2-40B4-BE49-F238E27FC236}">
-                <a16:creationId xmlns:a16="http://schemas.microsoft.com/office/drawing/2014/main" id="{AF5FA9CC-879C-43AE-9293-3381D6285B3F}"/>
+                <a16:creationId xmlns:a16="http://schemas.microsoft.com/office/drawing/2014/main" id="{7B870FF4-D4A5-4EEE-A45D-09C465AF2093}"/>
               </a:ext>
             </a:extLst>
           </p:cNvPr>
@@ -10444,7 +8023,7 @@
           <p:cNvPr id="17" name="Rectángulo 16">
             <a:extLst>
               <a:ext uri="{FF2B5EF4-FFF2-40B4-BE49-F238E27FC236}">
-                <a16:creationId xmlns:a16="http://schemas.microsoft.com/office/drawing/2014/main" id="{024A3D29-0882-498C-8B0D-6B8CD5A4FCEB}"/>
+                <a16:creationId xmlns:a16="http://schemas.microsoft.com/office/drawing/2014/main" id="{CE2099DA-13E1-42F7-A88D-899DA2D15975}"/>
               </a:ext>
             </a:extLst>
           </p:cNvPr>
@@ -10497,7 +8076,7 @@
           <p:cNvPr id="19" name="Rectángulo 18">
             <a:extLst>
               <a:ext uri="{FF2B5EF4-FFF2-40B4-BE49-F238E27FC236}">
-                <a16:creationId xmlns:a16="http://schemas.microsoft.com/office/drawing/2014/main" id="{11654B99-3E8D-4A3A-8A3B-2DA4ABAC7E72}"/>
+                <a16:creationId xmlns:a16="http://schemas.microsoft.com/office/drawing/2014/main" id="{866EBA6D-5386-475D-82A7-DD61950A7E77}"/>
               </a:ext>
             </a:extLst>
           </p:cNvPr>
@@ -10550,7 +8129,7 @@
     </p:spTree>
     <p:extLst>
       <p:ext uri="{BB962C8B-B14F-4D97-AF65-F5344CB8AC3E}">
-        <p14:creationId xmlns:p14="http://schemas.microsoft.com/office/powerpoint/2010/main" val="2389588148"/>
+        <p14:creationId xmlns:p14="http://schemas.microsoft.com/office/powerpoint/2010/main" val="95909293"/>
       </p:ext>
     </p:extLst>
   </p:cSld>
@@ -10582,7 +8161,7 @@
           <p:cNvPr id="2" name="Título 1">
             <a:extLst>
               <a:ext uri="{FF2B5EF4-FFF2-40B4-BE49-F238E27FC236}">
-                <a16:creationId xmlns:a16="http://schemas.microsoft.com/office/drawing/2014/main" id="{270DEB3C-0B47-4E7E-98FF-062ECDA97C8B}"/>
+                <a16:creationId xmlns:a16="http://schemas.microsoft.com/office/drawing/2014/main" id="{18F4F5EF-FA07-49F5-9F37-9E522C56D161}"/>
               </a:ext>
             </a:extLst>
           </p:cNvPr>
@@ -10594,6 +8173,10 @@
           </p:nvPr>
         </p:nvSpPr>
         <p:spPr>
+          <a:xfrm>
+            <a:off x="457200" y="269776"/>
+            <a:ext cx="8229600" cy="1143000"/>
+          </a:xfrm>
           <a:effectLst>
             <a:outerShdw blurRad="50800" dist="38100" dir="2700000" algn="tl" rotWithShape="0">
               <a:schemeClr val="bg1">
@@ -10607,66 +8190,7 @@
           <a:lstStyle/>
           <a:p>
             <a:r>
-              <a:rPr lang="es-ES" dirty="0">
-                <a:solidFill>
-                  <a:srgbClr val="6A4714"/>
-                </a:solidFill>
-                <a:effectLst>
-                  <a:outerShdw blurRad="38100" dist="38100" dir="2700000" algn="tl">
-                    <a:srgbClr val="000000">
-                      <a:alpha val="43137"/>
-                    </a:srgbClr>
-                  </a:outerShdw>
-                </a:effectLst>
-              </a:rPr>
-              <a:t>Misión y Visión</a:t>
-            </a:r>
-            <a:endParaRPr lang="es-UY" dirty="0">
-              <a:solidFill>
-                <a:srgbClr val="6A4714"/>
-              </a:solidFill>
-              <a:effectLst>
-                <a:outerShdw blurRad="38100" dist="38100" dir="2700000" algn="tl">
-                  <a:srgbClr val="000000">
-                    <a:alpha val="43137"/>
-                  </a:srgbClr>
-                </a:outerShdw>
-              </a:effectLst>
-            </a:endParaRPr>
-          </a:p>
-        </p:txBody>
-      </p:sp>
-      <p:sp>
-        <p:nvSpPr>
-          <p:cNvPr id="3" name="Marcador de contenido 2">
-            <a:extLst>
-              <a:ext uri="{FF2B5EF4-FFF2-40B4-BE49-F238E27FC236}">
-                <a16:creationId xmlns:a16="http://schemas.microsoft.com/office/drawing/2014/main" id="{3A248E5C-7D20-4F08-8B4E-385FDD5430CB}"/>
-              </a:ext>
-            </a:extLst>
-          </p:cNvPr>
-          <p:cNvSpPr>
-            <a:spLocks noGrp="1"/>
-          </p:cNvSpPr>
-          <p:nvPr>
-            <p:ph idx="1"/>
-          </p:nvPr>
-        </p:nvSpPr>
-        <p:spPr>
-          <a:effectLst>
-            <a:outerShdw blurRad="50800" dist="38100" dir="2700000" algn="tl" rotWithShape="0">
-              <a:schemeClr val="bg1">
-                <a:alpha val="40000"/>
-              </a:schemeClr>
-            </a:outerShdw>
-          </a:effectLst>
-        </p:spPr>
-        <p:txBody>
-          <a:bodyPr/>
-          <a:lstStyle/>
-          <a:p>
-            <a:r>
-              <a:rPr lang="es-ES" dirty="0">
+              <a:rPr lang="es-ES" u="sng" dirty="0">
                 <a:solidFill>
                   <a:srgbClr val="663300"/>
                 </a:solidFill>
@@ -10678,56 +8202,79 @@
                   </a:outerShdw>
                 </a:effectLst>
               </a:rPr>
-              <a:t>Misión: </a:t>
+              <a:t>Cliente</a:t>
             </a:r>
-            <a:r>
-              <a:rPr lang="es-ES" dirty="0">
-                <a:solidFill>
-                  <a:srgbClr val="663300"/>
-                </a:solidFill>
-              </a:rPr>
-              <a:t>Brindar nuevos métodos y soluciones para cumplir con las expectativas de los consumidores. </a:t>
-            </a:r>
-          </a:p>
+            <a:endParaRPr lang="es-UY" u="sng" dirty="0">
+              <a:solidFill>
+                <a:srgbClr val="663300"/>
+              </a:solidFill>
+              <a:effectLst>
+                <a:outerShdw blurRad="38100" dist="38100" dir="2700000" algn="tl">
+                  <a:srgbClr val="000000">
+                    <a:alpha val="43137"/>
+                  </a:srgbClr>
+                </a:outerShdw>
+              </a:effectLst>
+            </a:endParaRPr>
+          </a:p>
+        </p:txBody>
+      </p:sp>
+      <p:sp>
+        <p:nvSpPr>
+          <p:cNvPr id="3" name="Marcador de contenido 2">
+            <a:extLst>
+              <a:ext uri="{FF2B5EF4-FFF2-40B4-BE49-F238E27FC236}">
+                <a16:creationId xmlns:a16="http://schemas.microsoft.com/office/drawing/2014/main" id="{ED3D7B93-ABA8-47A7-BD1D-997576301544}"/>
+              </a:ext>
+            </a:extLst>
+          </p:cNvPr>
+          <p:cNvSpPr>
+            <a:spLocks noGrp="1"/>
+          </p:cNvSpPr>
+          <p:nvPr>
+            <p:ph idx="1"/>
+          </p:nvPr>
+        </p:nvSpPr>
+        <p:spPr>
+          <a:xfrm>
+            <a:off x="457201" y="1737815"/>
+            <a:ext cx="5482951" cy="3779417"/>
+          </a:xfrm>
+          <a:effectLst>
+            <a:outerShdw blurRad="50800" dist="38100" dir="2700000" algn="tl" rotWithShape="0">
+              <a:schemeClr val="bg1">
+                <a:alpha val="40000"/>
+              </a:schemeClr>
+            </a:outerShdw>
+          </a:effectLst>
+        </p:spPr>
+        <p:txBody>
+          <a:bodyPr/>
+          <a:lstStyle/>
           <a:p>
             <a:pPr marL="0" indent="0">
               <a:buNone/>
             </a:pPr>
-            <a:endParaRPr lang="es-UY" dirty="0">
-              <a:solidFill>
-                <a:srgbClr val="663300"/>
-              </a:solidFill>
-            </a:endParaRPr>
-          </a:p>
-          <a:p>
             <a:r>
-              <a:rPr lang="es-UY" dirty="0">
-                <a:solidFill>
-                  <a:srgbClr val="663300"/>
-                </a:solidFill>
-                <a:effectLst>
-                  <a:outerShdw blurRad="38100" dist="38100" dir="2700000" algn="tl">
-                    <a:srgbClr val="000000">
-                      <a:alpha val="43137"/>
-                    </a:srgbClr>
-                  </a:outerShdw>
-                </a:effectLst>
-              </a:rPr>
-              <a:t>Visión: </a:t>
+              <a:rPr lang="es-ES" dirty="0"/>
+              <a:t>JVR Producciones, empresa dedicada al contenido audiovisual. </a:t>
             </a:r>
+          </a:p>
+          <a:p>
+            <a:pPr marL="0" indent="0">
+              <a:buNone/>
+            </a:pPr>
+            <a:endParaRPr lang="es-ES" dirty="0"/>
+          </a:p>
+          <a:p>
+            <a:pPr marL="0" indent="0">
+              <a:buNone/>
+            </a:pPr>
             <a:r>
-              <a:rPr lang="es-UY" dirty="0">
-                <a:solidFill>
-                  <a:srgbClr val="663300"/>
-                </a:solidFill>
-              </a:rPr>
-              <a:t>Transmitir confianza y seguridad a los clientes con productos de calidad, abordando las mejores soluciones y formas de servicios. </a:t>
+              <a:rPr lang="es-ES" dirty="0"/>
+              <a:t>Motivo del contacto: Solución a métodos ineficientes al momento de la administración. </a:t>
             </a:r>
-            <a:endParaRPr lang="es-ES" dirty="0">
-              <a:solidFill>
-                <a:srgbClr val="663300"/>
-              </a:solidFill>
-            </a:endParaRPr>
+            <a:endParaRPr lang="es-UY" dirty="0"/>
           </a:p>
         </p:txBody>
       </p:sp>
@@ -10736,7 +8283,7 @@
           <p:cNvPr id="5" name="Rectángulo 4">
             <a:extLst>
               <a:ext uri="{FF2B5EF4-FFF2-40B4-BE49-F238E27FC236}">
-                <a16:creationId xmlns:a16="http://schemas.microsoft.com/office/drawing/2014/main" id="{A7153B4D-44BE-4990-B260-C90DEED61850}"/>
+                <a16:creationId xmlns:a16="http://schemas.microsoft.com/office/drawing/2014/main" id="{CAE0AF53-D499-466A-88FF-773DF94C7420}"/>
               </a:ext>
             </a:extLst>
           </p:cNvPr>
@@ -10791,7 +8338,7 @@
           <p:cNvPr id="7" name="Rectángulo 6">
             <a:extLst>
               <a:ext uri="{FF2B5EF4-FFF2-40B4-BE49-F238E27FC236}">
-                <a16:creationId xmlns:a16="http://schemas.microsoft.com/office/drawing/2014/main" id="{26159865-9A12-4353-8C9D-88CE4A6B0884}"/>
+                <a16:creationId xmlns:a16="http://schemas.microsoft.com/office/drawing/2014/main" id="{9E2A55E3-F0A3-42CC-ACAE-928BD55D42CF}"/>
               </a:ext>
             </a:extLst>
           </p:cNvPr>
@@ -10844,7 +8391,7 @@
           <p:cNvPr id="9" name="Rectángulo 8">
             <a:extLst>
               <a:ext uri="{FF2B5EF4-FFF2-40B4-BE49-F238E27FC236}">
-                <a16:creationId xmlns:a16="http://schemas.microsoft.com/office/drawing/2014/main" id="{16F9D440-BAD4-436B-98CC-884811762D4D}"/>
+                <a16:creationId xmlns:a16="http://schemas.microsoft.com/office/drawing/2014/main" id="{56CD8FED-0FAB-4E1F-840E-3E2DB6CD8625}"/>
               </a:ext>
             </a:extLst>
           </p:cNvPr>
@@ -10897,7 +8444,7 @@
           <p:cNvPr id="11" name="Rectángulo 10">
             <a:extLst>
               <a:ext uri="{FF2B5EF4-FFF2-40B4-BE49-F238E27FC236}">
-                <a16:creationId xmlns:a16="http://schemas.microsoft.com/office/drawing/2014/main" id="{9CA01C36-CD4E-4B11-856A-7B85120760C0}"/>
+                <a16:creationId xmlns:a16="http://schemas.microsoft.com/office/drawing/2014/main" id="{710BAE1A-1446-4096-B495-283BBD1CE874}"/>
               </a:ext>
             </a:extLst>
           </p:cNvPr>
@@ -10950,7 +8497,7 @@
           <p:cNvPr id="13" name="Rectángulo 12">
             <a:extLst>
               <a:ext uri="{FF2B5EF4-FFF2-40B4-BE49-F238E27FC236}">
-                <a16:creationId xmlns:a16="http://schemas.microsoft.com/office/drawing/2014/main" id="{4F0B5B2F-D96B-4212-B0AA-B9F375CCB505}"/>
+                <a16:creationId xmlns:a16="http://schemas.microsoft.com/office/drawing/2014/main" id="{5C9E7B86-2DAE-4456-B517-BCDAC33D576C}"/>
               </a:ext>
             </a:extLst>
           </p:cNvPr>
@@ -11005,7 +8552,7 @@
           <p:cNvPr id="15" name="Rectángulo 14">
             <a:extLst>
               <a:ext uri="{FF2B5EF4-FFF2-40B4-BE49-F238E27FC236}">
-                <a16:creationId xmlns:a16="http://schemas.microsoft.com/office/drawing/2014/main" id="{7B870FF4-D4A5-4EEE-A45D-09C465AF2093}"/>
+                <a16:creationId xmlns:a16="http://schemas.microsoft.com/office/drawing/2014/main" id="{7D9B8705-EA02-4D83-9081-50B97AF959EA}"/>
               </a:ext>
             </a:extLst>
           </p:cNvPr>
@@ -11060,7 +8607,7 @@
           <p:cNvPr id="17" name="Rectángulo 16">
             <a:extLst>
               <a:ext uri="{FF2B5EF4-FFF2-40B4-BE49-F238E27FC236}">
-                <a16:creationId xmlns:a16="http://schemas.microsoft.com/office/drawing/2014/main" id="{CE2099DA-13E1-42F7-A88D-899DA2D15975}"/>
+                <a16:creationId xmlns:a16="http://schemas.microsoft.com/office/drawing/2014/main" id="{623822A5-8581-474D-A3F6-7635E25D98C8}"/>
               </a:ext>
             </a:extLst>
           </p:cNvPr>
@@ -11113,7 +8660,7 @@
           <p:cNvPr id="19" name="Rectángulo 18">
             <a:extLst>
               <a:ext uri="{FF2B5EF4-FFF2-40B4-BE49-F238E27FC236}">
-                <a16:creationId xmlns:a16="http://schemas.microsoft.com/office/drawing/2014/main" id="{866EBA6D-5386-475D-82A7-DD61950A7E77}"/>
+                <a16:creationId xmlns:a16="http://schemas.microsoft.com/office/drawing/2014/main" id="{496AABE1-F424-4542-9115-EFB2F878E008}"/>
               </a:ext>
             </a:extLst>
           </p:cNvPr>
@@ -11163,10 +8710,46 @@
           </a:p>
         </p:txBody>
       </p:sp>
+      <p:pic>
+        <p:nvPicPr>
+          <p:cNvPr id="12" name="Imagen 11">
+            <a:extLst>
+              <a:ext uri="{FF2B5EF4-FFF2-40B4-BE49-F238E27FC236}">
+                <a16:creationId xmlns:a16="http://schemas.microsoft.com/office/drawing/2014/main" id="{448171A4-42E4-4E9B-B7D8-5F56FED59D79}"/>
+              </a:ext>
+            </a:extLst>
+          </p:cNvPr>
+          <p:cNvPicPr>
+            <a:picLocks noChangeAspect="1"/>
+          </p:cNvPicPr>
+          <p:nvPr/>
+        </p:nvPicPr>
+        <p:blipFill>
+          <a:blip r:embed="rId2" cstate="print">
+            <a:extLst>
+              <a:ext uri="{28A0092B-C50C-407E-A947-70E740481C1C}">
+                <a14:useLocalDpi xmlns:a14="http://schemas.microsoft.com/office/drawing/2010/main" val="0"/>
+              </a:ext>
+            </a:extLst>
+          </a:blip>
+          <a:stretch>
+            <a:fillRect/>
+          </a:stretch>
+        </p:blipFill>
+        <p:spPr>
+          <a:xfrm>
+            <a:off x="6012577" y="1844824"/>
+            <a:ext cx="2519863" cy="2493615"/>
+          </a:xfrm>
+          <a:prstGeom prst="rect">
+            <a:avLst/>
+          </a:prstGeom>
+        </p:spPr>
+      </p:pic>
     </p:spTree>
     <p:extLst>
       <p:ext uri="{BB962C8B-B14F-4D97-AF65-F5344CB8AC3E}">
-        <p14:creationId xmlns:p14="http://schemas.microsoft.com/office/powerpoint/2010/main" val="95909293"/>
+        <p14:creationId xmlns:p14="http://schemas.microsoft.com/office/powerpoint/2010/main" val="2369235371"/>
       </p:ext>
     </p:extLst>
   </p:cSld>
@@ -11195,65 +8778,10 @@
       </p:grpSpPr>
       <p:sp>
         <p:nvSpPr>
-          <p:cNvPr id="23" name="Rectángulo 22">
-            <a:extLst>
-              <a:ext uri="{FF2B5EF4-FFF2-40B4-BE49-F238E27FC236}">
-                <a16:creationId xmlns:a16="http://schemas.microsoft.com/office/drawing/2014/main" id="{D115E879-CF04-495F-BF42-EAFCFBD9AD38}"/>
-              </a:ext>
-            </a:extLst>
-          </p:cNvPr>
-          <p:cNvSpPr/>
-          <p:nvPr/>
-        </p:nvSpPr>
-        <p:spPr>
-          <a:xfrm>
-            <a:off x="-36512" y="44624"/>
-            <a:ext cx="9180512" cy="129600"/>
-          </a:xfrm>
-          <a:prstGeom prst="rect">
-            <a:avLst/>
-          </a:prstGeom>
-          <a:solidFill>
-            <a:srgbClr val="210F01">
-              <a:alpha val="50000"/>
-            </a:srgbClr>
-          </a:solidFill>
-          <a:ln>
-            <a:noFill/>
-          </a:ln>
-          <a:effectLst/>
-        </p:spPr>
-        <p:style>
-          <a:lnRef idx="2">
-            <a:schemeClr val="dk1">
-              <a:shade val="50000"/>
-            </a:schemeClr>
-          </a:lnRef>
-          <a:fillRef idx="1">
-            <a:schemeClr val="dk1"/>
-          </a:fillRef>
-          <a:effectRef idx="0">
-            <a:schemeClr val="dk1"/>
-          </a:effectRef>
-          <a:fontRef idx="minor">
-            <a:schemeClr val="lt1"/>
-          </a:fontRef>
-        </p:style>
-        <p:txBody>
-          <a:bodyPr rtlCol="0" anchor="ctr"/>
-          <a:lstStyle/>
-          <a:p>
-            <a:pPr algn="ctr"/>
-            <a:endParaRPr lang="es-UY"/>
-          </a:p>
-        </p:txBody>
-      </p:sp>
-      <p:sp>
-        <p:nvSpPr>
-          <p:cNvPr id="3" name="Marcador de contenido 2">
-            <a:extLst>
-              <a:ext uri="{FF2B5EF4-FFF2-40B4-BE49-F238E27FC236}">
-                <a16:creationId xmlns:a16="http://schemas.microsoft.com/office/drawing/2014/main" id="{8BA69171-342B-46C5-B37C-540B68015FB9}"/>
+          <p:cNvPr id="2" name="Título 1">
+            <a:extLst>
+              <a:ext uri="{FF2B5EF4-FFF2-40B4-BE49-F238E27FC236}">
+                <a16:creationId xmlns:a16="http://schemas.microsoft.com/office/drawing/2014/main" id="{5B045752-03A5-40F8-A8A1-90951948F7AF}"/>
               </a:ext>
             </a:extLst>
           </p:cNvPr>
@@ -11261,30 +8789,16 @@
             <a:spLocks noGrp="1"/>
           </p:cNvSpPr>
           <p:nvPr>
-            <p:ph idx="1"/>
+            <p:ph type="title"/>
           </p:nvPr>
         </p:nvSpPr>
-        <p:spPr>
-          <a:xfrm>
-            <a:off x="457200" y="426913"/>
-            <a:ext cx="8229600" cy="6408712"/>
-          </a:xfrm>
-          <a:effectLst>
-            <a:outerShdw blurRad="50800" dist="38100" algn="l" rotWithShape="0">
-              <a:schemeClr val="bg1">
-                <a:alpha val="40000"/>
-              </a:schemeClr>
-            </a:outerShdw>
-          </a:effectLst>
-        </p:spPr>
-        <p:txBody>
-          <a:bodyPr>
-            <a:normAutofit lnSpcReduction="10000"/>
-          </a:bodyPr>
+        <p:spPr/>
+        <p:txBody>
+          <a:bodyPr/>
           <a:lstStyle/>
           <a:p>
             <a:r>
-              <a:rPr lang="es-ES" dirty="0">
+              <a:rPr lang="es-ES" u="sng" dirty="0">
                 <a:solidFill>
                   <a:srgbClr val="663300"/>
                 </a:solidFill>
@@ -11296,150 +8810,67 @@
                   </a:outerShdw>
                 </a:effectLst>
               </a:rPr>
-              <a:t>Fortaleza de la empresa</a:t>
+              <a:t>Herramientas</a:t>
             </a:r>
-            <a:r>
-              <a:rPr lang="es-ES" dirty="0">
-                <a:solidFill>
-                  <a:srgbClr val="663300"/>
-                </a:solidFill>
-              </a:rPr>
-              <a:t>: Alto conocimiento sobre el desarrollo y buena comunicación entre los integrantes.</a:t>
-            </a:r>
-          </a:p>
-          <a:p>
-            <a:r>
-              <a:rPr lang="es-ES" dirty="0">
-                <a:solidFill>
-                  <a:srgbClr val="663300"/>
-                </a:solidFill>
-                <a:effectLst>
-                  <a:outerShdw blurRad="38100" dist="38100" dir="2700000" algn="tl">
-                    <a:srgbClr val="000000">
-                      <a:alpha val="43137"/>
-                    </a:srgbClr>
-                  </a:outerShdw>
-                </a:effectLst>
-              </a:rPr>
-              <a:t>Oportunidad: </a:t>
-            </a:r>
-            <a:r>
-              <a:rPr lang="es-ES" dirty="0">
-                <a:solidFill>
-                  <a:srgbClr val="663300"/>
-                </a:solidFill>
-              </a:rPr>
-              <a:t>Facilidad en el crecimiento como empresa debido al rubro.</a:t>
-            </a:r>
-          </a:p>
-          <a:p>
-            <a:r>
-              <a:rPr lang="es-ES" dirty="0">
-                <a:solidFill>
-                  <a:srgbClr val="663300"/>
-                </a:solidFill>
-                <a:effectLst>
-                  <a:outerShdw blurRad="38100" dist="38100" dir="2700000" algn="tl">
-                    <a:srgbClr val="000000">
-                      <a:alpha val="43137"/>
-                    </a:srgbClr>
-                  </a:outerShdw>
-                </a:effectLst>
-              </a:rPr>
-              <a:t>Debilidad: </a:t>
-            </a:r>
-            <a:r>
-              <a:rPr lang="es-ES" dirty="0">
-                <a:solidFill>
-                  <a:srgbClr val="663300"/>
-                </a:solidFill>
-              </a:rPr>
-              <a:t>Poca experiencia.</a:t>
-            </a:r>
-          </a:p>
-          <a:p>
-            <a:r>
-              <a:rPr lang="es-ES" dirty="0">
-                <a:solidFill>
-                  <a:srgbClr val="663300"/>
-                </a:solidFill>
-                <a:effectLst>
-                  <a:outerShdw blurRad="38100" dist="38100" dir="2700000" algn="tl">
-                    <a:srgbClr val="000000">
-                      <a:alpha val="43137"/>
-                    </a:srgbClr>
-                  </a:outerShdw>
-                </a:effectLst>
-              </a:rPr>
-              <a:t>Amenaza: </a:t>
-            </a:r>
-            <a:r>
-              <a:rPr lang="es-ES" dirty="0">
-                <a:solidFill>
-                  <a:srgbClr val="663300"/>
-                </a:solidFill>
-              </a:rPr>
-              <a:t>Gran competencia en el rubro.</a:t>
-            </a:r>
-          </a:p>
-          <a:p>
-            <a:r>
-              <a:rPr lang="es-ES" dirty="0">
-                <a:solidFill>
-                  <a:srgbClr val="663300"/>
-                </a:solidFill>
-                <a:effectLst>
-                  <a:outerShdw blurRad="38100" dist="38100" dir="2700000" algn="tl">
-                    <a:srgbClr val="000000">
-                      <a:alpha val="43137"/>
-                    </a:srgbClr>
-                  </a:outerShdw>
-                </a:effectLst>
-              </a:rPr>
-              <a:t>Estrategias:</a:t>
-            </a:r>
-          </a:p>
-          <a:p>
-            <a:pPr>
-              <a:buFontTx/>
-              <a:buChar char="-"/>
+            <a:endParaRPr lang="es-UY" u="sng" dirty="0">
+              <a:effectLst>
+                <a:outerShdw blurRad="38100" dist="38100" dir="2700000" algn="tl">
+                  <a:srgbClr val="000000">
+                    <a:alpha val="43137"/>
+                  </a:srgbClr>
+                </a:outerShdw>
+              </a:effectLst>
+            </a:endParaRPr>
+          </a:p>
+        </p:txBody>
+      </p:sp>
+      <p:sp>
+        <p:nvSpPr>
+          <p:cNvPr id="3" name="Marcador de contenido 2">
+            <a:extLst>
+              <a:ext uri="{FF2B5EF4-FFF2-40B4-BE49-F238E27FC236}">
+                <a16:creationId xmlns:a16="http://schemas.microsoft.com/office/drawing/2014/main" id="{E4E7A072-79E6-45EC-BC7A-852C33C49819}"/>
+              </a:ext>
+            </a:extLst>
+          </p:cNvPr>
+          <p:cNvSpPr>
+            <a:spLocks noGrp="1"/>
+          </p:cNvSpPr>
+          <p:nvPr>
+            <p:ph idx="1"/>
+          </p:nvPr>
+        </p:nvSpPr>
+        <p:spPr>
+          <a:xfrm>
+            <a:off x="391990" y="3211240"/>
+            <a:ext cx="2890664" cy="532655"/>
+          </a:xfrm>
+        </p:spPr>
+        <p:txBody>
+          <a:bodyPr>
+            <a:normAutofit lnSpcReduction="10000"/>
+          </a:bodyPr>
+          <a:lstStyle/>
+          <a:p>
+            <a:pPr marL="0" indent="0">
+              <a:buNone/>
             </a:pPr>
-            <a:r>
-              <a:rPr lang="es-ES" dirty="0">
-                <a:solidFill>
-                  <a:srgbClr val="663300"/>
-                </a:solidFill>
-              </a:rPr>
-              <a:t>Aceptar proyectos pequeños que ayuden a ganar experiencia.</a:t>
-            </a:r>
-          </a:p>
-          <a:p>
-            <a:pPr>
-              <a:buFontTx/>
-              <a:buChar char="-"/>
+            <a:endParaRPr lang="es-ES" dirty="0"/>
+          </a:p>
+          <a:p>
+            <a:pPr marL="0" indent="0">
+              <a:buNone/>
             </a:pPr>
-            <a:r>
-              <a:rPr lang="es-ES" dirty="0">
-                <a:solidFill>
-                  <a:srgbClr val="663300"/>
-                </a:solidFill>
-              </a:rPr>
-              <a:t>Precios llamativos para la demanda de acuerdo al mercado.</a:t>
-            </a:r>
-            <a:endParaRPr lang="es-UY" dirty="0">
-              <a:solidFill>
-                <a:srgbClr val="663300"/>
-              </a:solidFill>
-            </a:endParaRPr>
-          </a:p>
-        </p:txBody>
-      </p:sp>
-      <p:sp>
-        <p:nvSpPr>
-          <p:cNvPr id="2" name="Rectángulo 1">
-            <a:extLst>
-              <a:ext uri="{FF2B5EF4-FFF2-40B4-BE49-F238E27FC236}">
-                <a16:creationId xmlns:a16="http://schemas.microsoft.com/office/drawing/2014/main" id="{64F0038B-1A48-4C98-AC93-5AB1076A1BAD}"/>
+            <a:endParaRPr lang="es-ES" dirty="0"/>
+          </a:p>
+        </p:txBody>
+      </p:sp>
+      <p:sp>
+        <p:nvSpPr>
+          <p:cNvPr id="5" name="Rectángulo 4">
+            <a:extLst>
+              <a:ext uri="{FF2B5EF4-FFF2-40B4-BE49-F238E27FC236}">
+                <a16:creationId xmlns:a16="http://schemas.microsoft.com/office/drawing/2014/main" id="{334B610A-2FEA-4525-B56F-DB42010A9D8B}"/>
               </a:ext>
             </a:extLst>
           </p:cNvPr>
@@ -11448,14 +8879,16 @@
         </p:nvSpPr>
         <p:spPr>
           <a:xfrm>
-            <a:off x="-36512" y="-27384"/>
-            <a:ext cx="9217024" cy="137279"/>
-          </a:xfrm>
-          <a:prstGeom prst="rect">
-            <a:avLst/>
-          </a:prstGeom>
-          <a:solidFill>
-            <a:srgbClr val="210F01"/>
+            <a:off x="-36512" y="44624"/>
+            <a:ext cx="9180512" cy="129600"/>
+          </a:xfrm>
+          <a:prstGeom prst="rect">
+            <a:avLst/>
+          </a:prstGeom>
+          <a:solidFill>
+            <a:srgbClr val="210F01">
+              <a:alpha val="50000"/>
+            </a:srgbClr>
           </a:solidFill>
           <a:ln>
             <a:noFill/>
@@ -11489,10 +8922,10 @@
       </p:sp>
       <p:sp>
         <p:nvSpPr>
-          <p:cNvPr id="5" name="Rectángulo 4">
-            <a:extLst>
-              <a:ext uri="{FF2B5EF4-FFF2-40B4-BE49-F238E27FC236}">
-                <a16:creationId xmlns:a16="http://schemas.microsoft.com/office/drawing/2014/main" id="{59E21621-84D3-4906-9AE7-54D4173E2F84}"/>
+          <p:cNvPr id="7" name="Rectángulo 6">
+            <a:extLst>
+              <a:ext uri="{FF2B5EF4-FFF2-40B4-BE49-F238E27FC236}">
+                <a16:creationId xmlns:a16="http://schemas.microsoft.com/office/drawing/2014/main" id="{C9C1E840-ACD9-4833-BF60-EDA6E278DCCF}"/>
               </a:ext>
             </a:extLst>
           </p:cNvPr>
@@ -11501,8 +8934,8 @@
         </p:nvSpPr>
         <p:spPr>
           <a:xfrm>
-            <a:off x="-3238" y="6753727"/>
-            <a:ext cx="9183750" cy="107876"/>
+            <a:off x="-36512" y="-27384"/>
+            <a:ext cx="9217024" cy="137279"/>
           </a:xfrm>
           <a:prstGeom prst="rect">
             <a:avLst/>
@@ -11545,7 +8978,7 @@
           <p:cNvPr id="9" name="Rectángulo 8">
             <a:extLst>
               <a:ext uri="{FF2B5EF4-FFF2-40B4-BE49-F238E27FC236}">
-                <a16:creationId xmlns:a16="http://schemas.microsoft.com/office/drawing/2014/main" id="{DED971F4-F864-4C38-AC24-9C614F9F751C}"/>
+                <a16:creationId xmlns:a16="http://schemas.microsoft.com/office/drawing/2014/main" id="{02ABEB05-5EEC-4486-82A8-AC02A923CCE5}"/>
               </a:ext>
             </a:extLst>
           </p:cNvPr>
@@ -11553,9 +8986,9 @@
           <p:nvPr/>
         </p:nvSpPr>
         <p:spPr>
-          <a:xfrm rot="5400000">
-            <a:off x="5719968" y="3381249"/>
-            <a:ext cx="6741855" cy="122399"/>
+          <a:xfrm>
+            <a:off x="-3238" y="6753727"/>
+            <a:ext cx="9183750" cy="107876"/>
           </a:xfrm>
           <a:prstGeom prst="rect">
             <a:avLst/>
@@ -11595,10 +9028,10 @@
       </p:sp>
       <p:sp>
         <p:nvSpPr>
-          <p:cNvPr id="13" name="Rectángulo 12">
-            <a:extLst>
-              <a:ext uri="{FF2B5EF4-FFF2-40B4-BE49-F238E27FC236}">
-                <a16:creationId xmlns:a16="http://schemas.microsoft.com/office/drawing/2014/main" id="{C194B63F-784B-4DFF-94FC-020CC6331EDF}"/>
+          <p:cNvPr id="11" name="Rectángulo 10">
+            <a:extLst>
+              <a:ext uri="{FF2B5EF4-FFF2-40B4-BE49-F238E27FC236}">
+                <a16:creationId xmlns:a16="http://schemas.microsoft.com/office/drawing/2014/main" id="{3331A0FA-BF9B-4916-813E-22177C58A387}"/>
               </a:ext>
             </a:extLst>
           </p:cNvPr>
@@ -11607,8 +9040,8 @@
         </p:nvSpPr>
         <p:spPr>
           <a:xfrm rot="5400000">
-            <a:off x="-3360660" y="3392872"/>
-            <a:ext cx="6835625" cy="114302"/>
+            <a:off x="5719968" y="3381249"/>
+            <a:ext cx="6741855" cy="122399"/>
           </a:xfrm>
           <a:prstGeom prst="rect">
             <a:avLst/>
@@ -11648,10 +9081,10 @@
       </p:sp>
       <p:sp>
         <p:nvSpPr>
-          <p:cNvPr id="33" name="Rectángulo 32">
-            <a:extLst>
-              <a:ext uri="{FF2B5EF4-FFF2-40B4-BE49-F238E27FC236}">
-                <a16:creationId xmlns:a16="http://schemas.microsoft.com/office/drawing/2014/main" id="{B6FA3800-3144-4BD4-B0C1-6ED1860C6A95}"/>
+          <p:cNvPr id="13" name="Rectángulo 12">
+            <a:extLst>
+              <a:ext uri="{FF2B5EF4-FFF2-40B4-BE49-F238E27FC236}">
+                <a16:creationId xmlns:a16="http://schemas.microsoft.com/office/drawing/2014/main" id="{355106A8-2709-4816-83FC-ABB0AB8528BA}"/>
               </a:ext>
             </a:extLst>
           </p:cNvPr>
@@ -11659,9 +9092,9 @@
           <p:nvPr/>
         </p:nvSpPr>
         <p:spPr>
-          <a:xfrm rot="5400000">
-            <a:off x="5666058" y="3472655"/>
-            <a:ext cx="6711161" cy="114304"/>
+          <a:xfrm rot="10800000">
+            <a:off x="179510" y="6687360"/>
+            <a:ext cx="8784975" cy="147600"/>
           </a:xfrm>
           <a:prstGeom prst="rect">
             <a:avLst/>
@@ -11703,10 +9136,10 @@
       </p:sp>
       <p:sp>
         <p:nvSpPr>
-          <p:cNvPr id="35" name="Rectángulo 34">
-            <a:extLst>
-              <a:ext uri="{FF2B5EF4-FFF2-40B4-BE49-F238E27FC236}">
-                <a16:creationId xmlns:a16="http://schemas.microsoft.com/office/drawing/2014/main" id="{E06F6C18-AF89-4FA8-B1B9-C646952AE2EC}"/>
+          <p:cNvPr id="15" name="Rectángulo 14">
+            <a:extLst>
+              <a:ext uri="{FF2B5EF4-FFF2-40B4-BE49-F238E27FC236}">
+                <a16:creationId xmlns:a16="http://schemas.microsoft.com/office/drawing/2014/main" id="{E2D7F3C7-D05B-4CFE-BCED-C2A890472A22}"/>
               </a:ext>
             </a:extLst>
           </p:cNvPr>
@@ -11714,9 +9147,9 @@
           <p:nvPr/>
         </p:nvSpPr>
         <p:spPr>
-          <a:xfrm rot="10800000">
-            <a:off x="179510" y="6687360"/>
-            <a:ext cx="8784975" cy="147600"/>
+          <a:xfrm rot="5400000">
+            <a:off x="-3215983" y="3436520"/>
+            <a:ext cx="6657791" cy="133200"/>
           </a:xfrm>
           <a:prstGeom prst="rect">
             <a:avLst/>
@@ -11758,10 +9191,10 @@
       </p:sp>
       <p:sp>
         <p:nvSpPr>
-          <p:cNvPr id="37" name="Rectángulo 36">
-            <a:extLst>
-              <a:ext uri="{FF2B5EF4-FFF2-40B4-BE49-F238E27FC236}">
-                <a16:creationId xmlns:a16="http://schemas.microsoft.com/office/drawing/2014/main" id="{CD181984-64AE-478B-A81B-07F0BEFD90A2}"/>
+          <p:cNvPr id="17" name="Rectángulo 16">
+            <a:extLst>
+              <a:ext uri="{FF2B5EF4-FFF2-40B4-BE49-F238E27FC236}">
+                <a16:creationId xmlns:a16="http://schemas.microsoft.com/office/drawing/2014/main" id="{6324849F-1473-4443-8F99-6A71584B2532}"/>
               </a:ext>
             </a:extLst>
           </p:cNvPr>
@@ -11770,16 +9203,14 @@
         </p:nvSpPr>
         <p:spPr>
           <a:xfrm rot="5400000">
-            <a:off x="-3215983" y="3436520"/>
-            <a:ext cx="6657791" cy="133200"/>
-          </a:xfrm>
-          <a:prstGeom prst="rect">
-            <a:avLst/>
-          </a:prstGeom>
-          <a:solidFill>
-            <a:srgbClr val="210F01">
-              <a:alpha val="50000"/>
-            </a:srgbClr>
+            <a:off x="-3360660" y="3392872"/>
+            <a:ext cx="6835625" cy="114302"/>
+          </a:xfrm>
+          <a:prstGeom prst="rect">
+            <a:avLst/>
+          </a:prstGeom>
+          <a:solidFill>
+            <a:srgbClr val="210F01"/>
           </a:solidFill>
           <a:ln>
             <a:noFill/>
@@ -11811,10 +9242,137 @@
           </a:p>
         </p:txBody>
       </p:sp>
+      <p:sp>
+        <p:nvSpPr>
+          <p:cNvPr id="19" name="Rectángulo 18">
+            <a:extLst>
+              <a:ext uri="{FF2B5EF4-FFF2-40B4-BE49-F238E27FC236}">
+                <a16:creationId xmlns:a16="http://schemas.microsoft.com/office/drawing/2014/main" id="{53867E12-D105-4635-88AF-25BAD5226392}"/>
+              </a:ext>
+            </a:extLst>
+          </p:cNvPr>
+          <p:cNvSpPr/>
+          <p:nvPr/>
+        </p:nvSpPr>
+        <p:spPr>
+          <a:xfrm rot="5400000">
+            <a:off x="5666058" y="3472655"/>
+            <a:ext cx="6711161" cy="114304"/>
+          </a:xfrm>
+          <a:prstGeom prst="rect">
+            <a:avLst/>
+          </a:prstGeom>
+          <a:solidFill>
+            <a:srgbClr val="210F01">
+              <a:alpha val="50000"/>
+            </a:srgbClr>
+          </a:solidFill>
+          <a:ln>
+            <a:noFill/>
+          </a:ln>
+          <a:effectLst/>
+        </p:spPr>
+        <p:style>
+          <a:lnRef idx="2">
+            <a:schemeClr val="dk1">
+              <a:shade val="50000"/>
+            </a:schemeClr>
+          </a:lnRef>
+          <a:fillRef idx="1">
+            <a:schemeClr val="dk1"/>
+          </a:fillRef>
+          <a:effectRef idx="0">
+            <a:schemeClr val="dk1"/>
+          </a:effectRef>
+          <a:fontRef idx="minor">
+            <a:schemeClr val="lt1"/>
+          </a:fontRef>
+        </p:style>
+        <p:txBody>
+          <a:bodyPr rtlCol="0" anchor="ctr"/>
+          <a:lstStyle/>
+          <a:p>
+            <a:pPr algn="ctr"/>
+            <a:endParaRPr lang="es-UY"/>
+          </a:p>
+        </p:txBody>
+      </p:sp>
+      <p:pic>
+        <p:nvPicPr>
+          <p:cNvPr id="6" name="Imagen 5">
+            <a:extLst>
+              <a:ext uri="{FF2B5EF4-FFF2-40B4-BE49-F238E27FC236}">
+                <a16:creationId xmlns:a16="http://schemas.microsoft.com/office/drawing/2014/main" id="{9BD61D1A-A6EB-4B41-A4DB-6CA285841D8A}"/>
+              </a:ext>
+            </a:extLst>
+          </p:cNvPr>
+          <p:cNvPicPr>
+            <a:picLocks noChangeAspect="1"/>
+          </p:cNvPicPr>
+          <p:nvPr/>
+        </p:nvPicPr>
+        <p:blipFill>
+          <a:blip r:embed="rId2" cstate="print">
+            <a:extLst>
+              <a:ext uri="{28A0092B-C50C-407E-A947-70E740481C1C}">
+                <a14:useLocalDpi xmlns:a14="http://schemas.microsoft.com/office/drawing/2010/main" val="0"/>
+              </a:ext>
+            </a:extLst>
+          </a:blip>
+          <a:stretch>
+            <a:fillRect/>
+          </a:stretch>
+        </p:blipFill>
+        <p:spPr>
+          <a:xfrm>
+            <a:off x="1914369" y="2499561"/>
+            <a:ext cx="2009559" cy="2009559"/>
+          </a:xfrm>
+          <a:prstGeom prst="rect">
+            <a:avLst/>
+          </a:prstGeom>
+        </p:spPr>
+      </p:pic>
+      <p:pic>
+        <p:nvPicPr>
+          <p:cNvPr id="16" name="Imagen 15">
+            <a:extLst>
+              <a:ext uri="{FF2B5EF4-FFF2-40B4-BE49-F238E27FC236}">
+                <a16:creationId xmlns:a16="http://schemas.microsoft.com/office/drawing/2014/main" id="{FCDC1430-BFA9-4DB7-A492-4B7878677589}"/>
+              </a:ext>
+            </a:extLst>
+          </p:cNvPr>
+          <p:cNvPicPr>
+            <a:picLocks noChangeAspect="1"/>
+          </p:cNvPicPr>
+          <p:nvPr/>
+        </p:nvPicPr>
+        <p:blipFill>
+          <a:blip r:embed="rId3">
+            <a:extLst>
+              <a:ext uri="{28A0092B-C50C-407E-A947-70E740481C1C}">
+                <a14:useLocalDpi xmlns:a14="http://schemas.microsoft.com/office/drawing/2010/main" val="0"/>
+              </a:ext>
+            </a:extLst>
+          </a:blip>
+          <a:stretch>
+            <a:fillRect/>
+          </a:stretch>
+        </p:blipFill>
+        <p:spPr>
+          <a:xfrm>
+            <a:off x="4985792" y="2402632"/>
+            <a:ext cx="2466528" cy="2466528"/>
+          </a:xfrm>
+          <a:prstGeom prst="rect">
+            <a:avLst/>
+          </a:prstGeom>
+        </p:spPr>
+      </p:pic>
     </p:spTree>
     <p:extLst>
       <p:ext uri="{BB962C8B-B14F-4D97-AF65-F5344CB8AC3E}">
-        <p14:creationId xmlns:p14="http://schemas.microsoft.com/office/powerpoint/2010/main" val="3322667293"/>
+        <p14:creationId xmlns:p14="http://schemas.microsoft.com/office/powerpoint/2010/main" val="439337949"/>
       </p:ext>
     </p:extLst>
   </p:cSld>
@@ -11846,7 +9404,7 @@
           <p:cNvPr id="2" name="Título 1">
             <a:extLst>
               <a:ext uri="{FF2B5EF4-FFF2-40B4-BE49-F238E27FC236}">
-                <a16:creationId xmlns:a16="http://schemas.microsoft.com/office/drawing/2014/main" id="{18F4F5EF-FA07-49F5-9F37-9E522C56D161}"/>
+                <a16:creationId xmlns:a16="http://schemas.microsoft.com/office/drawing/2014/main" id="{F7637687-8354-4929-9C6B-4F0EA61150E7}"/>
               </a:ext>
             </a:extLst>
           </p:cNvPr>
@@ -11871,7 +9429,7 @@
           <a:lstStyle/>
           <a:p>
             <a:r>
-              <a:rPr lang="es-ES" dirty="0">
+              <a:rPr lang="es-ES" u="sng" dirty="0">
                 <a:solidFill>
                   <a:srgbClr val="663300"/>
                 </a:solidFill>
@@ -11883,9 +9441,9 @@
                   </a:outerShdw>
                 </a:effectLst>
               </a:rPr>
-              <a:t>Cliente</a:t>
+              <a:t>Requerimientos del programa</a:t>
             </a:r>
-            <a:endParaRPr lang="es-UY" dirty="0">
+            <a:endParaRPr lang="es-UY" u="sng" dirty="0">
               <a:solidFill>
                 <a:srgbClr val="663300"/>
               </a:solidFill>
@@ -11905,7 +9463,7 @@
           <p:cNvPr id="3" name="Marcador de contenido 2">
             <a:extLst>
               <a:ext uri="{FF2B5EF4-FFF2-40B4-BE49-F238E27FC236}">
-                <a16:creationId xmlns:a16="http://schemas.microsoft.com/office/drawing/2014/main" id="{ED3D7B93-ABA8-47A7-BD1D-997576301544}"/>
+                <a16:creationId xmlns:a16="http://schemas.microsoft.com/office/drawing/2014/main" id="{18F33BFA-7DCA-498C-8FC2-AB900107EE3F}"/>
               </a:ext>
             </a:extLst>
           </p:cNvPr>
@@ -11917,6 +9475,10 @@
           </p:nvPr>
         </p:nvSpPr>
         <p:spPr>
+          <a:xfrm>
+            <a:off x="1562873" y="2094116"/>
+            <a:ext cx="6033463" cy="3423116"/>
+          </a:xfrm>
           <a:effectLst>
             <a:outerShdw blurRad="50800" dist="38100" dir="2700000" algn="tl" rotWithShape="0">
               <a:schemeClr val="bg1">
@@ -11926,52 +9488,43 @@
           </a:effectLst>
         </p:spPr>
         <p:txBody>
-          <a:bodyPr/>
-          <a:lstStyle/>
-          <a:p>
-            <a:r>
-              <a:rPr lang="es-ES" dirty="0">
-                <a:solidFill>
-                  <a:srgbClr val="663300"/>
-                </a:solidFill>
-              </a:rPr>
-              <a:t>JVR Producciones, empresa dedicada al contenido audiovisual. </a:t>
-            </a:r>
-          </a:p>
+          <a:bodyPr>
+            <a:normAutofit/>
+          </a:bodyPr>
+          <a:lstStyle/>
           <a:p>
             <a:pPr marL="0" indent="0">
               <a:buNone/>
             </a:pPr>
-            <a:endParaRPr lang="es-ES" dirty="0">
-              <a:solidFill>
-                <a:srgbClr val="663300"/>
-              </a:solidFill>
-            </a:endParaRPr>
+            <a:r>
+              <a:rPr lang="es-ES" dirty="0"/>
+              <a:t>Sistema de gestión para las series.</a:t>
+            </a:r>
+          </a:p>
+          <a:p>
+            <a:endParaRPr lang="es-UY" dirty="0"/>
           </a:p>
           <a:p>
             <a:pPr marL="0" indent="0">
               <a:buNone/>
             </a:pPr>
-            <a:endParaRPr lang="es-ES" dirty="0">
-              <a:solidFill>
-                <a:srgbClr val="663300"/>
-              </a:solidFill>
-            </a:endParaRPr>
-          </a:p>
-          <a:p>
             <a:r>
-              <a:rPr lang="es-ES" dirty="0">
-                <a:solidFill>
-                  <a:srgbClr val="663300"/>
-                </a:solidFill>
-              </a:rPr>
-              <a:t>Motivo del contacto: Solución a métodos ineficientes al momento de la administración. </a:t>
+              <a:rPr lang="es-UY" dirty="0"/>
+              <a:t>Administración de los programas.</a:t>
             </a:r>
-            <a:endParaRPr lang="es-UY" dirty="0">
-              <a:solidFill>
-                <a:srgbClr val="663300"/>
-              </a:solidFill>
-            </a:endParaRPr>
+          </a:p>
+          <a:p>
+            <a:endParaRPr lang="es-UY" dirty="0"/>
+          </a:p>
+          <a:p>
+            <a:pPr marL="0" indent="0">
+              <a:buNone/>
+            </a:pPr>
+            <a:r>
+              <a:rPr lang="es-UY" dirty="0"/>
+              <a:t>Organización de tandas.</a:t>
+            </a:r>
+            <a:endParaRPr lang="es-ES" dirty="0"/>
           </a:p>
         </p:txBody>
       </p:sp>
@@ -11980,7 +9533,7 @@
           <p:cNvPr id="5" name="Rectángulo 4">
             <a:extLst>
               <a:ext uri="{FF2B5EF4-FFF2-40B4-BE49-F238E27FC236}">
-                <a16:creationId xmlns:a16="http://schemas.microsoft.com/office/drawing/2014/main" id="{CAE0AF53-D499-466A-88FF-773DF94C7420}"/>
+                <a16:creationId xmlns:a16="http://schemas.microsoft.com/office/drawing/2014/main" id="{71EAB522-3FD3-4B79-B1E7-E4A9024C3915}"/>
               </a:ext>
             </a:extLst>
           </p:cNvPr>
@@ -12035,7 +9588,7 @@
           <p:cNvPr id="7" name="Rectángulo 6">
             <a:extLst>
               <a:ext uri="{FF2B5EF4-FFF2-40B4-BE49-F238E27FC236}">
-                <a16:creationId xmlns:a16="http://schemas.microsoft.com/office/drawing/2014/main" id="{9E2A55E3-F0A3-42CC-ACAE-928BD55D42CF}"/>
+                <a16:creationId xmlns:a16="http://schemas.microsoft.com/office/drawing/2014/main" id="{FFC4D111-7D66-453D-9006-ACEBA5E72615}"/>
               </a:ext>
             </a:extLst>
           </p:cNvPr>
@@ -12088,7 +9641,7 @@
           <p:cNvPr id="9" name="Rectángulo 8">
             <a:extLst>
               <a:ext uri="{FF2B5EF4-FFF2-40B4-BE49-F238E27FC236}">
-                <a16:creationId xmlns:a16="http://schemas.microsoft.com/office/drawing/2014/main" id="{56CD8FED-0FAB-4E1F-840E-3E2DB6CD8625}"/>
+                <a16:creationId xmlns:a16="http://schemas.microsoft.com/office/drawing/2014/main" id="{34DFBA94-33D4-43B4-B108-000B8521D2E5}"/>
               </a:ext>
             </a:extLst>
           </p:cNvPr>
@@ -12141,7 +9694,7 @@
           <p:cNvPr id="11" name="Rectángulo 10">
             <a:extLst>
               <a:ext uri="{FF2B5EF4-FFF2-40B4-BE49-F238E27FC236}">
-                <a16:creationId xmlns:a16="http://schemas.microsoft.com/office/drawing/2014/main" id="{710BAE1A-1446-4096-B495-283BBD1CE874}"/>
+                <a16:creationId xmlns:a16="http://schemas.microsoft.com/office/drawing/2014/main" id="{A8CE2291-9AF2-40C0-A3C2-4E98F71C712E}"/>
               </a:ext>
             </a:extLst>
           </p:cNvPr>
@@ -12194,7 +9747,7 @@
           <p:cNvPr id="13" name="Rectángulo 12">
             <a:extLst>
               <a:ext uri="{FF2B5EF4-FFF2-40B4-BE49-F238E27FC236}">
-                <a16:creationId xmlns:a16="http://schemas.microsoft.com/office/drawing/2014/main" id="{5C9E7B86-2DAE-4456-B517-BCDAC33D576C}"/>
+                <a16:creationId xmlns:a16="http://schemas.microsoft.com/office/drawing/2014/main" id="{7C807344-CB7C-4856-81B8-92B0EEA7A95B}"/>
               </a:ext>
             </a:extLst>
           </p:cNvPr>
@@ -12249,7 +9802,7 @@
           <p:cNvPr id="15" name="Rectángulo 14">
             <a:extLst>
               <a:ext uri="{FF2B5EF4-FFF2-40B4-BE49-F238E27FC236}">
-                <a16:creationId xmlns:a16="http://schemas.microsoft.com/office/drawing/2014/main" id="{7D9B8705-EA02-4D83-9081-50B97AF959EA}"/>
+                <a16:creationId xmlns:a16="http://schemas.microsoft.com/office/drawing/2014/main" id="{BCF3252A-385E-412D-A00D-9913A59D8100}"/>
               </a:ext>
             </a:extLst>
           </p:cNvPr>
@@ -12304,7 +9857,7 @@
           <p:cNvPr id="17" name="Rectángulo 16">
             <a:extLst>
               <a:ext uri="{FF2B5EF4-FFF2-40B4-BE49-F238E27FC236}">
-                <a16:creationId xmlns:a16="http://schemas.microsoft.com/office/drawing/2014/main" id="{623822A5-8581-474D-A3F6-7635E25D98C8}"/>
+                <a16:creationId xmlns:a16="http://schemas.microsoft.com/office/drawing/2014/main" id="{85BC9257-7469-4935-90DC-B203D6E60A5C}"/>
               </a:ext>
             </a:extLst>
           </p:cNvPr>
@@ -12357,7 +9910,7 @@
           <p:cNvPr id="19" name="Rectángulo 18">
             <a:extLst>
               <a:ext uri="{FF2B5EF4-FFF2-40B4-BE49-F238E27FC236}">
-                <a16:creationId xmlns:a16="http://schemas.microsoft.com/office/drawing/2014/main" id="{496AABE1-F424-4542-9115-EFB2F878E008}"/>
+                <a16:creationId xmlns:a16="http://schemas.microsoft.com/office/drawing/2014/main" id="{72DCA866-39D6-4BF7-B4E5-D38CD55F842F}"/>
               </a:ext>
             </a:extLst>
           </p:cNvPr>
@@ -12407,10 +9960,57 @@
           </a:p>
         </p:txBody>
       </p:sp>
+      <p:pic>
+        <p:nvPicPr>
+          <p:cNvPr id="1026" name="Picture 2">
+            <a:extLst>
+              <a:ext uri="{FF2B5EF4-FFF2-40B4-BE49-F238E27FC236}">
+                <a16:creationId xmlns:a16="http://schemas.microsoft.com/office/drawing/2014/main" id="{8D40E7CF-53AF-4B26-9470-A42A56BA786E}"/>
+              </a:ext>
+            </a:extLst>
+          </p:cNvPr>
+          <p:cNvPicPr>
+            <a:picLocks noChangeAspect="1" noChangeArrowheads="1"/>
+          </p:cNvPicPr>
+          <p:nvPr/>
+        </p:nvPicPr>
+        <p:blipFill>
+          <a:blip r:embed="rId2" cstate="print">
+            <a:extLst>
+              <a:ext uri="{28A0092B-C50C-407E-A947-70E740481C1C}">
+                <a14:useLocalDpi xmlns:a14="http://schemas.microsoft.com/office/drawing/2010/main" val="0"/>
+              </a:ext>
+            </a:extLst>
+          </a:blip>
+          <a:srcRect/>
+          <a:stretch>
+            <a:fillRect/>
+          </a:stretch>
+        </p:blipFill>
+        <p:spPr bwMode="auto">
+          <a:xfrm>
+            <a:off x="6444208" y="4509120"/>
+            <a:ext cx="1917406" cy="1719220"/>
+          </a:xfrm>
+          <a:prstGeom prst="rect">
+            <a:avLst/>
+          </a:prstGeom>
+          <a:noFill/>
+          <a:extLst>
+            <a:ext uri="{909E8E84-426E-40DD-AFC4-6F175D3DCCD1}">
+              <a14:hiddenFill xmlns:a14="http://schemas.microsoft.com/office/drawing/2010/main">
+                <a:solidFill>
+                  <a:srgbClr val="FFFFFF"/>
+                </a:solidFill>
+              </a14:hiddenFill>
+            </a:ext>
+          </a:extLst>
+        </p:spPr>
+      </p:pic>
     </p:spTree>
     <p:extLst>
       <p:ext uri="{BB962C8B-B14F-4D97-AF65-F5344CB8AC3E}">
-        <p14:creationId xmlns:p14="http://schemas.microsoft.com/office/powerpoint/2010/main" val="2369235371"/>
+        <p14:creationId xmlns:p14="http://schemas.microsoft.com/office/powerpoint/2010/main" val="388101514"/>
       </p:ext>
     </p:extLst>
   </p:cSld>
@@ -12442,7 +10042,7 @@
           <p:cNvPr id="2" name="Título 1">
             <a:extLst>
               <a:ext uri="{FF2B5EF4-FFF2-40B4-BE49-F238E27FC236}">
-                <a16:creationId xmlns:a16="http://schemas.microsoft.com/office/drawing/2014/main" id="{F7637687-8354-4929-9C6B-4F0EA61150E7}"/>
+                <a16:creationId xmlns:a16="http://schemas.microsoft.com/office/drawing/2014/main" id="{983113FB-954C-40F1-8608-CE7D541D0CED}"/>
               </a:ext>
             </a:extLst>
           </p:cNvPr>
@@ -12454,6 +10054,10 @@
           </p:nvPr>
         </p:nvSpPr>
         <p:spPr>
+          <a:xfrm>
+            <a:off x="457200" y="260648"/>
+            <a:ext cx="8229600" cy="1143000"/>
+          </a:xfrm>
           <a:effectLst>
             <a:outerShdw blurRad="50800" dist="38100" dir="2700000" algn="tl" rotWithShape="0">
               <a:schemeClr val="bg1">
@@ -12467,7 +10071,7 @@
           <a:lstStyle/>
           <a:p>
             <a:r>
-              <a:rPr lang="es-ES" dirty="0">
+              <a:rPr lang="es-ES" u="sng" dirty="0">
                 <a:solidFill>
                   <a:srgbClr val="663300"/>
                 </a:solidFill>
@@ -12479,9 +10083,9 @@
                   </a:outerShdw>
                 </a:effectLst>
               </a:rPr>
-              <a:t>Requerimientos del programa</a:t>
+              <a:t>Modelos y diagramas</a:t>
             </a:r>
-            <a:endParaRPr lang="es-UY" dirty="0">
+            <a:endParaRPr lang="es-UY" u="sng" dirty="0">
               <a:solidFill>
                 <a:srgbClr val="663300"/>
               </a:solidFill>
@@ -12501,7 +10105,7 @@
           <p:cNvPr id="3" name="Marcador de contenido 2">
             <a:extLst>
               <a:ext uri="{FF2B5EF4-FFF2-40B4-BE49-F238E27FC236}">
-                <a16:creationId xmlns:a16="http://schemas.microsoft.com/office/drawing/2014/main" id="{18F33BFA-7DCA-498C-8FC2-AB900107EE3F}"/>
+                <a16:creationId xmlns:a16="http://schemas.microsoft.com/office/drawing/2014/main" id="{118E58C8-B14A-4EA9-A1C4-A8B47A1AC6CD}"/>
               </a:ext>
             </a:extLst>
           </p:cNvPr>
@@ -12513,6 +10117,10 @@
           </p:nvPr>
         </p:nvSpPr>
         <p:spPr>
+          <a:xfrm>
+            <a:off x="961256" y="2060848"/>
+            <a:ext cx="7499176" cy="2808312"/>
+          </a:xfrm>
           <a:effectLst>
             <a:outerShdw blurRad="50800" dist="38100" dir="2700000" algn="tl" rotWithShape="0">
               <a:schemeClr val="bg1">
@@ -12527,58 +10135,44 @@
           </a:bodyPr>
           <a:lstStyle/>
           <a:p>
+            <a:pPr marL="0" indent="0">
+              <a:buNone/>
+            </a:pPr>
             <a:r>
-              <a:rPr lang="es-ES" dirty="0">
-                <a:solidFill>
-                  <a:srgbClr val="663300"/>
-                </a:solidFill>
-              </a:rPr>
-              <a:t>Sistema de gestión de los capítulos para las series.</a:t>
+              <a:rPr lang="es-ES" dirty="0"/>
+              <a:t>Modelo Entidad Relación (MER).</a:t>
             </a:r>
           </a:p>
           <a:p>
+            <a:pPr marL="0" indent="0">
+              <a:buNone/>
+            </a:pPr>
+            <a:endParaRPr lang="es-ES" dirty="0"/>
+          </a:p>
+          <a:p>
+            <a:pPr marL="0" indent="0">
+              <a:buNone/>
+            </a:pPr>
             <a:r>
-              <a:rPr lang="es-ES" dirty="0">
-                <a:solidFill>
-                  <a:srgbClr val="663300"/>
-                </a:solidFill>
-              </a:rPr>
-              <a:t>Administración de publicidad dependiendo de las tandas.</a:t>
+              <a:rPr lang="es-ES" dirty="0"/>
+              <a:t>Diagrama de Flujo de Datos (DFD).</a:t>
             </a:r>
           </a:p>
           <a:p>
+            <a:pPr marL="0" indent="0">
+              <a:buNone/>
+            </a:pPr>
+            <a:endParaRPr lang="es-ES" dirty="0"/>
+          </a:p>
+          <a:p>
+            <a:pPr marL="0" indent="0">
+              <a:buNone/>
+            </a:pPr>
             <a:r>
-              <a:rPr lang="es-ES" dirty="0">
-                <a:solidFill>
-                  <a:srgbClr val="663300"/>
-                </a:solidFill>
-              </a:rPr>
-              <a:t>Sistema de gestión para los conductores de la radio. </a:t>
+              <a:rPr lang="es-ES" dirty="0"/>
+              <a:t>UML de Clases.</a:t>
             </a:r>
           </a:p>
-          <a:p>
-            <a:r>
-              <a:rPr lang="es-ES" dirty="0">
-                <a:solidFill>
-                  <a:srgbClr val="663300"/>
-                </a:solidFill>
-              </a:rPr>
-              <a:t>Control de fechas de horarios y alquileres.</a:t>
-            </a:r>
-          </a:p>
-          <a:p>
-            <a:r>
-              <a:rPr lang="es-ES" dirty="0">
-                <a:solidFill>
-                  <a:srgbClr val="663300"/>
-                </a:solidFill>
-              </a:rPr>
-              <a:t>Administración de los pagos para cada publicidad y programa.</a:t>
-            </a:r>
-          </a:p>
-          <a:p>
-            <a:endParaRPr lang="es-UY" dirty="0"/>
-          </a:p>
         </p:txBody>
       </p:sp>
       <p:sp>
@@ -12586,7 +10180,7 @@
           <p:cNvPr id="5" name="Rectángulo 4">
             <a:extLst>
               <a:ext uri="{FF2B5EF4-FFF2-40B4-BE49-F238E27FC236}">
-                <a16:creationId xmlns:a16="http://schemas.microsoft.com/office/drawing/2014/main" id="{71EAB522-3FD3-4B79-B1E7-E4A9024C3915}"/>
+                <a16:creationId xmlns:a16="http://schemas.microsoft.com/office/drawing/2014/main" id="{038C4049-A769-42C6-A62C-FC2FD706A57A}"/>
               </a:ext>
             </a:extLst>
           </p:cNvPr>
@@ -12641,7 +10235,7 @@
           <p:cNvPr id="7" name="Rectángulo 6">
             <a:extLst>
               <a:ext uri="{FF2B5EF4-FFF2-40B4-BE49-F238E27FC236}">
-                <a16:creationId xmlns:a16="http://schemas.microsoft.com/office/drawing/2014/main" id="{FFC4D111-7D66-453D-9006-ACEBA5E72615}"/>
+                <a16:creationId xmlns:a16="http://schemas.microsoft.com/office/drawing/2014/main" id="{D687FB09-090A-4FCA-9811-24CDA0F7F5B3}"/>
               </a:ext>
             </a:extLst>
           </p:cNvPr>
@@ -12694,7 +10288,7 @@
           <p:cNvPr id="9" name="Rectángulo 8">
             <a:extLst>
               <a:ext uri="{FF2B5EF4-FFF2-40B4-BE49-F238E27FC236}">
-                <a16:creationId xmlns:a16="http://schemas.microsoft.com/office/drawing/2014/main" id="{34DFBA94-33D4-43B4-B108-000B8521D2E5}"/>
+                <a16:creationId xmlns:a16="http://schemas.microsoft.com/office/drawing/2014/main" id="{F15EEA55-8768-41C8-BC81-2A1E9521A82F}"/>
               </a:ext>
             </a:extLst>
           </p:cNvPr>
@@ -12747,7 +10341,7 @@
           <p:cNvPr id="11" name="Rectángulo 10">
             <a:extLst>
               <a:ext uri="{FF2B5EF4-FFF2-40B4-BE49-F238E27FC236}">
-                <a16:creationId xmlns:a16="http://schemas.microsoft.com/office/drawing/2014/main" id="{A8CE2291-9AF2-40C0-A3C2-4E98F71C712E}"/>
+                <a16:creationId xmlns:a16="http://schemas.microsoft.com/office/drawing/2014/main" id="{A49F6C3F-2E73-44B5-AE6B-D8AC48075537}"/>
               </a:ext>
             </a:extLst>
           </p:cNvPr>
@@ -12800,7 +10394,7 @@
           <p:cNvPr id="13" name="Rectángulo 12">
             <a:extLst>
               <a:ext uri="{FF2B5EF4-FFF2-40B4-BE49-F238E27FC236}">
-                <a16:creationId xmlns:a16="http://schemas.microsoft.com/office/drawing/2014/main" id="{7C807344-CB7C-4856-81B8-92B0EEA7A95B}"/>
+                <a16:creationId xmlns:a16="http://schemas.microsoft.com/office/drawing/2014/main" id="{6BD00AD1-11AC-45CB-9EC2-8161425FB29F}"/>
               </a:ext>
             </a:extLst>
           </p:cNvPr>
@@ -12855,7 +10449,7 @@
           <p:cNvPr id="15" name="Rectángulo 14">
             <a:extLst>
               <a:ext uri="{FF2B5EF4-FFF2-40B4-BE49-F238E27FC236}">
-                <a16:creationId xmlns:a16="http://schemas.microsoft.com/office/drawing/2014/main" id="{BCF3252A-385E-412D-A00D-9913A59D8100}"/>
+                <a16:creationId xmlns:a16="http://schemas.microsoft.com/office/drawing/2014/main" id="{60F2B4D1-B919-4BC5-8644-3D0D04A32E15}"/>
               </a:ext>
             </a:extLst>
           </p:cNvPr>
@@ -12910,7 +10504,7 @@
           <p:cNvPr id="17" name="Rectángulo 16">
             <a:extLst>
               <a:ext uri="{FF2B5EF4-FFF2-40B4-BE49-F238E27FC236}">
-                <a16:creationId xmlns:a16="http://schemas.microsoft.com/office/drawing/2014/main" id="{85BC9257-7469-4935-90DC-B203D6E60A5C}"/>
+                <a16:creationId xmlns:a16="http://schemas.microsoft.com/office/drawing/2014/main" id="{7B2CF973-F0D1-4303-B38B-191F6B842855}"/>
               </a:ext>
             </a:extLst>
           </p:cNvPr>
@@ -12963,7 +10557,7 @@
           <p:cNvPr id="19" name="Rectángulo 18">
             <a:extLst>
               <a:ext uri="{FF2B5EF4-FFF2-40B4-BE49-F238E27FC236}">
-                <a16:creationId xmlns:a16="http://schemas.microsoft.com/office/drawing/2014/main" id="{72DCA866-39D6-4BF7-B4E5-D38CD55F842F}"/>
+                <a16:creationId xmlns:a16="http://schemas.microsoft.com/office/drawing/2014/main" id="{8B28E18C-3320-4D52-9064-02FC7D06E9BF}"/>
               </a:ext>
             </a:extLst>
           </p:cNvPr>
@@ -13016,7 +10610,7 @@
     </p:spTree>
     <p:extLst>
       <p:ext uri="{BB962C8B-B14F-4D97-AF65-F5344CB8AC3E}">
-        <p14:creationId xmlns:p14="http://schemas.microsoft.com/office/powerpoint/2010/main" val="388101514"/>
+        <p14:creationId xmlns:p14="http://schemas.microsoft.com/office/powerpoint/2010/main" val="2597191757"/>
       </p:ext>
     </p:extLst>
   </p:cSld>
@@ -13043,147 +10637,46 @@
           <a:chExt cx="0" cy="0"/>
         </a:xfrm>
       </p:grpSpPr>
-      <p:sp>
-        <p:nvSpPr>
-          <p:cNvPr id="2" name="Título 1">
-            <a:extLst>
-              <a:ext uri="{FF2B5EF4-FFF2-40B4-BE49-F238E27FC236}">
-                <a16:creationId xmlns:a16="http://schemas.microsoft.com/office/drawing/2014/main" id="{983113FB-954C-40F1-8608-CE7D541D0CED}"/>
-              </a:ext>
-            </a:extLst>
-          </p:cNvPr>
-          <p:cNvSpPr>
-            <a:spLocks noGrp="1"/>
-          </p:cNvSpPr>
-          <p:nvPr>
-            <p:ph type="title"/>
-          </p:nvPr>
-        </p:nvSpPr>
-        <p:spPr>
-          <a:xfrm>
-            <a:off x="457200" y="260648"/>
-            <a:ext cx="8229600" cy="1143000"/>
-          </a:xfrm>
-          <a:effectLst>
-            <a:outerShdw blurRad="50800" dist="38100" dir="2700000" algn="tl" rotWithShape="0">
-              <a:schemeClr val="bg1">
-                <a:alpha val="40000"/>
-              </a:schemeClr>
-            </a:outerShdw>
-          </a:effectLst>
-        </p:spPr>
-        <p:txBody>
-          <a:bodyPr/>
-          <a:lstStyle/>
-          <a:p>
-            <a:r>
-              <a:rPr lang="es-ES" dirty="0">
-                <a:solidFill>
-                  <a:srgbClr val="663300"/>
-                </a:solidFill>
-                <a:effectLst>
-                  <a:outerShdw blurRad="38100" dist="38100" dir="2700000" algn="tl">
-                    <a:srgbClr val="000000">
-                      <a:alpha val="43137"/>
-                    </a:srgbClr>
-                  </a:outerShdw>
-                </a:effectLst>
-              </a:rPr>
-              <a:t>Modelo</a:t>
-            </a:r>
-            <a:endParaRPr lang="es-UY" dirty="0">
-              <a:solidFill>
-                <a:srgbClr val="663300"/>
-              </a:solidFill>
-              <a:effectLst>
-                <a:outerShdw blurRad="38100" dist="38100" dir="2700000" algn="tl">
-                  <a:srgbClr val="000000">
-                    <a:alpha val="43137"/>
-                  </a:srgbClr>
-                </a:outerShdw>
-              </a:effectLst>
-            </a:endParaRPr>
-          </a:p>
-        </p:txBody>
-      </p:sp>
-      <p:sp>
-        <p:nvSpPr>
-          <p:cNvPr id="3" name="Marcador de contenido 2">
-            <a:extLst>
-              <a:ext uri="{FF2B5EF4-FFF2-40B4-BE49-F238E27FC236}">
-                <a16:creationId xmlns:a16="http://schemas.microsoft.com/office/drawing/2014/main" id="{118E58C8-B14A-4EA9-A1C4-A8B47A1AC6CD}"/>
-              </a:ext>
-            </a:extLst>
-          </p:cNvPr>
-          <p:cNvSpPr>
-            <a:spLocks noGrp="1"/>
-          </p:cNvSpPr>
+      <p:pic>
+        <p:nvPicPr>
+          <p:cNvPr id="5" name="Marcador de contenido 4">
+            <a:extLst>
+              <a:ext uri="{FF2B5EF4-FFF2-40B4-BE49-F238E27FC236}">
+                <a16:creationId xmlns:a16="http://schemas.microsoft.com/office/drawing/2014/main" id="{E0150EAF-A1D7-4E87-B3DE-1274AF4DED5E}"/>
+              </a:ext>
+            </a:extLst>
+          </p:cNvPr>
+          <p:cNvPicPr>
+            <a:picLocks noGrp="1" noChangeAspect="1"/>
+          </p:cNvPicPr>
           <p:nvPr>
             <p:ph idx="1"/>
           </p:nvPr>
-        </p:nvSpPr>
+        </p:nvPicPr>
+        <p:blipFill>
+          <a:blip r:embed="rId2" cstate="print">
+            <a:extLst>
+              <a:ext uri="{28A0092B-C50C-407E-A947-70E740481C1C}">
+                <a14:useLocalDpi xmlns:a14="http://schemas.microsoft.com/office/drawing/2010/main" val="0"/>
+              </a:ext>
+            </a:extLst>
+          </a:blip>
+          <a:srcRect/>
+          <a:stretch/>
+        </p:blipFill>
         <p:spPr>
           <a:xfrm>
-            <a:off x="899592" y="1484784"/>
-            <a:ext cx="7499176" cy="2595737"/>
-          </a:xfrm>
-          <a:effectLst>
-            <a:outerShdw blurRad="50800" dist="38100" dir="2700000" algn="tl" rotWithShape="0">
-              <a:schemeClr val="bg1">
-                <a:alpha val="40000"/>
-              </a:schemeClr>
-            </a:outerShdw>
-          </a:effectLst>
-        </p:spPr>
-        <p:txBody>
-          <a:bodyPr/>
-          <a:lstStyle/>
-          <a:p>
-            <a:r>
-              <a:rPr lang="es-ES" dirty="0">
-                <a:solidFill>
-                  <a:srgbClr val="663300"/>
-                </a:solidFill>
-              </a:rPr>
-              <a:t>Para la creación de la base de datos del programa se utilizó:</a:t>
-            </a:r>
-          </a:p>
-          <a:p>
-            <a:pPr marL="0" indent="0">
-              <a:buNone/>
-            </a:pPr>
-            <a:endParaRPr lang="es-ES" dirty="0">
-              <a:solidFill>
-                <a:srgbClr val="663300"/>
-              </a:solidFill>
-            </a:endParaRPr>
-          </a:p>
-          <a:p>
-            <a:pPr marL="0" indent="0">
-              <a:buNone/>
-            </a:pPr>
-            <a:r>
-              <a:rPr lang="es-ES" dirty="0">
-                <a:solidFill>
-                  <a:srgbClr val="663300"/>
-                </a:solidFill>
-              </a:rPr>
-              <a:t>- Modelo entidad relación (MER)</a:t>
-            </a:r>
-            <a:endParaRPr lang="es-UY" dirty="0">
-              <a:solidFill>
-                <a:srgbClr val="663300"/>
-              </a:solidFill>
-            </a:endParaRPr>
-          </a:p>
-        </p:txBody>
-      </p:sp>
-      <p:sp>
-        <p:nvSpPr>
-          <p:cNvPr id="5" name="Rectángulo 4">
-            <a:extLst>
-              <a:ext uri="{FF2B5EF4-FFF2-40B4-BE49-F238E27FC236}">
-                <a16:creationId xmlns:a16="http://schemas.microsoft.com/office/drawing/2014/main" id="{038C4049-A769-42C6-A62C-FC2FD706A57A}"/>
+            <a:off x="1002878" y="352311"/>
+            <a:ext cx="7138244" cy="6153377"/>
+          </a:xfrm>
+        </p:spPr>
+      </p:pic>
+      <p:sp>
+        <p:nvSpPr>
+          <p:cNvPr id="2" name="Rectángulo 1">
+            <a:extLst>
+              <a:ext uri="{FF2B5EF4-FFF2-40B4-BE49-F238E27FC236}">
+                <a16:creationId xmlns:a16="http://schemas.microsoft.com/office/drawing/2014/main" id="{5F4C8A12-7EA2-4B04-A74C-42E5232CB640}"/>
               </a:ext>
             </a:extLst>
           </p:cNvPr>
@@ -13235,10 +10728,10 @@
       </p:sp>
       <p:sp>
         <p:nvSpPr>
-          <p:cNvPr id="7" name="Rectángulo 6">
-            <a:extLst>
-              <a:ext uri="{FF2B5EF4-FFF2-40B4-BE49-F238E27FC236}">
-                <a16:creationId xmlns:a16="http://schemas.microsoft.com/office/drawing/2014/main" id="{D687FB09-090A-4FCA-9811-24CDA0F7F5B3}"/>
+          <p:cNvPr id="4" name="Rectángulo 3">
+            <a:extLst>
+              <a:ext uri="{FF2B5EF4-FFF2-40B4-BE49-F238E27FC236}">
+                <a16:creationId xmlns:a16="http://schemas.microsoft.com/office/drawing/2014/main" id="{CA31F6C4-2600-44BA-8ADA-440C28F79C15}"/>
               </a:ext>
             </a:extLst>
           </p:cNvPr>
@@ -13288,10 +10781,10 @@
       </p:sp>
       <p:sp>
         <p:nvSpPr>
-          <p:cNvPr id="9" name="Rectángulo 8">
-            <a:extLst>
-              <a:ext uri="{FF2B5EF4-FFF2-40B4-BE49-F238E27FC236}">
-                <a16:creationId xmlns:a16="http://schemas.microsoft.com/office/drawing/2014/main" id="{F15EEA55-8768-41C8-BC81-2A1E9521A82F}"/>
+          <p:cNvPr id="8" name="Rectángulo 7">
+            <a:extLst>
+              <a:ext uri="{FF2B5EF4-FFF2-40B4-BE49-F238E27FC236}">
+                <a16:creationId xmlns:a16="http://schemas.microsoft.com/office/drawing/2014/main" id="{7D1C2AF5-B63D-4138-B546-D31CABF9888A}"/>
               </a:ext>
             </a:extLst>
           </p:cNvPr>
@@ -13341,10 +10834,10 @@
       </p:sp>
       <p:sp>
         <p:nvSpPr>
-          <p:cNvPr id="11" name="Rectángulo 10">
-            <a:extLst>
-              <a:ext uri="{FF2B5EF4-FFF2-40B4-BE49-F238E27FC236}">
-                <a16:creationId xmlns:a16="http://schemas.microsoft.com/office/drawing/2014/main" id="{A49F6C3F-2E73-44B5-AE6B-D8AC48075537}"/>
+          <p:cNvPr id="10" name="Rectángulo 9">
+            <a:extLst>
+              <a:ext uri="{FF2B5EF4-FFF2-40B4-BE49-F238E27FC236}">
+                <a16:creationId xmlns:a16="http://schemas.microsoft.com/office/drawing/2014/main" id="{D4ADA5C4-480F-4C8F-9A46-DE29E48AF4EC}"/>
               </a:ext>
             </a:extLst>
           </p:cNvPr>
@@ -13394,10 +10887,10 @@
       </p:sp>
       <p:sp>
         <p:nvSpPr>
-          <p:cNvPr id="13" name="Rectángulo 12">
-            <a:extLst>
-              <a:ext uri="{FF2B5EF4-FFF2-40B4-BE49-F238E27FC236}">
-                <a16:creationId xmlns:a16="http://schemas.microsoft.com/office/drawing/2014/main" id="{6BD00AD1-11AC-45CB-9EC2-8161425FB29F}"/>
+          <p:cNvPr id="12" name="Rectángulo 11">
+            <a:extLst>
+              <a:ext uri="{FF2B5EF4-FFF2-40B4-BE49-F238E27FC236}">
+                <a16:creationId xmlns:a16="http://schemas.microsoft.com/office/drawing/2014/main" id="{13678652-15EC-4C96-8020-B3930713101C}"/>
               </a:ext>
             </a:extLst>
           </p:cNvPr>
@@ -13449,10 +10942,10 @@
       </p:sp>
       <p:sp>
         <p:nvSpPr>
-          <p:cNvPr id="15" name="Rectángulo 14">
-            <a:extLst>
-              <a:ext uri="{FF2B5EF4-FFF2-40B4-BE49-F238E27FC236}">
-                <a16:creationId xmlns:a16="http://schemas.microsoft.com/office/drawing/2014/main" id="{60F2B4D1-B919-4BC5-8644-3D0D04A32E15}"/>
+          <p:cNvPr id="14" name="Rectángulo 13">
+            <a:extLst>
+              <a:ext uri="{FF2B5EF4-FFF2-40B4-BE49-F238E27FC236}">
+                <a16:creationId xmlns:a16="http://schemas.microsoft.com/office/drawing/2014/main" id="{2EB35F97-F8F3-4262-9D46-97935D7FFD8C}"/>
               </a:ext>
             </a:extLst>
           </p:cNvPr>
@@ -13504,10 +10997,10 @@
       </p:sp>
       <p:sp>
         <p:nvSpPr>
-          <p:cNvPr id="17" name="Rectángulo 16">
-            <a:extLst>
-              <a:ext uri="{FF2B5EF4-FFF2-40B4-BE49-F238E27FC236}">
-                <a16:creationId xmlns:a16="http://schemas.microsoft.com/office/drawing/2014/main" id="{7B2CF973-F0D1-4303-B38B-191F6B842855}"/>
+          <p:cNvPr id="16" name="Rectángulo 15">
+            <a:extLst>
+              <a:ext uri="{FF2B5EF4-FFF2-40B4-BE49-F238E27FC236}">
+                <a16:creationId xmlns:a16="http://schemas.microsoft.com/office/drawing/2014/main" id="{2A3967CB-A680-4E1D-8316-422ECC1FA20E}"/>
               </a:ext>
             </a:extLst>
           </p:cNvPr>
@@ -13557,10 +11050,10 @@
       </p:sp>
       <p:sp>
         <p:nvSpPr>
-          <p:cNvPr id="19" name="Rectángulo 18">
-            <a:extLst>
-              <a:ext uri="{FF2B5EF4-FFF2-40B4-BE49-F238E27FC236}">
-                <a16:creationId xmlns:a16="http://schemas.microsoft.com/office/drawing/2014/main" id="{8B28E18C-3320-4D52-9064-02FC7D06E9BF}"/>
+          <p:cNvPr id="18" name="Rectángulo 17">
+            <a:extLst>
+              <a:ext uri="{FF2B5EF4-FFF2-40B4-BE49-F238E27FC236}">
+                <a16:creationId xmlns:a16="http://schemas.microsoft.com/office/drawing/2014/main" id="{3022C462-82FA-4BA7-BC12-99379DACB784}"/>
               </a:ext>
             </a:extLst>
           </p:cNvPr>
@@ -13610,46 +11103,10 @@
           </a:p>
         </p:txBody>
       </p:sp>
-      <p:pic>
-        <p:nvPicPr>
-          <p:cNvPr id="21" name="Imagen 20">
-            <a:extLst>
-              <a:ext uri="{FF2B5EF4-FFF2-40B4-BE49-F238E27FC236}">
-                <a16:creationId xmlns:a16="http://schemas.microsoft.com/office/drawing/2014/main" id="{1153BCDF-6907-453E-A9FF-89BC752BBFE0}"/>
-              </a:ext>
-            </a:extLst>
-          </p:cNvPr>
-          <p:cNvPicPr>
-            <a:picLocks noChangeAspect="1"/>
-          </p:cNvPicPr>
-          <p:nvPr/>
-        </p:nvPicPr>
-        <p:blipFill>
-          <a:blip r:embed="rId2" cstate="print">
-            <a:extLst>
-              <a:ext uri="{28A0092B-C50C-407E-A947-70E740481C1C}">
-                <a14:useLocalDpi xmlns:a14="http://schemas.microsoft.com/office/drawing/2010/main" val="0"/>
-              </a:ext>
-            </a:extLst>
-          </a:blip>
-          <a:stretch>
-            <a:fillRect/>
-          </a:stretch>
-        </p:blipFill>
-        <p:spPr>
-          <a:xfrm>
-            <a:off x="3131840" y="3899206"/>
-            <a:ext cx="2971444" cy="2626138"/>
-          </a:xfrm>
-          <a:prstGeom prst="rect">
-            <a:avLst/>
-          </a:prstGeom>
-        </p:spPr>
-      </p:pic>
     </p:spTree>
     <p:extLst>
       <p:ext uri="{BB962C8B-B14F-4D97-AF65-F5344CB8AC3E}">
-        <p14:creationId xmlns:p14="http://schemas.microsoft.com/office/powerpoint/2010/main" val="2597191757"/>
+        <p14:creationId xmlns:p14="http://schemas.microsoft.com/office/powerpoint/2010/main" val="1151430572"/>
       </p:ext>
     </p:extLst>
   </p:cSld>
@@ -13676,47 +11133,12 @@
           <a:chExt cx="0" cy="0"/>
         </a:xfrm>
       </p:grpSpPr>
-      <p:pic>
-        <p:nvPicPr>
-          <p:cNvPr id="5" name="Marcador de contenido 4">
-            <a:extLst>
-              <a:ext uri="{FF2B5EF4-FFF2-40B4-BE49-F238E27FC236}">
-                <a16:creationId xmlns:a16="http://schemas.microsoft.com/office/drawing/2014/main" id="{E0150EAF-A1D7-4E87-B3DE-1274AF4DED5E}"/>
-              </a:ext>
-            </a:extLst>
-          </p:cNvPr>
-          <p:cNvPicPr>
-            <a:picLocks noGrp="1" noChangeAspect="1"/>
-          </p:cNvPicPr>
-          <p:nvPr>
-            <p:ph idx="1"/>
-          </p:nvPr>
-        </p:nvPicPr>
-        <p:blipFill>
-          <a:blip r:embed="rId2" cstate="print">
-            <a:extLst>
-              <a:ext uri="{28A0092B-C50C-407E-A947-70E740481C1C}">
-                <a14:useLocalDpi xmlns:a14="http://schemas.microsoft.com/office/drawing/2010/main" val="0"/>
-              </a:ext>
-            </a:extLst>
-          </a:blip>
-          <a:stretch>
-            <a:fillRect/>
-          </a:stretch>
-        </p:blipFill>
-        <p:spPr>
-          <a:xfrm>
-            <a:off x="1002878" y="274638"/>
-            <a:ext cx="7138244" cy="6308723"/>
-          </a:xfrm>
-        </p:spPr>
-      </p:pic>
-      <p:sp>
-        <p:nvSpPr>
-          <p:cNvPr id="2" name="Rectángulo 1">
-            <a:extLst>
-              <a:ext uri="{FF2B5EF4-FFF2-40B4-BE49-F238E27FC236}">
-                <a16:creationId xmlns:a16="http://schemas.microsoft.com/office/drawing/2014/main" id="{5F4C8A12-7EA2-4B04-A74C-42E5232CB640}"/>
+      <p:sp>
+        <p:nvSpPr>
+          <p:cNvPr id="5" name="Rectángulo 4">
+            <a:extLst>
+              <a:ext uri="{FF2B5EF4-FFF2-40B4-BE49-F238E27FC236}">
+                <a16:creationId xmlns:a16="http://schemas.microsoft.com/office/drawing/2014/main" id="{957C878D-A9A7-44A9-9CA0-726017D2DBB9}"/>
               </a:ext>
             </a:extLst>
           </p:cNvPr>
@@ -13768,10 +11190,10 @@
       </p:sp>
       <p:sp>
         <p:nvSpPr>
-          <p:cNvPr id="4" name="Rectángulo 3">
-            <a:extLst>
-              <a:ext uri="{FF2B5EF4-FFF2-40B4-BE49-F238E27FC236}">
-                <a16:creationId xmlns:a16="http://schemas.microsoft.com/office/drawing/2014/main" id="{CA31F6C4-2600-44BA-8ADA-440C28F79C15}"/>
+          <p:cNvPr id="7" name="Rectángulo 6">
+            <a:extLst>
+              <a:ext uri="{FF2B5EF4-FFF2-40B4-BE49-F238E27FC236}">
+                <a16:creationId xmlns:a16="http://schemas.microsoft.com/office/drawing/2014/main" id="{3D6C5FF7-38A0-4BFF-81CD-52E377194762}"/>
               </a:ext>
             </a:extLst>
           </p:cNvPr>
@@ -13821,10 +11243,10 @@
       </p:sp>
       <p:sp>
         <p:nvSpPr>
-          <p:cNvPr id="8" name="Rectángulo 7">
-            <a:extLst>
-              <a:ext uri="{FF2B5EF4-FFF2-40B4-BE49-F238E27FC236}">
-                <a16:creationId xmlns:a16="http://schemas.microsoft.com/office/drawing/2014/main" id="{7D1C2AF5-B63D-4138-B546-D31CABF9888A}"/>
+          <p:cNvPr id="9" name="Rectángulo 8">
+            <a:extLst>
+              <a:ext uri="{FF2B5EF4-FFF2-40B4-BE49-F238E27FC236}">
+                <a16:creationId xmlns:a16="http://schemas.microsoft.com/office/drawing/2014/main" id="{7E12AF09-DECE-4DB0-9197-D72BA0B02C4C}"/>
               </a:ext>
             </a:extLst>
           </p:cNvPr>
@@ -13874,10 +11296,10 @@
       </p:sp>
       <p:sp>
         <p:nvSpPr>
-          <p:cNvPr id="10" name="Rectángulo 9">
-            <a:extLst>
-              <a:ext uri="{FF2B5EF4-FFF2-40B4-BE49-F238E27FC236}">
-                <a16:creationId xmlns:a16="http://schemas.microsoft.com/office/drawing/2014/main" id="{D4ADA5C4-480F-4C8F-9A46-DE29E48AF4EC}"/>
+          <p:cNvPr id="11" name="Rectángulo 10">
+            <a:extLst>
+              <a:ext uri="{FF2B5EF4-FFF2-40B4-BE49-F238E27FC236}">
+                <a16:creationId xmlns:a16="http://schemas.microsoft.com/office/drawing/2014/main" id="{7F5FEC35-59EC-4E9E-B642-B9732FDBAFB7}"/>
               </a:ext>
             </a:extLst>
           </p:cNvPr>
@@ -13927,10 +11349,10 @@
       </p:sp>
       <p:sp>
         <p:nvSpPr>
-          <p:cNvPr id="12" name="Rectángulo 11">
-            <a:extLst>
-              <a:ext uri="{FF2B5EF4-FFF2-40B4-BE49-F238E27FC236}">
-                <a16:creationId xmlns:a16="http://schemas.microsoft.com/office/drawing/2014/main" id="{13678652-15EC-4C96-8020-B3930713101C}"/>
+          <p:cNvPr id="13" name="Rectángulo 12">
+            <a:extLst>
+              <a:ext uri="{FF2B5EF4-FFF2-40B4-BE49-F238E27FC236}">
+                <a16:creationId xmlns:a16="http://schemas.microsoft.com/office/drawing/2014/main" id="{1AD8E9B0-1E64-4B69-B2A0-CC8A2A17BC72}"/>
               </a:ext>
             </a:extLst>
           </p:cNvPr>
@@ -13982,10 +11404,10 @@
       </p:sp>
       <p:sp>
         <p:nvSpPr>
-          <p:cNvPr id="14" name="Rectángulo 13">
-            <a:extLst>
-              <a:ext uri="{FF2B5EF4-FFF2-40B4-BE49-F238E27FC236}">
-                <a16:creationId xmlns:a16="http://schemas.microsoft.com/office/drawing/2014/main" id="{2EB35F97-F8F3-4262-9D46-97935D7FFD8C}"/>
+          <p:cNvPr id="15" name="Rectángulo 14">
+            <a:extLst>
+              <a:ext uri="{FF2B5EF4-FFF2-40B4-BE49-F238E27FC236}">
+                <a16:creationId xmlns:a16="http://schemas.microsoft.com/office/drawing/2014/main" id="{FD76B393-F72C-4F70-9A47-68169D85CE9B}"/>
               </a:ext>
             </a:extLst>
           </p:cNvPr>
@@ -14037,10 +11459,10 @@
       </p:sp>
       <p:sp>
         <p:nvSpPr>
-          <p:cNvPr id="16" name="Rectángulo 15">
-            <a:extLst>
-              <a:ext uri="{FF2B5EF4-FFF2-40B4-BE49-F238E27FC236}">
-                <a16:creationId xmlns:a16="http://schemas.microsoft.com/office/drawing/2014/main" id="{2A3967CB-A680-4E1D-8316-422ECC1FA20E}"/>
+          <p:cNvPr id="17" name="Rectángulo 16">
+            <a:extLst>
+              <a:ext uri="{FF2B5EF4-FFF2-40B4-BE49-F238E27FC236}">
+                <a16:creationId xmlns:a16="http://schemas.microsoft.com/office/drawing/2014/main" id="{8EDF9A6A-1C86-42A3-A738-8910EBB3122E}"/>
               </a:ext>
             </a:extLst>
           </p:cNvPr>
@@ -14090,10 +11512,10 @@
       </p:sp>
       <p:sp>
         <p:nvSpPr>
-          <p:cNvPr id="18" name="Rectángulo 17">
-            <a:extLst>
-              <a:ext uri="{FF2B5EF4-FFF2-40B4-BE49-F238E27FC236}">
-                <a16:creationId xmlns:a16="http://schemas.microsoft.com/office/drawing/2014/main" id="{3022C462-82FA-4BA7-BC12-99379DACB784}"/>
+          <p:cNvPr id="19" name="Rectángulo 18">
+            <a:extLst>
+              <a:ext uri="{FF2B5EF4-FFF2-40B4-BE49-F238E27FC236}">
+                <a16:creationId xmlns:a16="http://schemas.microsoft.com/office/drawing/2014/main" id="{6F6D5F72-6A06-45AD-97D6-DBC310E1F77F}"/>
               </a:ext>
             </a:extLst>
           </p:cNvPr>
@@ -14143,10 +11565,104 @@
           </a:p>
         </p:txBody>
       </p:sp>
+      <p:pic>
+        <p:nvPicPr>
+          <p:cNvPr id="2050" name="Picture 2">
+            <a:extLst>
+              <a:ext uri="{FF2B5EF4-FFF2-40B4-BE49-F238E27FC236}">
+                <a16:creationId xmlns:a16="http://schemas.microsoft.com/office/drawing/2014/main" id="{EDC75B7C-F4E9-42C1-92C4-5C687F7CF046}"/>
+              </a:ext>
+            </a:extLst>
+          </p:cNvPr>
+          <p:cNvPicPr>
+            <a:picLocks noChangeAspect="1" noChangeArrowheads="1"/>
+          </p:cNvPicPr>
+          <p:nvPr/>
+        </p:nvPicPr>
+        <p:blipFill>
+          <a:blip r:embed="rId2">
+            <a:extLst>
+              <a:ext uri="{28A0092B-C50C-407E-A947-70E740481C1C}">
+                <a14:useLocalDpi xmlns:a14="http://schemas.microsoft.com/office/drawing/2010/main" val="0"/>
+              </a:ext>
+            </a:extLst>
+          </a:blip>
+          <a:srcRect/>
+          <a:stretch>
+            <a:fillRect/>
+          </a:stretch>
+        </p:blipFill>
+        <p:spPr bwMode="auto">
+          <a:xfrm>
+            <a:off x="971600" y="2286000"/>
+            <a:ext cx="7238380" cy="2727176"/>
+          </a:xfrm>
+          <a:prstGeom prst="rect">
+            <a:avLst/>
+          </a:prstGeom>
+          <a:noFill/>
+          <a:extLst>
+            <a:ext uri="{909E8E84-426E-40DD-AFC4-6F175D3DCCD1}">
+              <a14:hiddenFill xmlns:a14="http://schemas.microsoft.com/office/drawing/2010/main">
+                <a:solidFill>
+                  <a:srgbClr val="FFFFFF"/>
+                </a:solidFill>
+              </a14:hiddenFill>
+            </a:ext>
+          </a:extLst>
+        </p:spPr>
+      </p:pic>
+      <p:sp>
+        <p:nvSpPr>
+          <p:cNvPr id="4" name="CuadroTexto 3">
+            <a:extLst>
+              <a:ext uri="{FF2B5EF4-FFF2-40B4-BE49-F238E27FC236}">
+                <a16:creationId xmlns:a16="http://schemas.microsoft.com/office/drawing/2014/main" id="{684A40C8-CFCD-41E4-945C-AD9ADA5C6DC5}"/>
+              </a:ext>
+            </a:extLst>
+          </p:cNvPr>
+          <p:cNvSpPr txBox="1"/>
+          <p:nvPr/>
+        </p:nvSpPr>
+        <p:spPr>
+          <a:xfrm flipH="1">
+            <a:off x="2699792" y="785138"/>
+            <a:ext cx="4032448" cy="830997"/>
+          </a:xfrm>
+          <a:prstGeom prst="rect">
+            <a:avLst/>
+          </a:prstGeom>
+          <a:noFill/>
+        </p:spPr>
+        <p:txBody>
+          <a:bodyPr wrap="square" rtlCol="0">
+            <a:spAutoFit/>
+          </a:bodyPr>
+          <a:lstStyle/>
+          <a:p>
+            <a:r>
+              <a:rPr lang="es-ES" sz="4800" u="sng" dirty="0">
+                <a:solidFill>
+                  <a:srgbClr val="663300"/>
+                </a:solidFill>
+                <a:effectLst>
+                  <a:outerShdw blurRad="38100" dist="38100" dir="2700000" algn="tl">
+                    <a:srgbClr val="000000">
+                      <a:alpha val="43137"/>
+                    </a:srgbClr>
+                  </a:outerShdw>
+                </a:effectLst>
+              </a:rPr>
+              <a:t>UML de Clases</a:t>
+            </a:r>
+            <a:endParaRPr lang="es-UY" sz="4800" u="sng" dirty="0"/>
+          </a:p>
+        </p:txBody>
+      </p:sp>
     </p:spTree>
     <p:extLst>
       <p:ext uri="{BB962C8B-B14F-4D97-AF65-F5344CB8AC3E}">
-        <p14:creationId xmlns:p14="http://schemas.microsoft.com/office/powerpoint/2010/main" val="1151430572"/>
+        <p14:creationId xmlns:p14="http://schemas.microsoft.com/office/powerpoint/2010/main" val="2136013457"/>
       </p:ext>
     </p:extLst>
   </p:cSld>

--- a/Proyecto/Presentación Nu-CaBuPa.pptx
+++ b/Proyecto/Presentación Nu-CaBuPa.pptx
@@ -341,7 +341,7 @@
           <a:p>
             <a:fld id="{0B8DD80E-5314-4506-B330-B1A7010353A2}" type="datetimeFigureOut">
               <a:rPr lang="es-ES" smtClean="0"/>
-              <a:t>08/11/2020</a:t>
+              <a:t>12/11/2020</a:t>
             </a:fld>
             <a:endParaRPr lang="es-ES"/>
           </a:p>
@@ -504,7 +504,7 @@
           <a:p>
             <a:fld id="{0B8DD80E-5314-4506-B330-B1A7010353A2}" type="datetimeFigureOut">
               <a:rPr lang="es-ES" smtClean="0"/>
-              <a:t>08/11/2020</a:t>
+              <a:t>12/11/2020</a:t>
             </a:fld>
             <a:endParaRPr lang="es-ES"/>
           </a:p>
@@ -677,7 +677,7 @@
           <a:p>
             <a:fld id="{0B8DD80E-5314-4506-B330-B1A7010353A2}" type="datetimeFigureOut">
               <a:rPr lang="es-ES" smtClean="0"/>
-              <a:t>08/11/2020</a:t>
+              <a:t>12/11/2020</a:t>
             </a:fld>
             <a:endParaRPr lang="es-ES"/>
           </a:p>
@@ -840,7 +840,7 @@
           <a:p>
             <a:fld id="{0B8DD80E-5314-4506-B330-B1A7010353A2}" type="datetimeFigureOut">
               <a:rPr lang="es-ES" smtClean="0"/>
-              <a:t>08/11/2020</a:t>
+              <a:t>12/11/2020</a:t>
             </a:fld>
             <a:endParaRPr lang="es-ES"/>
           </a:p>
@@ -1080,7 +1080,7 @@
           <a:p>
             <a:fld id="{0B8DD80E-5314-4506-B330-B1A7010353A2}" type="datetimeFigureOut">
               <a:rPr lang="es-ES" smtClean="0"/>
-              <a:t>08/11/2020</a:t>
+              <a:t>12/11/2020</a:t>
             </a:fld>
             <a:endParaRPr lang="es-ES"/>
           </a:p>
@@ -1360,7 +1360,7 @@
           <a:p>
             <a:fld id="{0B8DD80E-5314-4506-B330-B1A7010353A2}" type="datetimeFigureOut">
               <a:rPr lang="es-ES" smtClean="0"/>
-              <a:t>08/11/2020</a:t>
+              <a:t>12/11/2020</a:t>
             </a:fld>
             <a:endParaRPr lang="es-ES"/>
           </a:p>
@@ -1774,7 +1774,7 @@
           <a:p>
             <a:fld id="{0B8DD80E-5314-4506-B330-B1A7010353A2}" type="datetimeFigureOut">
               <a:rPr lang="es-ES" smtClean="0"/>
-              <a:t>08/11/2020</a:t>
+              <a:t>12/11/2020</a:t>
             </a:fld>
             <a:endParaRPr lang="es-ES"/>
           </a:p>
@@ -1886,7 +1886,7 @@
           <a:p>
             <a:fld id="{0B8DD80E-5314-4506-B330-B1A7010353A2}" type="datetimeFigureOut">
               <a:rPr lang="es-ES" smtClean="0"/>
-              <a:t>08/11/2020</a:t>
+              <a:t>12/11/2020</a:t>
             </a:fld>
             <a:endParaRPr lang="es-ES"/>
           </a:p>
@@ -1976,7 +1976,7 @@
           <a:p>
             <a:fld id="{0B8DD80E-5314-4506-B330-B1A7010353A2}" type="datetimeFigureOut">
               <a:rPr lang="es-ES" smtClean="0"/>
-              <a:t>08/11/2020</a:t>
+              <a:t>12/11/2020</a:t>
             </a:fld>
             <a:endParaRPr lang="es-ES"/>
           </a:p>
@@ -2246,7 +2246,7 @@
           <a:p>
             <a:fld id="{0B8DD80E-5314-4506-B330-B1A7010353A2}" type="datetimeFigureOut">
               <a:rPr lang="es-ES" smtClean="0"/>
-              <a:t>08/11/2020</a:t>
+              <a:t>12/11/2020</a:t>
             </a:fld>
             <a:endParaRPr lang="es-ES"/>
           </a:p>
@@ -2493,7 +2493,7 @@
           <a:p>
             <a:fld id="{0B8DD80E-5314-4506-B330-B1A7010353A2}" type="datetimeFigureOut">
               <a:rPr lang="es-ES" smtClean="0"/>
-              <a:t>08/11/2020</a:t>
+              <a:t>12/11/2020</a:t>
             </a:fld>
             <a:endParaRPr lang="es-ES"/>
           </a:p>
@@ -2702,7 +2702,7 @@
           <a:p>
             <a:fld id="{0B8DD80E-5314-4506-B330-B1A7010353A2}" type="datetimeFigureOut">
               <a:rPr lang="es-ES" smtClean="0"/>
-              <a:t>08/11/2020</a:t>
+              <a:t>12/11/2020</a:t>
             </a:fld>
             <a:endParaRPr lang="es-ES"/>
           </a:p>
@@ -10119,7 +10119,7 @@
         <p:spPr>
           <a:xfrm>
             <a:off x="961256" y="2060848"/>
-            <a:ext cx="7499176" cy="2808312"/>
+            <a:ext cx="7499176" cy="3528392"/>
           </a:xfrm>
           <a:effectLst>
             <a:outerShdw blurRad="50800" dist="38100" dir="2700000" algn="tl" rotWithShape="0">
@@ -10131,7 +10131,7 @@
         </p:spPr>
         <p:txBody>
           <a:bodyPr>
-            <a:normAutofit lnSpcReduction="10000"/>
+            <a:normAutofit fontScale="92500" lnSpcReduction="10000"/>
           </a:bodyPr>
           <a:lstStyle/>
           <a:p>
@@ -10155,7 +10155,7 @@
             </a:pPr>
             <a:r>
               <a:rPr lang="es-ES" dirty="0"/>
-              <a:t>Diagrama de Flujo de Datos (DFD).</a:t>
+              <a:t>UML de Clases.</a:t>
             </a:r>
           </a:p>
           <a:p>
@@ -10170,8 +10170,29 @@
             </a:pPr>
             <a:r>
               <a:rPr lang="es-ES" dirty="0"/>
-              <a:t>UML de Clases.</a:t>
+              <a:t>Diagrama de Flujo de Datos (DFD).</a:t>
             </a:r>
+          </a:p>
+          <a:p>
+            <a:pPr marL="0" indent="0">
+              <a:buNone/>
+            </a:pPr>
+            <a:endParaRPr lang="es-ES" dirty="0"/>
+          </a:p>
+          <a:p>
+            <a:pPr marL="0" indent="0">
+              <a:buNone/>
+            </a:pPr>
+            <a:r>
+              <a:rPr lang="es-ES" dirty="0"/>
+              <a:t>Diagrama de Casos de Uso.</a:t>
+            </a:r>
+          </a:p>
+          <a:p>
+            <a:pPr marL="0" indent="0">
+              <a:buNone/>
+            </a:pPr>
+            <a:endParaRPr lang="es-ES" dirty="0"/>
           </a:p>
         </p:txBody>
       </p:sp>

--- a/Proyecto/Presentación Nu-CaBuPa.pptx
+++ b/Proyecto/Presentación Nu-CaBuPa.pptx
@@ -341,7 +341,7 @@
           <a:p>
             <a:fld id="{0B8DD80E-5314-4506-B330-B1A7010353A2}" type="datetimeFigureOut">
               <a:rPr lang="es-ES" smtClean="0"/>
-              <a:t>12/11/2020</a:t>
+              <a:t>14/11/2020</a:t>
             </a:fld>
             <a:endParaRPr lang="es-ES"/>
           </a:p>
@@ -504,7 +504,7 @@
           <a:p>
             <a:fld id="{0B8DD80E-5314-4506-B330-B1A7010353A2}" type="datetimeFigureOut">
               <a:rPr lang="es-ES" smtClean="0"/>
-              <a:t>12/11/2020</a:t>
+              <a:t>14/11/2020</a:t>
             </a:fld>
             <a:endParaRPr lang="es-ES"/>
           </a:p>
@@ -677,7 +677,7 @@
           <a:p>
             <a:fld id="{0B8DD80E-5314-4506-B330-B1A7010353A2}" type="datetimeFigureOut">
               <a:rPr lang="es-ES" smtClean="0"/>
-              <a:t>12/11/2020</a:t>
+              <a:t>14/11/2020</a:t>
             </a:fld>
             <a:endParaRPr lang="es-ES"/>
           </a:p>
@@ -840,7 +840,7 @@
           <a:p>
             <a:fld id="{0B8DD80E-5314-4506-B330-B1A7010353A2}" type="datetimeFigureOut">
               <a:rPr lang="es-ES" smtClean="0"/>
-              <a:t>12/11/2020</a:t>
+              <a:t>14/11/2020</a:t>
             </a:fld>
             <a:endParaRPr lang="es-ES"/>
           </a:p>
@@ -1080,7 +1080,7 @@
           <a:p>
             <a:fld id="{0B8DD80E-5314-4506-B330-B1A7010353A2}" type="datetimeFigureOut">
               <a:rPr lang="es-ES" smtClean="0"/>
-              <a:t>12/11/2020</a:t>
+              <a:t>14/11/2020</a:t>
             </a:fld>
             <a:endParaRPr lang="es-ES"/>
           </a:p>
@@ -1360,7 +1360,7 @@
           <a:p>
             <a:fld id="{0B8DD80E-5314-4506-B330-B1A7010353A2}" type="datetimeFigureOut">
               <a:rPr lang="es-ES" smtClean="0"/>
-              <a:t>12/11/2020</a:t>
+              <a:t>14/11/2020</a:t>
             </a:fld>
             <a:endParaRPr lang="es-ES"/>
           </a:p>
@@ -1774,7 +1774,7 @@
           <a:p>
             <a:fld id="{0B8DD80E-5314-4506-B330-B1A7010353A2}" type="datetimeFigureOut">
               <a:rPr lang="es-ES" smtClean="0"/>
-              <a:t>12/11/2020</a:t>
+              <a:t>14/11/2020</a:t>
             </a:fld>
             <a:endParaRPr lang="es-ES"/>
           </a:p>
@@ -1886,7 +1886,7 @@
           <a:p>
             <a:fld id="{0B8DD80E-5314-4506-B330-B1A7010353A2}" type="datetimeFigureOut">
               <a:rPr lang="es-ES" smtClean="0"/>
-              <a:t>12/11/2020</a:t>
+              <a:t>14/11/2020</a:t>
             </a:fld>
             <a:endParaRPr lang="es-ES"/>
           </a:p>
@@ -1976,7 +1976,7 @@
           <a:p>
             <a:fld id="{0B8DD80E-5314-4506-B330-B1A7010353A2}" type="datetimeFigureOut">
               <a:rPr lang="es-ES" smtClean="0"/>
-              <a:t>12/11/2020</a:t>
+              <a:t>14/11/2020</a:t>
             </a:fld>
             <a:endParaRPr lang="es-ES"/>
           </a:p>
@@ -2246,7 +2246,7 @@
           <a:p>
             <a:fld id="{0B8DD80E-5314-4506-B330-B1A7010353A2}" type="datetimeFigureOut">
               <a:rPr lang="es-ES" smtClean="0"/>
-              <a:t>12/11/2020</a:t>
+              <a:t>14/11/2020</a:t>
             </a:fld>
             <a:endParaRPr lang="es-ES"/>
           </a:p>
@@ -2493,7 +2493,7 @@
           <a:p>
             <a:fld id="{0B8DD80E-5314-4506-B330-B1A7010353A2}" type="datetimeFigureOut">
               <a:rPr lang="es-ES" smtClean="0"/>
-              <a:t>12/11/2020</a:t>
+              <a:t>14/11/2020</a:t>
             </a:fld>
             <a:endParaRPr lang="es-ES"/>
           </a:p>
@@ -2702,7 +2702,7 @@
           <a:p>
             <a:fld id="{0B8DD80E-5314-4506-B330-B1A7010353A2}" type="datetimeFigureOut">
               <a:rPr lang="es-ES" smtClean="0"/>
-              <a:t>12/11/2020</a:t>
+              <a:t>14/11/2020</a:t>
             </a:fld>
             <a:endParaRPr lang="es-ES"/>
           </a:p>
@@ -4265,7 +4265,7 @@
           <p:nvPr/>
         </p:nvPicPr>
         <p:blipFill>
-          <a:blip r:embed="rId2">
+          <a:blip r:embed="rId2" cstate="print">
             <a:extLst>
               <a:ext uri="{28A0092B-C50C-407E-A947-70E740481C1C}">
                 <a14:useLocalDpi xmlns:a14="http://schemas.microsoft.com/office/drawing/2010/main" val="0"/>
@@ -4279,8 +4279,8 @@
         </p:blipFill>
         <p:spPr bwMode="auto">
           <a:xfrm>
-            <a:off x="1582787" y="1497840"/>
-            <a:ext cx="5831309" cy="4789212"/>
+            <a:off x="1274422" y="4509120"/>
+            <a:ext cx="2577498" cy="2116880"/>
           </a:xfrm>
           <a:prstGeom prst="rect">
             <a:avLst/>
@@ -4295,6 +4295,42 @@
               </a14:hiddenFill>
             </a:ext>
           </a:extLst>
+        </p:spPr>
+      </p:pic>
+      <p:pic>
+        <p:nvPicPr>
+          <p:cNvPr id="4" name="Imagen 3">
+            <a:extLst>
+              <a:ext uri="{FF2B5EF4-FFF2-40B4-BE49-F238E27FC236}">
+                <a16:creationId xmlns:a16="http://schemas.microsoft.com/office/drawing/2014/main" id="{FBF43E25-4DB1-4071-979B-F509C3F4D290}"/>
+              </a:ext>
+            </a:extLst>
+          </p:cNvPr>
+          <p:cNvPicPr>
+            <a:picLocks noChangeAspect="1"/>
+          </p:cNvPicPr>
+          <p:nvPr/>
+        </p:nvPicPr>
+        <p:blipFill>
+          <a:blip r:embed="rId3">
+            <a:extLst>
+              <a:ext uri="{28A0092B-C50C-407E-A947-70E740481C1C}">
+                <a14:useLocalDpi xmlns:a14="http://schemas.microsoft.com/office/drawing/2010/main" val="0"/>
+              </a:ext>
+            </a:extLst>
+          </a:blip>
+          <a:stretch>
+            <a:fillRect/>
+          </a:stretch>
+        </p:blipFill>
+        <p:spPr>
+          <a:xfrm>
+            <a:off x="1313577" y="1214653"/>
+            <a:ext cx="5980500" cy="3287466"/>
+          </a:xfrm>
+          <a:prstGeom prst="rect">
+            <a:avLst/>
+          </a:prstGeom>
         </p:spPr>
       </p:pic>
     </p:spTree>
@@ -4814,7 +4850,7 @@
           <p:nvPr/>
         </p:nvPicPr>
         <p:blipFill>
-          <a:blip r:embed="rId2">
+          <a:blip r:embed="rId2" cstate="print">
             <a:extLst>
               <a:ext uri="{28A0092B-C50C-407E-A947-70E740481C1C}">
                 <a14:useLocalDpi xmlns:a14="http://schemas.microsoft.com/office/drawing/2010/main" val="0"/>
@@ -4828,8 +4864,8 @@
         </p:blipFill>
         <p:spPr bwMode="auto">
           <a:xfrm>
-            <a:off x="1266433" y="1556792"/>
-            <a:ext cx="6617935" cy="4798003"/>
+            <a:off x="253996" y="5028341"/>
+            <a:ext cx="2448272" cy="1774997"/>
           </a:xfrm>
           <a:prstGeom prst="rect">
             <a:avLst/>
@@ -4844,6 +4880,42 @@
               </a14:hiddenFill>
             </a:ext>
           </a:extLst>
+        </p:spPr>
+      </p:pic>
+      <p:pic>
+        <p:nvPicPr>
+          <p:cNvPr id="4" name="Imagen 3">
+            <a:extLst>
+              <a:ext uri="{FF2B5EF4-FFF2-40B4-BE49-F238E27FC236}">
+                <a16:creationId xmlns:a16="http://schemas.microsoft.com/office/drawing/2014/main" id="{C79A093B-EC09-4EBB-B485-ACFB5D1D86D1}"/>
+              </a:ext>
+            </a:extLst>
+          </p:cNvPr>
+          <p:cNvPicPr>
+            <a:picLocks noChangeAspect="1"/>
+          </p:cNvPicPr>
+          <p:nvPr/>
+        </p:nvPicPr>
+        <p:blipFill>
+          <a:blip r:embed="rId3">
+            <a:extLst>
+              <a:ext uri="{28A0092B-C50C-407E-A947-70E740481C1C}">
+                <a14:useLocalDpi xmlns:a14="http://schemas.microsoft.com/office/drawing/2010/main" val="0"/>
+              </a:ext>
+            </a:extLst>
+          </a:blip>
+          <a:stretch>
+            <a:fillRect/>
+          </a:stretch>
+        </p:blipFill>
+        <p:spPr>
+          <a:xfrm>
+            <a:off x="1403648" y="1270036"/>
+            <a:ext cx="6048672" cy="3929475"/>
+          </a:xfrm>
+          <a:prstGeom prst="rect">
+            <a:avLst/>
+          </a:prstGeom>
         </p:spPr>
       </p:pic>
     </p:spTree>
@@ -10687,8 +10759,8 @@
         </p:blipFill>
         <p:spPr>
           <a:xfrm>
-            <a:off x="1002878" y="352311"/>
-            <a:ext cx="7138244" cy="6153377"/>
+            <a:off x="1329947" y="1150421"/>
+            <a:ext cx="6447593" cy="5472608"/>
           </a:xfrm>
         </p:spPr>
       </p:pic>
@@ -11121,6 +11193,53 @@
           <a:p>
             <a:pPr algn="ctr"/>
             <a:endParaRPr lang="es-UY"/>
+          </a:p>
+        </p:txBody>
+      </p:sp>
+      <p:sp>
+        <p:nvSpPr>
+          <p:cNvPr id="3" name="CuadroTexto 2">
+            <a:extLst>
+              <a:ext uri="{FF2B5EF4-FFF2-40B4-BE49-F238E27FC236}">
+                <a16:creationId xmlns:a16="http://schemas.microsoft.com/office/drawing/2014/main" id="{243FF8BE-E441-4939-A504-A62BB5A8B60C}"/>
+              </a:ext>
+            </a:extLst>
+          </p:cNvPr>
+          <p:cNvSpPr txBox="1"/>
+          <p:nvPr/>
+        </p:nvSpPr>
+        <p:spPr>
+          <a:xfrm flipH="1">
+            <a:off x="3724414" y="260648"/>
+            <a:ext cx="1927706" cy="830997"/>
+          </a:xfrm>
+          <a:prstGeom prst="rect">
+            <a:avLst/>
+          </a:prstGeom>
+          <a:noFill/>
+        </p:spPr>
+        <p:txBody>
+          <a:bodyPr wrap="square" rtlCol="0">
+            <a:spAutoFit/>
+          </a:bodyPr>
+          <a:lstStyle/>
+          <a:p>
+            <a:r>
+              <a:rPr lang="es-ES" sz="4800" u="sng" dirty="0">
+                <a:solidFill>
+                  <a:srgbClr val="663300"/>
+                </a:solidFill>
+                <a:effectLst>
+                  <a:outerShdw blurRad="38100" dist="38100" dir="2700000" algn="tl">
+                    <a:srgbClr val="000000">
+                      <a:alpha val="43137"/>
+                    </a:srgbClr>
+                  </a:outerShdw>
+                </a:effectLst>
+              </a:rPr>
+              <a:t>MER</a:t>
+            </a:r>
+            <a:endParaRPr lang="es-UY" sz="4800" u="sng" dirty="0"/>
           </a:p>
         </p:txBody>
       </p:sp>
@@ -11615,8 +11734,8 @@
         </p:blipFill>
         <p:spPr bwMode="auto">
           <a:xfrm>
-            <a:off x="971600" y="2286000"/>
-            <a:ext cx="7238380" cy="2727176"/>
+            <a:off x="1736002" y="4174035"/>
+            <a:ext cx="6048672" cy="2278934"/>
           </a:xfrm>
           <a:prstGeom prst="rect">
             <a:avLst/>
@@ -11647,7 +11766,7 @@
         </p:nvSpPr>
         <p:spPr>
           <a:xfrm flipH="1">
-            <a:off x="2699792" y="785138"/>
+            <a:off x="2771800" y="314490"/>
             <a:ext cx="4032448" cy="830997"/>
           </a:xfrm>
           <a:prstGeom prst="rect">
@@ -11680,6 +11799,42 @@
           </a:p>
         </p:txBody>
       </p:sp>
+      <p:pic>
+        <p:nvPicPr>
+          <p:cNvPr id="3" name="Imagen 2">
+            <a:extLst>
+              <a:ext uri="{FF2B5EF4-FFF2-40B4-BE49-F238E27FC236}">
+                <a16:creationId xmlns:a16="http://schemas.microsoft.com/office/drawing/2014/main" id="{C1C3F625-4D7C-448A-BC64-594A44B806DD}"/>
+              </a:ext>
+            </a:extLst>
+          </p:cNvPr>
+          <p:cNvPicPr>
+            <a:picLocks noChangeAspect="1"/>
+          </p:cNvPicPr>
+          <p:nvPr/>
+        </p:nvPicPr>
+        <p:blipFill>
+          <a:blip r:embed="rId3">
+            <a:extLst>
+              <a:ext uri="{28A0092B-C50C-407E-A947-70E740481C1C}">
+                <a14:useLocalDpi xmlns:a14="http://schemas.microsoft.com/office/drawing/2010/main" val="0"/>
+              </a:ext>
+            </a:extLst>
+          </a:blip>
+          <a:stretch>
+            <a:fillRect/>
+          </a:stretch>
+        </p:blipFill>
+        <p:spPr>
+          <a:xfrm>
+            <a:off x="1547664" y="1391983"/>
+            <a:ext cx="6679825" cy="2782052"/>
+          </a:xfrm>
+          <a:prstGeom prst="rect">
+            <a:avLst/>
+          </a:prstGeom>
+        </p:spPr>
+      </p:pic>
     </p:spTree>
     <p:extLst>
       <p:ext uri="{BB962C8B-B14F-4D97-AF65-F5344CB8AC3E}">

--- a/Proyecto/Presentación Nu-CaBuPa.pptx
+++ b/Proyecto/Presentación Nu-CaBuPa.pptx
@@ -14,8 +14,8 @@
     <p:sldId id="262" r:id="rId8"/>
     <p:sldId id="263" r:id="rId9"/>
     <p:sldId id="266" r:id="rId10"/>
-    <p:sldId id="268" r:id="rId11"/>
-    <p:sldId id="267" r:id="rId12"/>
+    <p:sldId id="267" r:id="rId11"/>
+    <p:sldId id="268" r:id="rId12"/>
     <p:sldId id="269" r:id="rId13"/>
     <p:sldId id="270" r:id="rId14"/>
     <p:sldId id="271" r:id="rId15"/>
@@ -135,8 +135,8 @@
             <p14:sldId id="262"/>
             <p14:sldId id="263"/>
             <p14:sldId id="266"/>
+            <p14:sldId id="267"/>
             <p14:sldId id="268"/>
-            <p14:sldId id="267"/>
             <p14:sldId id="269"/>
             <p14:sldId id="270"/>
             <p14:sldId id="271"/>
@@ -341,7 +341,7 @@
           <a:p>
             <a:fld id="{0B8DD80E-5314-4506-B330-B1A7010353A2}" type="datetimeFigureOut">
               <a:rPr lang="es-ES" smtClean="0"/>
-              <a:t>14/11/2020</a:t>
+              <a:t>15/11/2020</a:t>
             </a:fld>
             <a:endParaRPr lang="es-ES"/>
           </a:p>
@@ -504,7 +504,7 @@
           <a:p>
             <a:fld id="{0B8DD80E-5314-4506-B330-B1A7010353A2}" type="datetimeFigureOut">
               <a:rPr lang="es-ES" smtClean="0"/>
-              <a:t>14/11/2020</a:t>
+              <a:t>15/11/2020</a:t>
             </a:fld>
             <a:endParaRPr lang="es-ES"/>
           </a:p>
@@ -677,7 +677,7 @@
           <a:p>
             <a:fld id="{0B8DD80E-5314-4506-B330-B1A7010353A2}" type="datetimeFigureOut">
               <a:rPr lang="es-ES" smtClean="0"/>
-              <a:t>14/11/2020</a:t>
+              <a:t>15/11/2020</a:t>
             </a:fld>
             <a:endParaRPr lang="es-ES"/>
           </a:p>
@@ -840,7 +840,7 @@
           <a:p>
             <a:fld id="{0B8DD80E-5314-4506-B330-B1A7010353A2}" type="datetimeFigureOut">
               <a:rPr lang="es-ES" smtClean="0"/>
-              <a:t>14/11/2020</a:t>
+              <a:t>15/11/2020</a:t>
             </a:fld>
             <a:endParaRPr lang="es-ES"/>
           </a:p>
@@ -1080,7 +1080,7 @@
           <a:p>
             <a:fld id="{0B8DD80E-5314-4506-B330-B1A7010353A2}" type="datetimeFigureOut">
               <a:rPr lang="es-ES" smtClean="0"/>
-              <a:t>14/11/2020</a:t>
+              <a:t>15/11/2020</a:t>
             </a:fld>
             <a:endParaRPr lang="es-ES"/>
           </a:p>
@@ -1360,7 +1360,7 @@
           <a:p>
             <a:fld id="{0B8DD80E-5314-4506-B330-B1A7010353A2}" type="datetimeFigureOut">
               <a:rPr lang="es-ES" smtClean="0"/>
-              <a:t>14/11/2020</a:t>
+              <a:t>15/11/2020</a:t>
             </a:fld>
             <a:endParaRPr lang="es-ES"/>
           </a:p>
@@ -1774,7 +1774,7 @@
           <a:p>
             <a:fld id="{0B8DD80E-5314-4506-B330-B1A7010353A2}" type="datetimeFigureOut">
               <a:rPr lang="es-ES" smtClean="0"/>
-              <a:t>14/11/2020</a:t>
+              <a:t>15/11/2020</a:t>
             </a:fld>
             <a:endParaRPr lang="es-ES"/>
           </a:p>
@@ -1886,7 +1886,7 @@
           <a:p>
             <a:fld id="{0B8DD80E-5314-4506-B330-B1A7010353A2}" type="datetimeFigureOut">
               <a:rPr lang="es-ES" smtClean="0"/>
-              <a:t>14/11/2020</a:t>
+              <a:t>15/11/2020</a:t>
             </a:fld>
             <a:endParaRPr lang="es-ES"/>
           </a:p>
@@ -1976,7 +1976,7 @@
           <a:p>
             <a:fld id="{0B8DD80E-5314-4506-B330-B1A7010353A2}" type="datetimeFigureOut">
               <a:rPr lang="es-ES" smtClean="0"/>
-              <a:t>14/11/2020</a:t>
+              <a:t>15/11/2020</a:t>
             </a:fld>
             <a:endParaRPr lang="es-ES"/>
           </a:p>
@@ -2246,7 +2246,7 @@
           <a:p>
             <a:fld id="{0B8DD80E-5314-4506-B330-B1A7010353A2}" type="datetimeFigureOut">
               <a:rPr lang="es-ES" smtClean="0"/>
-              <a:t>14/11/2020</a:t>
+              <a:t>15/11/2020</a:t>
             </a:fld>
             <a:endParaRPr lang="es-ES"/>
           </a:p>
@@ -2493,7 +2493,7 @@
           <a:p>
             <a:fld id="{0B8DD80E-5314-4506-B330-B1A7010353A2}" type="datetimeFigureOut">
               <a:rPr lang="es-ES" smtClean="0"/>
-              <a:t>14/11/2020</a:t>
+              <a:t>15/11/2020</a:t>
             </a:fld>
             <a:endParaRPr lang="es-ES"/>
           </a:p>
@@ -2702,7 +2702,7 @@
           <a:p>
             <a:fld id="{0B8DD80E-5314-4506-B330-B1A7010353A2}" type="datetimeFigureOut">
               <a:rPr lang="es-ES" smtClean="0"/>
-              <a:t>14/11/2020</a:t>
+              <a:t>15/11/2020</a:t>
             </a:fld>
             <a:endParaRPr lang="es-ES"/>
           </a:p>
@@ -3783,7 +3783,7 @@
           <p:cNvPr id="2" name="Título 1">
             <a:extLst>
               <a:ext uri="{FF2B5EF4-FFF2-40B4-BE49-F238E27FC236}">
-                <a16:creationId xmlns:a16="http://schemas.microsoft.com/office/drawing/2014/main" id="{35FF129C-736A-48B4-9E26-B1E29B44441B}"/>
+                <a16:creationId xmlns:a16="http://schemas.microsoft.com/office/drawing/2014/main" id="{EDCB50CD-2BB5-4213-BE1E-A6F918DD5434}"/>
               </a:ext>
             </a:extLst>
           </p:cNvPr>
@@ -3812,9 +3812,9 @@
                   </a:outerShdw>
                 </a:effectLst>
               </a:rPr>
-              <a:t>Diagrama de Flujo de Datos</a:t>
+              <a:t>Diagrama de Casos de Usos</a:t>
             </a:r>
-            <a:endParaRPr lang="es-UY" dirty="0"/>
+            <a:endParaRPr lang="es-UY" u="sng" dirty="0"/>
           </a:p>
         </p:txBody>
       </p:sp>
@@ -3823,7 +3823,7 @@
           <p:cNvPr id="5" name="Rectángulo 4">
             <a:extLst>
               <a:ext uri="{FF2B5EF4-FFF2-40B4-BE49-F238E27FC236}">
-                <a16:creationId xmlns:a16="http://schemas.microsoft.com/office/drawing/2014/main" id="{94C27DF5-8B77-4942-9EC2-F2CF8C8988FE}"/>
+                <a16:creationId xmlns:a16="http://schemas.microsoft.com/office/drawing/2014/main" id="{C37AF75E-393A-4787-939F-E7B023BF71F1}"/>
               </a:ext>
             </a:extLst>
           </p:cNvPr>
@@ -3878,7 +3878,7 @@
           <p:cNvPr id="7" name="Rectángulo 6">
             <a:extLst>
               <a:ext uri="{FF2B5EF4-FFF2-40B4-BE49-F238E27FC236}">
-                <a16:creationId xmlns:a16="http://schemas.microsoft.com/office/drawing/2014/main" id="{14109D7A-F7DF-4362-84F7-95E1F517318A}"/>
+                <a16:creationId xmlns:a16="http://schemas.microsoft.com/office/drawing/2014/main" id="{08DF7B31-E77B-4200-A56F-1B3AC921A9B8}"/>
               </a:ext>
             </a:extLst>
           </p:cNvPr>
@@ -3931,7 +3931,7 @@
           <p:cNvPr id="9" name="Rectángulo 8">
             <a:extLst>
               <a:ext uri="{FF2B5EF4-FFF2-40B4-BE49-F238E27FC236}">
-                <a16:creationId xmlns:a16="http://schemas.microsoft.com/office/drawing/2014/main" id="{A8F3BCDA-D73A-4F5B-B904-6D671E3DDDB3}"/>
+                <a16:creationId xmlns:a16="http://schemas.microsoft.com/office/drawing/2014/main" id="{DC36AEBA-D64A-43E6-B7A5-B2842A63E13D}"/>
               </a:ext>
             </a:extLst>
           </p:cNvPr>
@@ -3984,7 +3984,7 @@
           <p:cNvPr id="11" name="Rectángulo 10">
             <a:extLst>
               <a:ext uri="{FF2B5EF4-FFF2-40B4-BE49-F238E27FC236}">
-                <a16:creationId xmlns:a16="http://schemas.microsoft.com/office/drawing/2014/main" id="{DA68D2DB-4CFE-49D8-A6B4-ECADF22EEA87}"/>
+                <a16:creationId xmlns:a16="http://schemas.microsoft.com/office/drawing/2014/main" id="{724C2A8A-592E-4222-AB48-4B909EA2CB59}"/>
               </a:ext>
             </a:extLst>
           </p:cNvPr>
@@ -4037,7 +4037,7 @@
           <p:cNvPr id="13" name="Rectángulo 12">
             <a:extLst>
               <a:ext uri="{FF2B5EF4-FFF2-40B4-BE49-F238E27FC236}">
-                <a16:creationId xmlns:a16="http://schemas.microsoft.com/office/drawing/2014/main" id="{624F8116-EA0D-4519-A47A-DDA4FB8A53C3}"/>
+                <a16:creationId xmlns:a16="http://schemas.microsoft.com/office/drawing/2014/main" id="{9C8B1531-0788-4D95-9948-5A15E12DBB8A}"/>
               </a:ext>
             </a:extLst>
           </p:cNvPr>
@@ -4092,7 +4092,7 @@
           <p:cNvPr id="15" name="Rectángulo 14">
             <a:extLst>
               <a:ext uri="{FF2B5EF4-FFF2-40B4-BE49-F238E27FC236}">
-                <a16:creationId xmlns:a16="http://schemas.microsoft.com/office/drawing/2014/main" id="{739CD26D-BBDF-435A-A084-6F50873B3E57}"/>
+                <a16:creationId xmlns:a16="http://schemas.microsoft.com/office/drawing/2014/main" id="{4D48DB11-79CE-4566-8C7A-E00E96574A39}"/>
               </a:ext>
             </a:extLst>
           </p:cNvPr>
@@ -4147,7 +4147,7 @@
           <p:cNvPr id="17" name="Rectángulo 16">
             <a:extLst>
               <a:ext uri="{FF2B5EF4-FFF2-40B4-BE49-F238E27FC236}">
-                <a16:creationId xmlns:a16="http://schemas.microsoft.com/office/drawing/2014/main" id="{95F67606-FBD2-4A55-BC77-CBFE3B4285A1}"/>
+                <a16:creationId xmlns:a16="http://schemas.microsoft.com/office/drawing/2014/main" id="{D03A8623-A429-4B74-9EDC-DEB9ABF01585}"/>
               </a:ext>
             </a:extLst>
           </p:cNvPr>
@@ -4200,7 +4200,7 @@
           <p:cNvPr id="19" name="Rectángulo 18">
             <a:extLst>
               <a:ext uri="{FF2B5EF4-FFF2-40B4-BE49-F238E27FC236}">
-                <a16:creationId xmlns:a16="http://schemas.microsoft.com/office/drawing/2014/main" id="{E17D8D16-032B-4273-B7A3-6EB26E8F6B3C}"/>
+                <a16:creationId xmlns:a16="http://schemas.microsoft.com/office/drawing/2014/main" id="{4AF12505-48AE-4355-A2A7-A307653ECBBB}"/>
               </a:ext>
             </a:extLst>
           </p:cNvPr>
@@ -4252,10 +4252,10 @@
       </p:sp>
       <p:pic>
         <p:nvPicPr>
-          <p:cNvPr id="4102" name="Picture 6">
-            <a:extLst>
-              <a:ext uri="{FF2B5EF4-FFF2-40B4-BE49-F238E27FC236}">
-                <a16:creationId xmlns:a16="http://schemas.microsoft.com/office/drawing/2014/main" id="{34768970-A784-4843-86BF-64C486AD3815}"/>
+          <p:cNvPr id="3074" name="Picture 2">
+            <a:extLst>
+              <a:ext uri="{FF2B5EF4-FFF2-40B4-BE49-F238E27FC236}">
+                <a16:creationId xmlns:a16="http://schemas.microsoft.com/office/drawing/2014/main" id="{325EB609-7FE7-4954-A858-E5A13CFEEB0D}"/>
               </a:ext>
             </a:extLst>
           </p:cNvPr>
@@ -4279,8 +4279,8 @@
         </p:blipFill>
         <p:spPr bwMode="auto">
           <a:xfrm>
-            <a:off x="1274422" y="4509120"/>
-            <a:ext cx="2577498" cy="2116880"/>
+            <a:off x="253996" y="5028341"/>
+            <a:ext cx="2448272" cy="1774997"/>
           </a:xfrm>
           <a:prstGeom prst="rect">
             <a:avLst/>
@@ -4302,7 +4302,7 @@
           <p:cNvPr id="4" name="Imagen 3">
             <a:extLst>
               <a:ext uri="{FF2B5EF4-FFF2-40B4-BE49-F238E27FC236}">
-                <a16:creationId xmlns:a16="http://schemas.microsoft.com/office/drawing/2014/main" id="{FBF43E25-4DB1-4071-979B-F509C3F4D290}"/>
+                <a16:creationId xmlns:a16="http://schemas.microsoft.com/office/drawing/2014/main" id="{C79A093B-EC09-4EBB-B485-ACFB5D1D86D1}"/>
               </a:ext>
             </a:extLst>
           </p:cNvPr>
@@ -4325,8 +4325,8 @@
         </p:blipFill>
         <p:spPr>
           <a:xfrm>
-            <a:off x="1313577" y="1214653"/>
-            <a:ext cx="5980500" cy="3287466"/>
+            <a:off x="2555776" y="1258252"/>
+            <a:ext cx="6048672" cy="3929475"/>
           </a:xfrm>
           <a:prstGeom prst="rect">
             <a:avLst/>
@@ -4336,7 +4336,7 @@
     </p:spTree>
     <p:extLst>
       <p:ext uri="{BB962C8B-B14F-4D97-AF65-F5344CB8AC3E}">
-        <p14:creationId xmlns:p14="http://schemas.microsoft.com/office/powerpoint/2010/main" val="3219522303"/>
+        <p14:creationId xmlns:p14="http://schemas.microsoft.com/office/powerpoint/2010/main" val="143232944"/>
       </p:ext>
     </p:extLst>
   </p:cSld>
@@ -4368,7 +4368,7 @@
           <p:cNvPr id="2" name="Título 1">
             <a:extLst>
               <a:ext uri="{FF2B5EF4-FFF2-40B4-BE49-F238E27FC236}">
-                <a16:creationId xmlns:a16="http://schemas.microsoft.com/office/drawing/2014/main" id="{EDCB50CD-2BB5-4213-BE1E-A6F918DD5434}"/>
+                <a16:creationId xmlns:a16="http://schemas.microsoft.com/office/drawing/2014/main" id="{35FF129C-736A-48B4-9E26-B1E29B44441B}"/>
               </a:ext>
             </a:extLst>
           </p:cNvPr>
@@ -4397,9 +4397,9 @@
                   </a:outerShdw>
                 </a:effectLst>
               </a:rPr>
-              <a:t>Diagrama de Casos de Usos</a:t>
+              <a:t>Diagrama de Flujo de Datos</a:t>
             </a:r>
-            <a:endParaRPr lang="es-UY" u="sng" dirty="0"/>
+            <a:endParaRPr lang="es-UY" dirty="0"/>
           </a:p>
         </p:txBody>
       </p:sp>
@@ -4408,7 +4408,7 @@
           <p:cNvPr id="5" name="Rectángulo 4">
             <a:extLst>
               <a:ext uri="{FF2B5EF4-FFF2-40B4-BE49-F238E27FC236}">
-                <a16:creationId xmlns:a16="http://schemas.microsoft.com/office/drawing/2014/main" id="{C37AF75E-393A-4787-939F-E7B023BF71F1}"/>
+                <a16:creationId xmlns:a16="http://schemas.microsoft.com/office/drawing/2014/main" id="{94C27DF5-8B77-4942-9EC2-F2CF8C8988FE}"/>
               </a:ext>
             </a:extLst>
           </p:cNvPr>
@@ -4463,7 +4463,7 @@
           <p:cNvPr id="7" name="Rectángulo 6">
             <a:extLst>
               <a:ext uri="{FF2B5EF4-FFF2-40B4-BE49-F238E27FC236}">
-                <a16:creationId xmlns:a16="http://schemas.microsoft.com/office/drawing/2014/main" id="{08DF7B31-E77B-4200-A56F-1B3AC921A9B8}"/>
+                <a16:creationId xmlns:a16="http://schemas.microsoft.com/office/drawing/2014/main" id="{14109D7A-F7DF-4362-84F7-95E1F517318A}"/>
               </a:ext>
             </a:extLst>
           </p:cNvPr>
@@ -4516,7 +4516,7 @@
           <p:cNvPr id="9" name="Rectángulo 8">
             <a:extLst>
               <a:ext uri="{FF2B5EF4-FFF2-40B4-BE49-F238E27FC236}">
-                <a16:creationId xmlns:a16="http://schemas.microsoft.com/office/drawing/2014/main" id="{DC36AEBA-D64A-43E6-B7A5-B2842A63E13D}"/>
+                <a16:creationId xmlns:a16="http://schemas.microsoft.com/office/drawing/2014/main" id="{A8F3BCDA-D73A-4F5B-B904-6D671E3DDDB3}"/>
               </a:ext>
             </a:extLst>
           </p:cNvPr>
@@ -4569,7 +4569,7 @@
           <p:cNvPr id="11" name="Rectángulo 10">
             <a:extLst>
               <a:ext uri="{FF2B5EF4-FFF2-40B4-BE49-F238E27FC236}">
-                <a16:creationId xmlns:a16="http://schemas.microsoft.com/office/drawing/2014/main" id="{724C2A8A-592E-4222-AB48-4B909EA2CB59}"/>
+                <a16:creationId xmlns:a16="http://schemas.microsoft.com/office/drawing/2014/main" id="{DA68D2DB-4CFE-49D8-A6B4-ECADF22EEA87}"/>
               </a:ext>
             </a:extLst>
           </p:cNvPr>
@@ -4622,7 +4622,7 @@
           <p:cNvPr id="13" name="Rectángulo 12">
             <a:extLst>
               <a:ext uri="{FF2B5EF4-FFF2-40B4-BE49-F238E27FC236}">
-                <a16:creationId xmlns:a16="http://schemas.microsoft.com/office/drawing/2014/main" id="{9C8B1531-0788-4D95-9948-5A15E12DBB8A}"/>
+                <a16:creationId xmlns:a16="http://schemas.microsoft.com/office/drawing/2014/main" id="{624F8116-EA0D-4519-A47A-DDA4FB8A53C3}"/>
               </a:ext>
             </a:extLst>
           </p:cNvPr>
@@ -4677,7 +4677,7 @@
           <p:cNvPr id="15" name="Rectángulo 14">
             <a:extLst>
               <a:ext uri="{FF2B5EF4-FFF2-40B4-BE49-F238E27FC236}">
-                <a16:creationId xmlns:a16="http://schemas.microsoft.com/office/drawing/2014/main" id="{4D48DB11-79CE-4566-8C7A-E00E96574A39}"/>
+                <a16:creationId xmlns:a16="http://schemas.microsoft.com/office/drawing/2014/main" id="{739CD26D-BBDF-435A-A084-6F50873B3E57}"/>
               </a:ext>
             </a:extLst>
           </p:cNvPr>
@@ -4732,7 +4732,7 @@
           <p:cNvPr id="17" name="Rectángulo 16">
             <a:extLst>
               <a:ext uri="{FF2B5EF4-FFF2-40B4-BE49-F238E27FC236}">
-                <a16:creationId xmlns:a16="http://schemas.microsoft.com/office/drawing/2014/main" id="{D03A8623-A429-4B74-9EDC-DEB9ABF01585}"/>
+                <a16:creationId xmlns:a16="http://schemas.microsoft.com/office/drawing/2014/main" id="{95F67606-FBD2-4A55-BC77-CBFE3B4285A1}"/>
               </a:ext>
             </a:extLst>
           </p:cNvPr>
@@ -4785,7 +4785,7 @@
           <p:cNvPr id="19" name="Rectángulo 18">
             <a:extLst>
               <a:ext uri="{FF2B5EF4-FFF2-40B4-BE49-F238E27FC236}">
-                <a16:creationId xmlns:a16="http://schemas.microsoft.com/office/drawing/2014/main" id="{4AF12505-48AE-4355-A2A7-A307653ECBBB}"/>
+                <a16:creationId xmlns:a16="http://schemas.microsoft.com/office/drawing/2014/main" id="{E17D8D16-032B-4273-B7A3-6EB26E8F6B3C}"/>
               </a:ext>
             </a:extLst>
           </p:cNvPr>
@@ -4837,10 +4837,10 @@
       </p:sp>
       <p:pic>
         <p:nvPicPr>
-          <p:cNvPr id="3074" name="Picture 2">
-            <a:extLst>
-              <a:ext uri="{FF2B5EF4-FFF2-40B4-BE49-F238E27FC236}">
-                <a16:creationId xmlns:a16="http://schemas.microsoft.com/office/drawing/2014/main" id="{325EB609-7FE7-4954-A858-E5A13CFEEB0D}"/>
+          <p:cNvPr id="4102" name="Picture 6">
+            <a:extLst>
+              <a:ext uri="{FF2B5EF4-FFF2-40B4-BE49-F238E27FC236}">
+                <a16:creationId xmlns:a16="http://schemas.microsoft.com/office/drawing/2014/main" id="{34768970-A784-4843-86BF-64C486AD3815}"/>
               </a:ext>
             </a:extLst>
           </p:cNvPr>
@@ -4864,8 +4864,8 @@
         </p:blipFill>
         <p:spPr bwMode="auto">
           <a:xfrm>
-            <a:off x="253996" y="5028341"/>
-            <a:ext cx="2448272" cy="1774997"/>
+            <a:off x="1274422" y="4509120"/>
+            <a:ext cx="2577498" cy="2116880"/>
           </a:xfrm>
           <a:prstGeom prst="rect">
             <a:avLst/>
@@ -4887,7 +4887,7 @@
           <p:cNvPr id="4" name="Imagen 3">
             <a:extLst>
               <a:ext uri="{FF2B5EF4-FFF2-40B4-BE49-F238E27FC236}">
-                <a16:creationId xmlns:a16="http://schemas.microsoft.com/office/drawing/2014/main" id="{C79A093B-EC09-4EBB-B485-ACFB5D1D86D1}"/>
+                <a16:creationId xmlns:a16="http://schemas.microsoft.com/office/drawing/2014/main" id="{FBF43E25-4DB1-4071-979B-F509C3F4D290}"/>
               </a:ext>
             </a:extLst>
           </p:cNvPr>
@@ -4910,8 +4910,8 @@
         </p:blipFill>
         <p:spPr>
           <a:xfrm>
-            <a:off x="1403648" y="1270036"/>
-            <a:ext cx="6048672" cy="3929475"/>
+            <a:off x="1313577" y="1214653"/>
+            <a:ext cx="5980500" cy="3287466"/>
           </a:xfrm>
           <a:prstGeom prst="rect">
             <a:avLst/>
@@ -4921,7 +4921,7 @@
     </p:spTree>
     <p:extLst>
       <p:ext uri="{BB962C8B-B14F-4D97-AF65-F5344CB8AC3E}">
-        <p14:creationId xmlns:p14="http://schemas.microsoft.com/office/powerpoint/2010/main" val="143232944"/>
+        <p14:creationId xmlns:p14="http://schemas.microsoft.com/office/powerpoint/2010/main" val="3219522303"/>
       </p:ext>
     </p:extLst>
   </p:cSld>
@@ -10242,7 +10242,7 @@
             </a:pPr>
             <a:r>
               <a:rPr lang="es-ES" dirty="0"/>
-              <a:t>Diagrama de Flujo de Datos (DFD).</a:t>
+              <a:t>Diagrama de Casos de Uso.</a:t>
             </a:r>
           </a:p>
           <a:p>
@@ -10257,14 +10257,8 @@
             </a:pPr>
             <a:r>
               <a:rPr lang="es-ES" dirty="0"/>
-              <a:t>Diagrama de Casos de Uso.</a:t>
+              <a:t>Diagrama de Flujo de Datos (DFD).</a:t>
             </a:r>
-          </a:p>
-          <a:p>
-            <a:pPr marL="0" indent="0">
-              <a:buNone/>
-            </a:pPr>
-            <a:endParaRPr lang="es-ES" dirty="0"/>
           </a:p>
         </p:txBody>
       </p:sp>

--- a/Proyecto/Presentación Nu-CaBuPa.pptx
+++ b/Proyecto/Presentación Nu-CaBuPa.pptx
@@ -341,7 +341,7 @@
           <a:p>
             <a:fld id="{0B8DD80E-5314-4506-B330-B1A7010353A2}" type="datetimeFigureOut">
               <a:rPr lang="es-ES" smtClean="0"/>
-              <a:t>15/11/2020</a:t>
+              <a:t>16/11/2020</a:t>
             </a:fld>
             <a:endParaRPr lang="es-ES"/>
           </a:p>
@@ -504,7 +504,7 @@
           <a:p>
             <a:fld id="{0B8DD80E-5314-4506-B330-B1A7010353A2}" type="datetimeFigureOut">
               <a:rPr lang="es-ES" smtClean="0"/>
-              <a:t>15/11/2020</a:t>
+              <a:t>16/11/2020</a:t>
             </a:fld>
             <a:endParaRPr lang="es-ES"/>
           </a:p>
@@ -677,7 +677,7 @@
           <a:p>
             <a:fld id="{0B8DD80E-5314-4506-B330-B1A7010353A2}" type="datetimeFigureOut">
               <a:rPr lang="es-ES" smtClean="0"/>
-              <a:t>15/11/2020</a:t>
+              <a:t>16/11/2020</a:t>
             </a:fld>
             <a:endParaRPr lang="es-ES"/>
           </a:p>
@@ -840,7 +840,7 @@
           <a:p>
             <a:fld id="{0B8DD80E-5314-4506-B330-B1A7010353A2}" type="datetimeFigureOut">
               <a:rPr lang="es-ES" smtClean="0"/>
-              <a:t>15/11/2020</a:t>
+              <a:t>16/11/2020</a:t>
             </a:fld>
             <a:endParaRPr lang="es-ES"/>
           </a:p>
@@ -1080,7 +1080,7 @@
           <a:p>
             <a:fld id="{0B8DD80E-5314-4506-B330-B1A7010353A2}" type="datetimeFigureOut">
               <a:rPr lang="es-ES" smtClean="0"/>
-              <a:t>15/11/2020</a:t>
+              <a:t>16/11/2020</a:t>
             </a:fld>
             <a:endParaRPr lang="es-ES"/>
           </a:p>
@@ -1360,7 +1360,7 @@
           <a:p>
             <a:fld id="{0B8DD80E-5314-4506-B330-B1A7010353A2}" type="datetimeFigureOut">
               <a:rPr lang="es-ES" smtClean="0"/>
-              <a:t>15/11/2020</a:t>
+              <a:t>16/11/2020</a:t>
             </a:fld>
             <a:endParaRPr lang="es-ES"/>
           </a:p>
@@ -1774,7 +1774,7 @@
           <a:p>
             <a:fld id="{0B8DD80E-5314-4506-B330-B1A7010353A2}" type="datetimeFigureOut">
               <a:rPr lang="es-ES" smtClean="0"/>
-              <a:t>15/11/2020</a:t>
+              <a:t>16/11/2020</a:t>
             </a:fld>
             <a:endParaRPr lang="es-ES"/>
           </a:p>
@@ -1886,7 +1886,7 @@
           <a:p>
             <a:fld id="{0B8DD80E-5314-4506-B330-B1A7010353A2}" type="datetimeFigureOut">
               <a:rPr lang="es-ES" smtClean="0"/>
-              <a:t>15/11/2020</a:t>
+              <a:t>16/11/2020</a:t>
             </a:fld>
             <a:endParaRPr lang="es-ES"/>
           </a:p>
@@ -1976,7 +1976,7 @@
           <a:p>
             <a:fld id="{0B8DD80E-5314-4506-B330-B1A7010353A2}" type="datetimeFigureOut">
               <a:rPr lang="es-ES" smtClean="0"/>
-              <a:t>15/11/2020</a:t>
+              <a:t>16/11/2020</a:t>
             </a:fld>
             <a:endParaRPr lang="es-ES"/>
           </a:p>
@@ -2246,7 +2246,7 @@
           <a:p>
             <a:fld id="{0B8DD80E-5314-4506-B330-B1A7010353A2}" type="datetimeFigureOut">
               <a:rPr lang="es-ES" smtClean="0"/>
-              <a:t>15/11/2020</a:t>
+              <a:t>16/11/2020</a:t>
             </a:fld>
             <a:endParaRPr lang="es-ES"/>
           </a:p>
@@ -2493,7 +2493,7 @@
           <a:p>
             <a:fld id="{0B8DD80E-5314-4506-B330-B1A7010353A2}" type="datetimeFigureOut">
               <a:rPr lang="es-ES" smtClean="0"/>
-              <a:t>15/11/2020</a:t>
+              <a:t>16/11/2020</a:t>
             </a:fld>
             <a:endParaRPr lang="es-ES"/>
           </a:p>
@@ -2702,7 +2702,7 @@
           <a:p>
             <a:fld id="{0B8DD80E-5314-4506-B330-B1A7010353A2}" type="datetimeFigureOut">
               <a:rPr lang="es-ES" smtClean="0"/>
-              <a:t>15/11/2020</a:t>
+              <a:t>16/11/2020</a:t>
             </a:fld>
             <a:endParaRPr lang="es-ES"/>
           </a:p>
@@ -6306,12 +6306,14 @@
         </p:nvSpPr>
         <p:spPr>
           <a:xfrm>
-            <a:off x="1182452" y="1747802"/>
+            <a:off x="1243656" y="2022152"/>
             <a:ext cx="6779096" cy="3843745"/>
           </a:xfrm>
         </p:spPr>
         <p:txBody>
-          <a:bodyPr/>
+          <a:bodyPr>
+            <a:normAutofit/>
+          </a:bodyPr>
           <a:lstStyle/>
           <a:p>
             <a:pPr marL="0" indent="0" algn="just">
@@ -6366,6 +6368,34 @@
               <a:buNone/>
             </a:pPr>
             <a:endParaRPr lang="es-UY" sz="1800" dirty="0">
+              <a:latin typeface="Arial" panose="020B0604020202020204" pitchFamily="34" charset="0"/>
+              <a:ea typeface="Arial" panose="020B0604020202020204" pitchFamily="34" charset="0"/>
+            </a:endParaRPr>
+          </a:p>
+          <a:p>
+            <a:pPr marL="0" indent="0" algn="just">
+              <a:lnSpc>
+                <a:spcPct val="115000"/>
+              </a:lnSpc>
+              <a:buNone/>
+            </a:pPr>
+            <a:r>
+              <a:rPr lang="es-UY" sz="1800" dirty="0">
+                <a:effectLst/>
+                <a:latin typeface="Arial" panose="020B0604020202020204" pitchFamily="34" charset="0"/>
+                <a:ea typeface="Arial" panose="020B0604020202020204" pitchFamily="34" charset="0"/>
+              </a:rPr>
+              <a:t>Software completo + instalación + servís por 9 meses.</a:t>
+            </a:r>
+          </a:p>
+          <a:p>
+            <a:pPr marL="0" indent="0" algn="just">
+              <a:lnSpc>
+                <a:spcPct val="115000"/>
+              </a:lnSpc>
+              <a:buNone/>
+            </a:pPr>
+            <a:endParaRPr lang="es-UY" sz="1800" dirty="0">
               <a:effectLst/>
               <a:latin typeface="Arial" panose="020B0604020202020204" pitchFamily="34" charset="0"/>
               <a:ea typeface="Arial" panose="020B0604020202020204" pitchFamily="34" charset="0"/>
@@ -6429,22 +6459,6 @@
               <a:ea typeface="Arial" panose="020B0604020202020204" pitchFamily="34" charset="0"/>
             </a:endParaRPr>
           </a:p>
-          <a:p>
-            <a:pPr marL="0" indent="0" algn="just">
-              <a:lnSpc>
-                <a:spcPct val="115000"/>
-              </a:lnSpc>
-              <a:buNone/>
-            </a:pPr>
-            <a:r>
-              <a:rPr lang="es-UY" sz="1800" dirty="0">
-                <a:effectLst/>
-                <a:latin typeface="Arial" panose="020B0604020202020204" pitchFamily="34" charset="0"/>
-                <a:ea typeface="Arial" panose="020B0604020202020204" pitchFamily="34" charset="0"/>
-              </a:rPr>
-              <a:t>Software completo + instalación + servís por 9 meses.</a:t>
-            </a:r>
-          </a:p>
         </p:txBody>
       </p:sp>
       <p:sp>
@@ -6907,7 +6921,7 @@
         </p:blipFill>
         <p:spPr>
           <a:xfrm>
-            <a:off x="6036145" y="1235512"/>
+            <a:off x="5651521" y="1124744"/>
             <a:ext cx="2650655" cy="2650655"/>
           </a:xfrm>
           <a:prstGeom prst="rect">
